--- a/generative_ai_course/assets/img/phase2/新增 Microsoft PowerPoint 簡報.pptx
+++ b/generative_ai_course/assets/img/phase2/新增 Microsoft PowerPoint 簡報.pptx
@@ -205,7 +205,7 @@
           <a:p>
             <a:fld id="{3C8C63E4-BC2D-4690-82A2-D7099CE793CA}" type="datetimeFigureOut">
               <a:rPr lang="zh-TW" altLang="en-US" smtClean="0"/>
-              <a:t>2024/6/21</a:t>
+              <a:t>2024/6/23</a:t>
             </a:fld>
             <a:endParaRPr lang="zh-TW" altLang="en-US"/>
           </a:p>
@@ -703,7 +703,7 @@
           <a:p>
             <a:fld id="{8E543B0A-1CC6-4EF1-9EB2-BDB0E0862F0A}" type="datetimeFigureOut">
               <a:rPr lang="zh-TW" altLang="en-US" smtClean="0"/>
-              <a:t>2024/6/21</a:t>
+              <a:t>2024/6/23</a:t>
             </a:fld>
             <a:endParaRPr lang="zh-TW" altLang="en-US"/>
           </a:p>
@@ -901,7 +901,7 @@
           <a:p>
             <a:fld id="{8E543B0A-1CC6-4EF1-9EB2-BDB0E0862F0A}" type="datetimeFigureOut">
               <a:rPr lang="zh-TW" altLang="en-US" smtClean="0"/>
-              <a:t>2024/6/21</a:t>
+              <a:t>2024/6/23</a:t>
             </a:fld>
             <a:endParaRPr lang="zh-TW" altLang="en-US"/>
           </a:p>
@@ -1109,7 +1109,7 @@
           <a:p>
             <a:fld id="{8E543B0A-1CC6-4EF1-9EB2-BDB0E0862F0A}" type="datetimeFigureOut">
               <a:rPr lang="zh-TW" altLang="en-US" smtClean="0"/>
-              <a:t>2024/6/21</a:t>
+              <a:t>2024/6/23</a:t>
             </a:fld>
             <a:endParaRPr lang="zh-TW" altLang="en-US"/>
           </a:p>
@@ -1307,7 +1307,7 @@
           <a:p>
             <a:fld id="{8E543B0A-1CC6-4EF1-9EB2-BDB0E0862F0A}" type="datetimeFigureOut">
               <a:rPr lang="zh-TW" altLang="en-US" smtClean="0"/>
-              <a:t>2024/6/21</a:t>
+              <a:t>2024/6/23</a:t>
             </a:fld>
             <a:endParaRPr lang="zh-TW" altLang="en-US"/>
           </a:p>
@@ -1582,7 +1582,7 @@
           <a:p>
             <a:fld id="{8E543B0A-1CC6-4EF1-9EB2-BDB0E0862F0A}" type="datetimeFigureOut">
               <a:rPr lang="zh-TW" altLang="en-US" smtClean="0"/>
-              <a:t>2024/6/21</a:t>
+              <a:t>2024/6/23</a:t>
             </a:fld>
             <a:endParaRPr lang="zh-TW" altLang="en-US"/>
           </a:p>
@@ -1847,7 +1847,7 @@
           <a:p>
             <a:fld id="{8E543B0A-1CC6-4EF1-9EB2-BDB0E0862F0A}" type="datetimeFigureOut">
               <a:rPr lang="zh-TW" altLang="en-US" smtClean="0"/>
-              <a:t>2024/6/21</a:t>
+              <a:t>2024/6/23</a:t>
             </a:fld>
             <a:endParaRPr lang="zh-TW" altLang="en-US"/>
           </a:p>
@@ -2259,7 +2259,7 @@
           <a:p>
             <a:fld id="{8E543B0A-1CC6-4EF1-9EB2-BDB0E0862F0A}" type="datetimeFigureOut">
               <a:rPr lang="zh-TW" altLang="en-US" smtClean="0"/>
-              <a:t>2024/6/21</a:t>
+              <a:t>2024/6/23</a:t>
             </a:fld>
             <a:endParaRPr lang="zh-TW" altLang="en-US"/>
           </a:p>
@@ -2400,7 +2400,7 @@
           <a:p>
             <a:fld id="{8E543B0A-1CC6-4EF1-9EB2-BDB0E0862F0A}" type="datetimeFigureOut">
               <a:rPr lang="zh-TW" altLang="en-US" smtClean="0"/>
-              <a:t>2024/6/21</a:t>
+              <a:t>2024/6/23</a:t>
             </a:fld>
             <a:endParaRPr lang="zh-TW" altLang="en-US"/>
           </a:p>
@@ -2513,7 +2513,7 @@
           <a:p>
             <a:fld id="{8E543B0A-1CC6-4EF1-9EB2-BDB0E0862F0A}" type="datetimeFigureOut">
               <a:rPr lang="zh-TW" altLang="en-US" smtClean="0"/>
-              <a:t>2024/6/21</a:t>
+              <a:t>2024/6/23</a:t>
             </a:fld>
             <a:endParaRPr lang="zh-TW" altLang="en-US"/>
           </a:p>
@@ -2824,7 +2824,7 @@
           <a:p>
             <a:fld id="{8E543B0A-1CC6-4EF1-9EB2-BDB0E0862F0A}" type="datetimeFigureOut">
               <a:rPr lang="zh-TW" altLang="en-US" smtClean="0"/>
-              <a:t>2024/6/21</a:t>
+              <a:t>2024/6/23</a:t>
             </a:fld>
             <a:endParaRPr lang="zh-TW" altLang="en-US"/>
           </a:p>
@@ -3112,7 +3112,7 @@
           <a:p>
             <a:fld id="{8E543B0A-1CC6-4EF1-9EB2-BDB0E0862F0A}" type="datetimeFigureOut">
               <a:rPr lang="zh-TW" altLang="en-US" smtClean="0"/>
-              <a:t>2024/6/21</a:t>
+              <a:t>2024/6/23</a:t>
             </a:fld>
             <a:endParaRPr lang="zh-TW" altLang="en-US"/>
           </a:p>
@@ -3353,7 +3353,7 @@
           <a:p>
             <a:fld id="{8E543B0A-1CC6-4EF1-9EB2-BDB0E0862F0A}" type="datetimeFigureOut">
               <a:rPr lang="zh-TW" altLang="en-US" smtClean="0"/>
-              <a:t>2024/6/21</a:t>
+              <a:t>2024/6/23</a:t>
             </a:fld>
             <a:endParaRPr lang="zh-TW" altLang="en-US"/>
           </a:p>

--- a/generative_ai_course/assets/img/phase2/新增 Microsoft PowerPoint 簡報.pptx
+++ b/generative_ai_course/assets/img/phase2/新增 Microsoft PowerPoint 簡報.pptx
@@ -205,7 +205,7 @@
           <a:p>
             <a:fld id="{3C8C63E4-BC2D-4690-82A2-D7099CE793CA}" type="datetimeFigureOut">
               <a:rPr lang="zh-TW" altLang="en-US" smtClean="0"/>
-              <a:t>2024/6/23</a:t>
+              <a:t>2024/7/11</a:t>
             </a:fld>
             <a:endParaRPr lang="zh-TW" altLang="en-US"/>
           </a:p>
@@ -703,7 +703,7 @@
           <a:p>
             <a:fld id="{8E543B0A-1CC6-4EF1-9EB2-BDB0E0862F0A}" type="datetimeFigureOut">
               <a:rPr lang="zh-TW" altLang="en-US" smtClean="0"/>
-              <a:t>2024/6/23</a:t>
+              <a:t>2024/7/11</a:t>
             </a:fld>
             <a:endParaRPr lang="zh-TW" altLang="en-US"/>
           </a:p>
@@ -901,7 +901,7 @@
           <a:p>
             <a:fld id="{8E543B0A-1CC6-4EF1-9EB2-BDB0E0862F0A}" type="datetimeFigureOut">
               <a:rPr lang="zh-TW" altLang="en-US" smtClean="0"/>
-              <a:t>2024/6/23</a:t>
+              <a:t>2024/7/11</a:t>
             </a:fld>
             <a:endParaRPr lang="zh-TW" altLang="en-US"/>
           </a:p>
@@ -1109,7 +1109,7 @@
           <a:p>
             <a:fld id="{8E543B0A-1CC6-4EF1-9EB2-BDB0E0862F0A}" type="datetimeFigureOut">
               <a:rPr lang="zh-TW" altLang="en-US" smtClean="0"/>
-              <a:t>2024/6/23</a:t>
+              <a:t>2024/7/11</a:t>
             </a:fld>
             <a:endParaRPr lang="zh-TW" altLang="en-US"/>
           </a:p>
@@ -1307,7 +1307,7 @@
           <a:p>
             <a:fld id="{8E543B0A-1CC6-4EF1-9EB2-BDB0E0862F0A}" type="datetimeFigureOut">
               <a:rPr lang="zh-TW" altLang="en-US" smtClean="0"/>
-              <a:t>2024/6/23</a:t>
+              <a:t>2024/7/11</a:t>
             </a:fld>
             <a:endParaRPr lang="zh-TW" altLang="en-US"/>
           </a:p>
@@ -1582,7 +1582,7 @@
           <a:p>
             <a:fld id="{8E543B0A-1CC6-4EF1-9EB2-BDB0E0862F0A}" type="datetimeFigureOut">
               <a:rPr lang="zh-TW" altLang="en-US" smtClean="0"/>
-              <a:t>2024/6/23</a:t>
+              <a:t>2024/7/11</a:t>
             </a:fld>
             <a:endParaRPr lang="zh-TW" altLang="en-US"/>
           </a:p>
@@ -1847,7 +1847,7 @@
           <a:p>
             <a:fld id="{8E543B0A-1CC6-4EF1-9EB2-BDB0E0862F0A}" type="datetimeFigureOut">
               <a:rPr lang="zh-TW" altLang="en-US" smtClean="0"/>
-              <a:t>2024/6/23</a:t>
+              <a:t>2024/7/11</a:t>
             </a:fld>
             <a:endParaRPr lang="zh-TW" altLang="en-US"/>
           </a:p>
@@ -2259,7 +2259,7 @@
           <a:p>
             <a:fld id="{8E543B0A-1CC6-4EF1-9EB2-BDB0E0862F0A}" type="datetimeFigureOut">
               <a:rPr lang="zh-TW" altLang="en-US" smtClean="0"/>
-              <a:t>2024/6/23</a:t>
+              <a:t>2024/7/11</a:t>
             </a:fld>
             <a:endParaRPr lang="zh-TW" altLang="en-US"/>
           </a:p>
@@ -2400,7 +2400,7 @@
           <a:p>
             <a:fld id="{8E543B0A-1CC6-4EF1-9EB2-BDB0E0862F0A}" type="datetimeFigureOut">
               <a:rPr lang="zh-TW" altLang="en-US" smtClean="0"/>
-              <a:t>2024/6/23</a:t>
+              <a:t>2024/7/11</a:t>
             </a:fld>
             <a:endParaRPr lang="zh-TW" altLang="en-US"/>
           </a:p>
@@ -2513,7 +2513,7 @@
           <a:p>
             <a:fld id="{8E543B0A-1CC6-4EF1-9EB2-BDB0E0862F0A}" type="datetimeFigureOut">
               <a:rPr lang="zh-TW" altLang="en-US" smtClean="0"/>
-              <a:t>2024/6/23</a:t>
+              <a:t>2024/7/11</a:t>
             </a:fld>
             <a:endParaRPr lang="zh-TW" altLang="en-US"/>
           </a:p>
@@ -2824,7 +2824,7 @@
           <a:p>
             <a:fld id="{8E543B0A-1CC6-4EF1-9EB2-BDB0E0862F0A}" type="datetimeFigureOut">
               <a:rPr lang="zh-TW" altLang="en-US" smtClean="0"/>
-              <a:t>2024/6/23</a:t>
+              <a:t>2024/7/11</a:t>
             </a:fld>
             <a:endParaRPr lang="zh-TW" altLang="en-US"/>
           </a:p>
@@ -3112,7 +3112,7 @@
           <a:p>
             <a:fld id="{8E543B0A-1CC6-4EF1-9EB2-BDB0E0862F0A}" type="datetimeFigureOut">
               <a:rPr lang="zh-TW" altLang="en-US" smtClean="0"/>
-              <a:t>2024/6/23</a:t>
+              <a:t>2024/7/11</a:t>
             </a:fld>
             <a:endParaRPr lang="zh-TW" altLang="en-US"/>
           </a:p>
@@ -3353,7 +3353,7 @@
           <a:p>
             <a:fld id="{8E543B0A-1CC6-4EF1-9EB2-BDB0E0862F0A}" type="datetimeFigureOut">
               <a:rPr lang="zh-TW" altLang="en-US" smtClean="0"/>
-              <a:t>2024/6/23</a:t>
+              <a:t>2024/7/11</a:t>
             </a:fld>
             <a:endParaRPr lang="zh-TW" altLang="en-US"/>
           </a:p>
@@ -4234,7 +4234,7 @@
           <a:bodyPr/>
           <a:lstStyle/>
           <a:p>
-            <a:endParaRPr lang="zh-TW" altLang="en-US"/>
+            <a:endParaRPr lang="zh-TW" altLang="en-US" dirty="0"/>
           </a:p>
         </p:txBody>
       </p:sp>
@@ -4321,6 +4321,576 @@
           </a:p>
         </p:txBody>
       </p:sp>
+      <p:grpSp>
+        <p:nvGrpSpPr>
+          <p:cNvPr id="23" name="群組 22">
+            <a:extLst>
+              <a:ext uri="{FF2B5EF4-FFF2-40B4-BE49-F238E27FC236}">
+                <a16:creationId xmlns:a16="http://schemas.microsoft.com/office/drawing/2014/main" id="{3F1FE3E8-8ACE-9B68-E409-9115D776F407}"/>
+              </a:ext>
+            </a:extLst>
+          </p:cNvPr>
+          <p:cNvGrpSpPr/>
+          <p:nvPr/>
+        </p:nvGrpSpPr>
+        <p:grpSpPr>
+          <a:xfrm>
+            <a:off x="224317" y="1825624"/>
+            <a:ext cx="3846271" cy="4302820"/>
+            <a:chOff x="224317" y="1825624"/>
+            <a:chExt cx="3846271" cy="4302820"/>
+          </a:xfrm>
+        </p:grpSpPr>
+        <p:sp>
+          <p:nvSpPr>
+            <p:cNvPr id="20" name="橢圓 19">
+              <a:extLst>
+                <a:ext uri="{FF2B5EF4-FFF2-40B4-BE49-F238E27FC236}">
+                  <a16:creationId xmlns:a16="http://schemas.microsoft.com/office/drawing/2014/main" id="{E6A184B6-316E-2635-90EA-7AAA04AE3376}"/>
+                </a:ext>
+              </a:extLst>
+            </p:cNvPr>
+            <p:cNvSpPr/>
+            <p:nvPr/>
+          </p:nvSpPr>
+          <p:spPr>
+            <a:xfrm>
+              <a:off x="285256" y="4882963"/>
+              <a:ext cx="1224000" cy="1224000"/>
+            </a:xfrm>
+            <a:prstGeom prst="ellipse">
+              <a:avLst/>
+            </a:prstGeom>
+            <a:solidFill>
+              <a:srgbClr val="42EFFF"/>
+            </a:solidFill>
+          </p:spPr>
+          <p:style>
+            <a:lnRef idx="2">
+              <a:schemeClr val="accent1">
+                <a:shade val="15000"/>
+              </a:schemeClr>
+            </a:lnRef>
+            <a:fillRef idx="1">
+              <a:schemeClr val="accent1"/>
+            </a:fillRef>
+            <a:effectRef idx="0">
+              <a:schemeClr val="accent1"/>
+            </a:effectRef>
+            <a:fontRef idx="minor">
+              <a:schemeClr val="lt1"/>
+            </a:fontRef>
+          </p:style>
+          <p:txBody>
+            <a:bodyPr rtlCol="0" anchor="ctr"/>
+            <a:lstStyle/>
+            <a:p>
+              <a:pPr algn="ctr"/>
+              <a:endParaRPr lang="zh-TW" altLang="en-US"/>
+            </a:p>
+          </p:txBody>
+        </p:sp>
+        <p:grpSp>
+          <p:nvGrpSpPr>
+            <p:cNvPr id="16" name="群組 15">
+              <a:extLst>
+                <a:ext uri="{FF2B5EF4-FFF2-40B4-BE49-F238E27FC236}">
+                  <a16:creationId xmlns:a16="http://schemas.microsoft.com/office/drawing/2014/main" id="{8C61E6FA-1434-5022-71C9-CEA49220AE98}"/>
+                </a:ext>
+              </a:extLst>
+            </p:cNvPr>
+            <p:cNvGrpSpPr/>
+            <p:nvPr/>
+          </p:nvGrpSpPr>
+          <p:grpSpPr>
+            <a:xfrm>
+              <a:off x="224317" y="1825624"/>
+              <a:ext cx="3846271" cy="2597299"/>
+              <a:chOff x="224317" y="1825624"/>
+              <a:chExt cx="3846271" cy="2597299"/>
+            </a:xfrm>
+          </p:grpSpPr>
+          <p:sp>
+            <p:nvSpPr>
+              <p:cNvPr id="3" name="矩形 2">
+                <a:extLst>
+                  <a:ext uri="{FF2B5EF4-FFF2-40B4-BE49-F238E27FC236}">
+                    <a16:creationId xmlns:a16="http://schemas.microsoft.com/office/drawing/2014/main" id="{643EF16E-0679-0B2E-8DE7-91015B2EC375}"/>
+                  </a:ext>
+                </a:extLst>
+              </p:cNvPr>
+              <p:cNvSpPr/>
+              <p:nvPr/>
+            </p:nvSpPr>
+            <p:spPr>
+              <a:xfrm>
+                <a:off x="224317" y="1825624"/>
+                <a:ext cx="3846271" cy="2403475"/>
+              </a:xfrm>
+              <a:prstGeom prst="rect">
+                <a:avLst/>
+              </a:prstGeom>
+              <a:solidFill>
+                <a:srgbClr val="42EFFF"/>
+              </a:solidFill>
+              <a:ln w="28575">
+                <a:solidFill>
+                  <a:schemeClr val="tx1"/>
+                </a:solidFill>
+              </a:ln>
+            </p:spPr>
+            <p:style>
+              <a:lnRef idx="2">
+                <a:schemeClr val="accent1">
+                  <a:shade val="15000"/>
+                </a:schemeClr>
+              </a:lnRef>
+              <a:fillRef idx="1">
+                <a:schemeClr val="accent1"/>
+              </a:fillRef>
+              <a:effectRef idx="0">
+                <a:schemeClr val="accent1"/>
+              </a:effectRef>
+              <a:fontRef idx="minor">
+                <a:schemeClr val="lt1"/>
+              </a:fontRef>
+            </p:style>
+            <p:txBody>
+              <a:bodyPr rtlCol="0" anchor="ctr"/>
+              <a:lstStyle/>
+              <a:p>
+                <a:pPr algn="ctr"/>
+                <a:endParaRPr lang="zh-TW" altLang="en-US" dirty="0"/>
+              </a:p>
+            </p:txBody>
+          </p:sp>
+          <p:sp>
+            <p:nvSpPr>
+              <p:cNvPr id="4" name="矩形 3">
+                <a:extLst>
+                  <a:ext uri="{FF2B5EF4-FFF2-40B4-BE49-F238E27FC236}">
+                    <a16:creationId xmlns:a16="http://schemas.microsoft.com/office/drawing/2014/main" id="{26745ABA-91C2-017E-6388-BC852ACC1E64}"/>
+                  </a:ext>
+                </a:extLst>
+              </p:cNvPr>
+              <p:cNvSpPr/>
+              <p:nvPr/>
+            </p:nvSpPr>
+            <p:spPr>
+              <a:xfrm rot="19707814">
+                <a:off x="823131" y="3634172"/>
+                <a:ext cx="1168452" cy="788751"/>
+              </a:xfrm>
+              <a:prstGeom prst="rect">
+                <a:avLst/>
+              </a:prstGeom>
+              <a:solidFill>
+                <a:srgbClr val="42EFFF"/>
+              </a:solidFill>
+              <a:ln w="28575">
+                <a:solidFill>
+                  <a:schemeClr val="tx1"/>
+                </a:solidFill>
+              </a:ln>
+            </p:spPr>
+            <p:style>
+              <a:lnRef idx="2">
+                <a:schemeClr val="accent1">
+                  <a:shade val="15000"/>
+                </a:schemeClr>
+              </a:lnRef>
+              <a:fillRef idx="1">
+                <a:schemeClr val="accent1"/>
+              </a:fillRef>
+              <a:effectRef idx="0">
+                <a:schemeClr val="accent1"/>
+              </a:effectRef>
+              <a:fontRef idx="minor">
+                <a:schemeClr val="lt1"/>
+              </a:fontRef>
+            </p:style>
+            <p:txBody>
+              <a:bodyPr rtlCol="0" anchor="ctr"/>
+              <a:lstStyle/>
+              <a:p>
+                <a:pPr algn="ctr"/>
+                <a:endParaRPr lang="zh-TW" altLang="en-US" dirty="0"/>
+              </a:p>
+            </p:txBody>
+          </p:sp>
+          <p:grpSp>
+            <p:nvGrpSpPr>
+              <p:cNvPr id="11" name="群組 10">
+                <a:extLst>
+                  <a:ext uri="{FF2B5EF4-FFF2-40B4-BE49-F238E27FC236}">
+                    <a16:creationId xmlns:a16="http://schemas.microsoft.com/office/drawing/2014/main" id="{684FF57E-1655-BD2A-291D-CC740C05A200}"/>
+                  </a:ext>
+                </a:extLst>
+              </p:cNvPr>
+              <p:cNvGrpSpPr/>
+              <p:nvPr/>
+            </p:nvGrpSpPr>
+            <p:grpSpPr>
+              <a:xfrm>
+                <a:off x="401779" y="2067791"/>
+                <a:ext cx="3491345" cy="2115724"/>
+                <a:chOff x="401779" y="2067791"/>
+                <a:chExt cx="3491345" cy="2115724"/>
+              </a:xfrm>
+            </p:grpSpPr>
+            <p:sp>
+              <p:nvSpPr>
+                <p:cNvPr id="8" name="矩形: 圓角 7">
+                  <a:extLst>
+                    <a:ext uri="{FF2B5EF4-FFF2-40B4-BE49-F238E27FC236}">
+                      <a16:creationId xmlns:a16="http://schemas.microsoft.com/office/drawing/2014/main" id="{6C423D4E-B834-CED1-D2D8-27F850E7A201}"/>
+                    </a:ext>
+                  </a:extLst>
+                </p:cNvPr>
+                <p:cNvSpPr/>
+                <p:nvPr/>
+              </p:nvSpPr>
+              <p:spPr>
+                <a:xfrm>
+                  <a:off x="401779" y="2067791"/>
+                  <a:ext cx="3491345" cy="1978659"/>
+                </a:xfrm>
+                <a:prstGeom prst="roundRect">
+                  <a:avLst>
+                    <a:gd name="adj" fmla="val 3538"/>
+                  </a:avLst>
+                </a:prstGeom>
+                <a:solidFill>
+                  <a:srgbClr val="FFFFFF"/>
+                </a:solidFill>
+                <a:ln>
+                  <a:solidFill>
+                    <a:schemeClr val="bg1"/>
+                  </a:solidFill>
+                </a:ln>
+              </p:spPr>
+              <p:style>
+                <a:lnRef idx="2">
+                  <a:schemeClr val="accent1">
+                    <a:shade val="15000"/>
+                  </a:schemeClr>
+                </a:lnRef>
+                <a:fillRef idx="1">
+                  <a:schemeClr val="accent1"/>
+                </a:fillRef>
+                <a:effectRef idx="0">
+                  <a:schemeClr val="accent1"/>
+                </a:effectRef>
+                <a:fontRef idx="minor">
+                  <a:schemeClr val="lt1"/>
+                </a:fontRef>
+              </p:style>
+              <p:txBody>
+                <a:bodyPr rtlCol="0" anchor="ctr"/>
+                <a:lstStyle/>
+                <a:p>
+                  <a:pPr algn="ctr"/>
+                  <a:endParaRPr lang="zh-TW" altLang="en-US"/>
+                </a:p>
+              </p:txBody>
+            </p:sp>
+            <p:sp>
+              <p:nvSpPr>
+                <p:cNvPr id="10" name="矩形 9">
+                  <a:extLst>
+                    <a:ext uri="{FF2B5EF4-FFF2-40B4-BE49-F238E27FC236}">
+                      <a16:creationId xmlns:a16="http://schemas.microsoft.com/office/drawing/2014/main" id="{AE598590-BB5B-A84C-6993-E6D6F946FD14}"/>
+                    </a:ext>
+                  </a:extLst>
+                </p:cNvPr>
+                <p:cNvSpPr/>
+                <p:nvPr/>
+              </p:nvSpPr>
+              <p:spPr>
+                <a:xfrm rot="19707814">
+                  <a:off x="930463" y="3577022"/>
+                  <a:ext cx="898456" cy="606493"/>
+                </a:xfrm>
+                <a:prstGeom prst="rect">
+                  <a:avLst/>
+                </a:prstGeom>
+                <a:solidFill>
+                  <a:schemeClr val="bg1"/>
+                </a:solidFill>
+                <a:ln w="38100">
+                  <a:solidFill>
+                    <a:schemeClr val="bg1"/>
+                  </a:solidFill>
+                </a:ln>
+              </p:spPr>
+              <p:style>
+                <a:lnRef idx="2">
+                  <a:schemeClr val="accent1">
+                    <a:shade val="15000"/>
+                  </a:schemeClr>
+                </a:lnRef>
+                <a:fillRef idx="1">
+                  <a:schemeClr val="accent1"/>
+                </a:fillRef>
+                <a:effectRef idx="0">
+                  <a:schemeClr val="accent1"/>
+                </a:effectRef>
+                <a:fontRef idx="minor">
+                  <a:schemeClr val="lt1"/>
+                </a:fontRef>
+              </p:style>
+              <p:txBody>
+                <a:bodyPr rtlCol="0" anchor="ctr"/>
+                <a:lstStyle/>
+                <a:p>
+                  <a:pPr algn="ctr"/>
+                  <a:endParaRPr lang="zh-TW" altLang="en-US" dirty="0"/>
+                </a:p>
+              </p:txBody>
+            </p:sp>
+          </p:grpSp>
+          <p:sp>
+            <p:nvSpPr>
+              <p:cNvPr id="14" name="矩形 13">
+                <a:extLst>
+                  <a:ext uri="{FF2B5EF4-FFF2-40B4-BE49-F238E27FC236}">
+                    <a16:creationId xmlns:a16="http://schemas.microsoft.com/office/drawing/2014/main" id="{B522CA06-667E-105D-103A-DA0D6DA9A421}"/>
+                  </a:ext>
+                </a:extLst>
+              </p:cNvPr>
+              <p:cNvSpPr/>
+              <p:nvPr/>
+            </p:nvSpPr>
+            <p:spPr>
+              <a:xfrm>
+                <a:off x="552450" y="4055745"/>
+                <a:ext cx="344806" cy="160020"/>
+              </a:xfrm>
+              <a:prstGeom prst="rect">
+                <a:avLst/>
+              </a:prstGeom>
+              <a:solidFill>
+                <a:srgbClr val="42EFFF"/>
+              </a:solidFill>
+              <a:ln>
+                <a:noFill/>
+              </a:ln>
+            </p:spPr>
+            <p:style>
+              <a:lnRef idx="2">
+                <a:schemeClr val="accent1">
+                  <a:shade val="15000"/>
+                </a:schemeClr>
+              </a:lnRef>
+              <a:fillRef idx="1">
+                <a:schemeClr val="accent1"/>
+              </a:fillRef>
+              <a:effectRef idx="0">
+                <a:schemeClr val="accent1"/>
+              </a:effectRef>
+              <a:fontRef idx="minor">
+                <a:schemeClr val="lt1"/>
+              </a:fontRef>
+            </p:style>
+            <p:txBody>
+              <a:bodyPr rtlCol="0" anchor="ctr"/>
+              <a:lstStyle/>
+              <a:p>
+                <a:pPr algn="ctr"/>
+                <a:endParaRPr lang="zh-TW" altLang="en-US"/>
+              </a:p>
+            </p:txBody>
+          </p:sp>
+          <p:sp>
+            <p:nvSpPr>
+              <p:cNvPr id="15" name="矩形 14">
+                <a:extLst>
+                  <a:ext uri="{FF2B5EF4-FFF2-40B4-BE49-F238E27FC236}">
+                    <a16:creationId xmlns:a16="http://schemas.microsoft.com/office/drawing/2014/main" id="{A3DDF6D8-BB23-42C5-96B3-27B12D676EEC}"/>
+                  </a:ext>
+                </a:extLst>
+              </p:cNvPr>
+              <p:cNvSpPr/>
+              <p:nvPr/>
+            </p:nvSpPr>
+            <p:spPr>
+              <a:xfrm>
+                <a:off x="1748778" y="4055745"/>
+                <a:ext cx="465069" cy="160020"/>
+              </a:xfrm>
+              <a:prstGeom prst="rect">
+                <a:avLst/>
+              </a:prstGeom>
+              <a:solidFill>
+                <a:srgbClr val="42EFFF"/>
+              </a:solidFill>
+              <a:ln>
+                <a:noFill/>
+              </a:ln>
+            </p:spPr>
+            <p:style>
+              <a:lnRef idx="2">
+                <a:schemeClr val="accent1">
+                  <a:shade val="15000"/>
+                </a:schemeClr>
+              </a:lnRef>
+              <a:fillRef idx="1">
+                <a:schemeClr val="accent1"/>
+              </a:fillRef>
+              <a:effectRef idx="0">
+                <a:schemeClr val="accent1"/>
+              </a:effectRef>
+              <a:fontRef idx="minor">
+                <a:schemeClr val="lt1"/>
+              </a:fontRef>
+            </p:style>
+            <p:txBody>
+              <a:bodyPr rtlCol="0" anchor="ctr"/>
+              <a:lstStyle/>
+              <a:p>
+                <a:pPr algn="ctr"/>
+                <a:endParaRPr lang="zh-TW" altLang="en-US"/>
+              </a:p>
+            </p:txBody>
+          </p:sp>
+        </p:grpSp>
+        <p:pic>
+          <p:nvPicPr>
+            <p:cNvPr id="1038" name="Picture 14" descr="在側邊欄中搜尋">
+              <a:extLst>
+                <a:ext uri="{FF2B5EF4-FFF2-40B4-BE49-F238E27FC236}">
+                  <a16:creationId xmlns:a16="http://schemas.microsoft.com/office/drawing/2014/main" id="{A138A245-8C61-7101-D50B-71BA56B4FBF3}"/>
+                </a:ext>
+              </a:extLst>
+            </p:cNvPr>
+            <p:cNvPicPr>
+              <a:picLocks noChangeAspect="1" noChangeArrowheads="1"/>
+            </p:cNvPicPr>
+            <p:nvPr/>
+          </p:nvPicPr>
+          <p:blipFill>
+            <a:blip r:embed="rId3">
+              <a:extLst>
+                <a:ext uri="{28A0092B-C50C-407E-A947-70E740481C1C}">
+                  <a14:useLocalDpi xmlns:a14="http://schemas.microsoft.com/office/drawing/2010/main" val="0"/>
+                </a:ext>
+              </a:extLst>
+            </a:blip>
+            <a:srcRect/>
+            <a:stretch>
+              <a:fillRect/>
+            </a:stretch>
+          </p:blipFill>
+          <p:spPr bwMode="auto">
+            <a:xfrm>
+              <a:off x="267256" y="4868444"/>
+              <a:ext cx="1260000" cy="1260000"/>
+            </a:xfrm>
+            <a:prstGeom prst="rect">
+              <a:avLst/>
+            </a:prstGeom>
+            <a:noFill/>
+            <a:extLst>
+              <a:ext uri="{909E8E84-426E-40DD-AFC4-6F175D3DCCD1}">
+                <a14:hiddenFill xmlns:a14="http://schemas.microsoft.com/office/drawing/2010/main">
+                  <a:solidFill>
+                    <a:srgbClr val="FFFFFF"/>
+                  </a:solidFill>
+                </a14:hiddenFill>
+              </a:ext>
+            </a:extLst>
+          </p:spPr>
+        </p:pic>
+        <p:sp>
+          <p:nvSpPr>
+            <p:cNvPr id="21" name="文字方塊 20">
+              <a:extLst>
+                <a:ext uri="{FF2B5EF4-FFF2-40B4-BE49-F238E27FC236}">
+                  <a16:creationId xmlns:a16="http://schemas.microsoft.com/office/drawing/2014/main" id="{FBA8ED8E-3D34-BEF1-CCD7-1841A70302D7}"/>
+                </a:ext>
+              </a:extLst>
+            </p:cNvPr>
+            <p:cNvSpPr txBox="1"/>
+            <p:nvPr/>
+          </p:nvSpPr>
+          <p:spPr>
+            <a:xfrm>
+              <a:off x="401779" y="2041859"/>
+              <a:ext cx="3491345" cy="1479187"/>
+            </a:xfrm>
+            <a:prstGeom prst="rect">
+              <a:avLst/>
+            </a:prstGeom>
+            <a:noFill/>
+          </p:spPr>
+          <p:txBody>
+            <a:bodyPr wrap="square" rtlCol="0">
+              <a:spAutoFit/>
+            </a:bodyPr>
+            <a:lstStyle/>
+            <a:p>
+              <a:pPr>
+                <a:lnSpc>
+                  <a:spcPct val="150000"/>
+                </a:lnSpc>
+              </a:pPr>
+              <a:r>
+                <a:rPr lang="zh-TW" altLang="en-US" sz="3200" b="1" dirty="0">
+                  <a:latin typeface="微軟正黑體" panose="020B0604030504040204" pitchFamily="34" charset="-120"/>
+                  <a:ea typeface="微軟正黑體" panose="020B0604030504040204" pitchFamily="34" charset="-120"/>
+                </a:rPr>
+                <a:t>內容相當豐富，課時可再拉長！</a:t>
+              </a:r>
+            </a:p>
+          </p:txBody>
+        </p:sp>
+        <p:sp>
+          <p:nvSpPr>
+            <p:cNvPr id="22" name="文字方塊 21">
+              <a:extLst>
+                <a:ext uri="{FF2B5EF4-FFF2-40B4-BE49-F238E27FC236}">
+                  <a16:creationId xmlns:a16="http://schemas.microsoft.com/office/drawing/2014/main" id="{FC7C94E6-69DE-7C4C-742A-6913B1097256}"/>
+                </a:ext>
+              </a:extLst>
+            </p:cNvPr>
+            <p:cNvSpPr txBox="1"/>
+            <p:nvPr/>
+          </p:nvSpPr>
+          <p:spPr>
+            <a:xfrm>
+              <a:off x="401779" y="3648375"/>
+              <a:ext cx="3491345" cy="400110"/>
+            </a:xfrm>
+            <a:prstGeom prst="rect">
+              <a:avLst/>
+            </a:prstGeom>
+            <a:noFill/>
+          </p:spPr>
+          <p:txBody>
+            <a:bodyPr wrap="square" rtlCol="0" anchor="b">
+              <a:spAutoFit/>
+            </a:bodyPr>
+            <a:lstStyle/>
+            <a:p>
+              <a:pPr algn="r"/>
+              <a:r>
+                <a:rPr lang="en-US" altLang="zh-TW" sz="2000" b="1" dirty="0">
+                  <a:latin typeface="微軟正黑體" panose="020B0604030504040204" pitchFamily="34" charset="-120"/>
+                  <a:ea typeface="微軟正黑體" panose="020B0604030504040204" pitchFamily="34" charset="-120"/>
+                </a:rPr>
+                <a:t>By</a:t>
+              </a:r>
+              <a:r>
+                <a:rPr lang="zh-TW" altLang="en-US" sz="2000" b="1" dirty="0">
+                  <a:latin typeface="微軟正黑體" panose="020B0604030504040204" pitchFamily="34" charset="-120"/>
+                  <a:ea typeface="微軟正黑體" panose="020B0604030504040204" pitchFamily="34" charset="-120"/>
+                </a:rPr>
+                <a:t> 陳學員</a:t>
+              </a:r>
+            </a:p>
+          </p:txBody>
+        </p:sp>
+      </p:grpSp>
     </p:spTree>
     <p:extLst>
       <p:ext uri="{BB962C8B-B14F-4D97-AF65-F5344CB8AC3E}">
@@ -4459,6 +5029,592 @@
           </a:p>
         </p:txBody>
       </p:sp>
+      <p:grpSp>
+        <p:nvGrpSpPr>
+          <p:cNvPr id="20" name="群組 19">
+            <a:extLst>
+              <a:ext uri="{FF2B5EF4-FFF2-40B4-BE49-F238E27FC236}">
+                <a16:creationId xmlns:a16="http://schemas.microsoft.com/office/drawing/2014/main" id="{C75E91AA-C894-5A5E-2FBE-C949D8915463}"/>
+              </a:ext>
+            </a:extLst>
+          </p:cNvPr>
+          <p:cNvGrpSpPr/>
+          <p:nvPr/>
+        </p:nvGrpSpPr>
+        <p:grpSpPr>
+          <a:xfrm>
+            <a:off x="224317" y="1825624"/>
+            <a:ext cx="3846271" cy="4302820"/>
+            <a:chOff x="224317" y="1825624"/>
+            <a:chExt cx="3846271" cy="4302820"/>
+          </a:xfrm>
+        </p:grpSpPr>
+        <p:sp>
+          <p:nvSpPr>
+            <p:cNvPr id="17" name="橢圓 16">
+              <a:extLst>
+                <a:ext uri="{FF2B5EF4-FFF2-40B4-BE49-F238E27FC236}">
+                  <a16:creationId xmlns:a16="http://schemas.microsoft.com/office/drawing/2014/main" id="{7C5523DD-F37A-0ED8-3F2B-714D20459F37}"/>
+                </a:ext>
+              </a:extLst>
+            </p:cNvPr>
+            <p:cNvSpPr/>
+            <p:nvPr/>
+          </p:nvSpPr>
+          <p:spPr>
+            <a:xfrm>
+              <a:off x="285256" y="4882963"/>
+              <a:ext cx="1224000" cy="1224000"/>
+            </a:xfrm>
+            <a:prstGeom prst="ellipse">
+              <a:avLst/>
+            </a:prstGeom>
+            <a:solidFill>
+              <a:srgbClr val="42EFFF"/>
+            </a:solidFill>
+          </p:spPr>
+          <p:style>
+            <a:lnRef idx="2">
+              <a:schemeClr val="accent1">
+                <a:shade val="15000"/>
+              </a:schemeClr>
+            </a:lnRef>
+            <a:fillRef idx="1">
+              <a:schemeClr val="accent1"/>
+            </a:fillRef>
+            <a:effectRef idx="0">
+              <a:schemeClr val="accent1"/>
+            </a:effectRef>
+            <a:fontRef idx="minor">
+              <a:schemeClr val="lt1"/>
+            </a:fontRef>
+          </p:style>
+          <p:txBody>
+            <a:bodyPr rtlCol="0" anchor="ctr"/>
+            <a:lstStyle/>
+            <a:p>
+              <a:pPr algn="ctr"/>
+              <a:endParaRPr lang="zh-TW" altLang="en-US"/>
+            </a:p>
+          </p:txBody>
+        </p:sp>
+        <p:grpSp>
+          <p:nvGrpSpPr>
+            <p:cNvPr id="3" name="群組 2">
+              <a:extLst>
+                <a:ext uri="{FF2B5EF4-FFF2-40B4-BE49-F238E27FC236}">
+                  <a16:creationId xmlns:a16="http://schemas.microsoft.com/office/drawing/2014/main" id="{ABC8B533-89A9-6167-250B-44CC4E1A9E99}"/>
+                </a:ext>
+              </a:extLst>
+            </p:cNvPr>
+            <p:cNvGrpSpPr/>
+            <p:nvPr/>
+          </p:nvGrpSpPr>
+          <p:grpSpPr>
+            <a:xfrm>
+              <a:off x="224317" y="1825624"/>
+              <a:ext cx="3846271" cy="2597299"/>
+              <a:chOff x="224317" y="1825624"/>
+              <a:chExt cx="3846271" cy="2597299"/>
+            </a:xfrm>
+          </p:grpSpPr>
+          <p:sp>
+            <p:nvSpPr>
+              <p:cNvPr id="4" name="矩形 3">
+                <a:extLst>
+                  <a:ext uri="{FF2B5EF4-FFF2-40B4-BE49-F238E27FC236}">
+                    <a16:creationId xmlns:a16="http://schemas.microsoft.com/office/drawing/2014/main" id="{651A20CD-4F1B-EF7F-70D3-27542C1BC19E}"/>
+                  </a:ext>
+                </a:extLst>
+              </p:cNvPr>
+              <p:cNvSpPr/>
+              <p:nvPr/>
+            </p:nvSpPr>
+            <p:spPr>
+              <a:xfrm>
+                <a:off x="224317" y="1825624"/>
+                <a:ext cx="3846271" cy="2403475"/>
+              </a:xfrm>
+              <a:prstGeom prst="rect">
+                <a:avLst/>
+              </a:prstGeom>
+              <a:solidFill>
+                <a:srgbClr val="42EFFF"/>
+              </a:solidFill>
+              <a:ln w="28575">
+                <a:solidFill>
+                  <a:schemeClr val="tx1"/>
+                </a:solidFill>
+              </a:ln>
+            </p:spPr>
+            <p:style>
+              <a:lnRef idx="2">
+                <a:schemeClr val="accent1">
+                  <a:shade val="15000"/>
+                </a:schemeClr>
+              </a:lnRef>
+              <a:fillRef idx="1">
+                <a:schemeClr val="accent1"/>
+              </a:fillRef>
+              <a:effectRef idx="0">
+                <a:schemeClr val="accent1"/>
+              </a:effectRef>
+              <a:fontRef idx="minor">
+                <a:schemeClr val="lt1"/>
+              </a:fontRef>
+            </p:style>
+            <p:txBody>
+              <a:bodyPr rtlCol="0" anchor="ctr"/>
+              <a:lstStyle/>
+              <a:p>
+                <a:pPr algn="ctr"/>
+                <a:endParaRPr lang="zh-TW" altLang="en-US" dirty="0"/>
+              </a:p>
+            </p:txBody>
+          </p:sp>
+          <p:sp>
+            <p:nvSpPr>
+              <p:cNvPr id="7" name="矩形 6">
+                <a:extLst>
+                  <a:ext uri="{FF2B5EF4-FFF2-40B4-BE49-F238E27FC236}">
+                    <a16:creationId xmlns:a16="http://schemas.microsoft.com/office/drawing/2014/main" id="{4B80EE45-F0E4-EFA7-1A7F-A66EBB6A22E7}"/>
+                  </a:ext>
+                </a:extLst>
+              </p:cNvPr>
+              <p:cNvSpPr/>
+              <p:nvPr/>
+            </p:nvSpPr>
+            <p:spPr>
+              <a:xfrm rot="19707814">
+                <a:off x="823131" y="3634172"/>
+                <a:ext cx="1168452" cy="788751"/>
+              </a:xfrm>
+              <a:prstGeom prst="rect">
+                <a:avLst/>
+              </a:prstGeom>
+              <a:solidFill>
+                <a:srgbClr val="42EFFF"/>
+              </a:solidFill>
+              <a:ln w="28575">
+                <a:solidFill>
+                  <a:schemeClr val="tx1"/>
+                </a:solidFill>
+              </a:ln>
+            </p:spPr>
+            <p:style>
+              <a:lnRef idx="2">
+                <a:schemeClr val="accent1">
+                  <a:shade val="15000"/>
+                </a:schemeClr>
+              </a:lnRef>
+              <a:fillRef idx="1">
+                <a:schemeClr val="accent1"/>
+              </a:fillRef>
+              <a:effectRef idx="0">
+                <a:schemeClr val="accent1"/>
+              </a:effectRef>
+              <a:fontRef idx="minor">
+                <a:schemeClr val="lt1"/>
+              </a:fontRef>
+            </p:style>
+            <p:txBody>
+              <a:bodyPr rtlCol="0" anchor="ctr"/>
+              <a:lstStyle/>
+              <a:p>
+                <a:pPr algn="ctr"/>
+                <a:endParaRPr lang="zh-TW" altLang="en-US" dirty="0"/>
+              </a:p>
+            </p:txBody>
+          </p:sp>
+          <p:grpSp>
+            <p:nvGrpSpPr>
+              <p:cNvPr id="8" name="群組 7">
+                <a:extLst>
+                  <a:ext uri="{FF2B5EF4-FFF2-40B4-BE49-F238E27FC236}">
+                    <a16:creationId xmlns:a16="http://schemas.microsoft.com/office/drawing/2014/main" id="{57FF8834-F919-7071-7557-936FE868B082}"/>
+                  </a:ext>
+                </a:extLst>
+              </p:cNvPr>
+              <p:cNvGrpSpPr/>
+              <p:nvPr/>
+            </p:nvGrpSpPr>
+            <p:grpSpPr>
+              <a:xfrm>
+                <a:off x="401779" y="2067791"/>
+                <a:ext cx="3491345" cy="2115724"/>
+                <a:chOff x="401779" y="2067791"/>
+                <a:chExt cx="3491345" cy="2115724"/>
+              </a:xfrm>
+            </p:grpSpPr>
+            <p:sp>
+              <p:nvSpPr>
+                <p:cNvPr id="11" name="矩形: 圓角 10">
+                  <a:extLst>
+                    <a:ext uri="{FF2B5EF4-FFF2-40B4-BE49-F238E27FC236}">
+                      <a16:creationId xmlns:a16="http://schemas.microsoft.com/office/drawing/2014/main" id="{07243145-C617-7076-BFD8-41F0E74EACC3}"/>
+                    </a:ext>
+                  </a:extLst>
+                </p:cNvPr>
+                <p:cNvSpPr/>
+                <p:nvPr/>
+              </p:nvSpPr>
+              <p:spPr>
+                <a:xfrm>
+                  <a:off x="401779" y="2067791"/>
+                  <a:ext cx="3491345" cy="1978659"/>
+                </a:xfrm>
+                <a:prstGeom prst="roundRect">
+                  <a:avLst>
+                    <a:gd name="adj" fmla="val 3538"/>
+                  </a:avLst>
+                </a:prstGeom>
+                <a:solidFill>
+                  <a:srgbClr val="FFFFFF"/>
+                </a:solidFill>
+                <a:ln>
+                  <a:solidFill>
+                    <a:schemeClr val="bg1"/>
+                  </a:solidFill>
+                </a:ln>
+              </p:spPr>
+              <p:style>
+                <a:lnRef idx="2">
+                  <a:schemeClr val="accent1">
+                    <a:shade val="15000"/>
+                  </a:schemeClr>
+                </a:lnRef>
+                <a:fillRef idx="1">
+                  <a:schemeClr val="accent1"/>
+                </a:fillRef>
+                <a:effectRef idx="0">
+                  <a:schemeClr val="accent1"/>
+                </a:effectRef>
+                <a:fontRef idx="minor">
+                  <a:schemeClr val="lt1"/>
+                </a:fontRef>
+              </p:style>
+              <p:txBody>
+                <a:bodyPr rtlCol="0" anchor="ctr"/>
+                <a:lstStyle/>
+                <a:p>
+                  <a:pPr algn="ctr"/>
+                  <a:endParaRPr lang="zh-TW" altLang="en-US"/>
+                </a:p>
+              </p:txBody>
+            </p:sp>
+            <p:sp>
+              <p:nvSpPr>
+                <p:cNvPr id="12" name="矩形 11">
+                  <a:extLst>
+                    <a:ext uri="{FF2B5EF4-FFF2-40B4-BE49-F238E27FC236}">
+                      <a16:creationId xmlns:a16="http://schemas.microsoft.com/office/drawing/2014/main" id="{B7D7898A-1A03-AECB-D8AD-C265FDACDE9F}"/>
+                    </a:ext>
+                  </a:extLst>
+                </p:cNvPr>
+                <p:cNvSpPr/>
+                <p:nvPr/>
+              </p:nvSpPr>
+              <p:spPr>
+                <a:xfrm rot="19707814">
+                  <a:off x="930463" y="3577022"/>
+                  <a:ext cx="898456" cy="606493"/>
+                </a:xfrm>
+                <a:prstGeom prst="rect">
+                  <a:avLst/>
+                </a:prstGeom>
+                <a:solidFill>
+                  <a:schemeClr val="bg1"/>
+                </a:solidFill>
+                <a:ln w="38100">
+                  <a:solidFill>
+                    <a:schemeClr val="bg1"/>
+                  </a:solidFill>
+                </a:ln>
+              </p:spPr>
+              <p:style>
+                <a:lnRef idx="2">
+                  <a:schemeClr val="accent1">
+                    <a:shade val="15000"/>
+                  </a:schemeClr>
+                </a:lnRef>
+                <a:fillRef idx="1">
+                  <a:schemeClr val="accent1"/>
+                </a:fillRef>
+                <a:effectRef idx="0">
+                  <a:schemeClr val="accent1"/>
+                </a:effectRef>
+                <a:fontRef idx="minor">
+                  <a:schemeClr val="lt1"/>
+                </a:fontRef>
+              </p:style>
+              <p:txBody>
+                <a:bodyPr rtlCol="0" anchor="ctr"/>
+                <a:lstStyle/>
+                <a:p>
+                  <a:pPr algn="ctr"/>
+                  <a:endParaRPr lang="zh-TW" altLang="en-US" dirty="0"/>
+                </a:p>
+              </p:txBody>
+            </p:sp>
+          </p:grpSp>
+          <p:sp>
+            <p:nvSpPr>
+              <p:cNvPr id="9" name="矩形 8">
+                <a:extLst>
+                  <a:ext uri="{FF2B5EF4-FFF2-40B4-BE49-F238E27FC236}">
+                    <a16:creationId xmlns:a16="http://schemas.microsoft.com/office/drawing/2014/main" id="{0FFF74F1-AFF7-A164-384F-8BCD86B3FFC3}"/>
+                  </a:ext>
+                </a:extLst>
+              </p:cNvPr>
+              <p:cNvSpPr/>
+              <p:nvPr/>
+            </p:nvSpPr>
+            <p:spPr>
+              <a:xfrm>
+                <a:off x="552450" y="4055745"/>
+                <a:ext cx="344806" cy="160020"/>
+              </a:xfrm>
+              <a:prstGeom prst="rect">
+                <a:avLst/>
+              </a:prstGeom>
+              <a:solidFill>
+                <a:srgbClr val="42EFFF"/>
+              </a:solidFill>
+              <a:ln>
+                <a:noFill/>
+              </a:ln>
+            </p:spPr>
+            <p:style>
+              <a:lnRef idx="2">
+                <a:schemeClr val="accent1">
+                  <a:shade val="15000"/>
+                </a:schemeClr>
+              </a:lnRef>
+              <a:fillRef idx="1">
+                <a:schemeClr val="accent1"/>
+              </a:fillRef>
+              <a:effectRef idx="0">
+                <a:schemeClr val="accent1"/>
+              </a:effectRef>
+              <a:fontRef idx="minor">
+                <a:schemeClr val="lt1"/>
+              </a:fontRef>
+            </p:style>
+            <p:txBody>
+              <a:bodyPr rtlCol="0" anchor="ctr"/>
+              <a:lstStyle/>
+              <a:p>
+                <a:pPr algn="ctr"/>
+                <a:endParaRPr lang="zh-TW" altLang="en-US"/>
+              </a:p>
+            </p:txBody>
+          </p:sp>
+          <p:sp>
+            <p:nvSpPr>
+              <p:cNvPr id="10" name="矩形 9">
+                <a:extLst>
+                  <a:ext uri="{FF2B5EF4-FFF2-40B4-BE49-F238E27FC236}">
+                    <a16:creationId xmlns:a16="http://schemas.microsoft.com/office/drawing/2014/main" id="{73C3207C-991A-15B8-50C1-835007518570}"/>
+                  </a:ext>
+                </a:extLst>
+              </p:cNvPr>
+              <p:cNvSpPr/>
+              <p:nvPr/>
+            </p:nvSpPr>
+            <p:spPr>
+              <a:xfrm>
+                <a:off x="1748778" y="4055745"/>
+                <a:ext cx="465069" cy="160020"/>
+              </a:xfrm>
+              <a:prstGeom prst="rect">
+                <a:avLst/>
+              </a:prstGeom>
+              <a:solidFill>
+                <a:srgbClr val="42EFFF"/>
+              </a:solidFill>
+              <a:ln>
+                <a:noFill/>
+              </a:ln>
+            </p:spPr>
+            <p:style>
+              <a:lnRef idx="2">
+                <a:schemeClr val="accent1">
+                  <a:shade val="15000"/>
+                </a:schemeClr>
+              </a:lnRef>
+              <a:fillRef idx="1">
+                <a:schemeClr val="accent1"/>
+              </a:fillRef>
+              <a:effectRef idx="0">
+                <a:schemeClr val="accent1"/>
+              </a:effectRef>
+              <a:fontRef idx="minor">
+                <a:schemeClr val="lt1"/>
+              </a:fontRef>
+            </p:style>
+            <p:txBody>
+              <a:bodyPr rtlCol="0" anchor="ctr"/>
+              <a:lstStyle/>
+              <a:p>
+                <a:pPr algn="ctr"/>
+                <a:endParaRPr lang="zh-TW" altLang="en-US"/>
+              </a:p>
+            </p:txBody>
+          </p:sp>
+        </p:grpSp>
+        <p:pic>
+          <p:nvPicPr>
+            <p:cNvPr id="13" name="Picture 14">
+              <a:extLst>
+                <a:ext uri="{FF2B5EF4-FFF2-40B4-BE49-F238E27FC236}">
+                  <a16:creationId xmlns:a16="http://schemas.microsoft.com/office/drawing/2014/main" id="{52982591-F3B5-F6DB-BBBD-1D533CE06C50}"/>
+                </a:ext>
+              </a:extLst>
+            </p:cNvPr>
+            <p:cNvPicPr>
+              <a:picLocks noChangeAspect="1" noChangeArrowheads="1"/>
+            </p:cNvPicPr>
+            <p:nvPr/>
+          </p:nvPicPr>
+          <p:blipFill>
+            <a:blip r:embed="rId3">
+              <a:extLst>
+                <a:ext uri="{28A0092B-C50C-407E-A947-70E740481C1C}">
+                  <a14:useLocalDpi xmlns:a14="http://schemas.microsoft.com/office/drawing/2010/main" val="0"/>
+                </a:ext>
+              </a:extLst>
+            </a:blip>
+            <a:srcRect/>
+            <a:stretch/>
+          </p:blipFill>
+          <p:spPr bwMode="auto">
+            <a:xfrm>
+              <a:off x="267256" y="4868444"/>
+              <a:ext cx="1260000" cy="1260000"/>
+            </a:xfrm>
+            <a:prstGeom prst="rect">
+              <a:avLst/>
+            </a:prstGeom>
+            <a:noFill/>
+            <a:extLst>
+              <a:ext uri="{909E8E84-426E-40DD-AFC4-6F175D3DCCD1}">
+                <a14:hiddenFill xmlns:a14="http://schemas.microsoft.com/office/drawing/2010/main">
+                  <a:solidFill>
+                    <a:srgbClr val="FFFFFF"/>
+                  </a:solidFill>
+                </a14:hiddenFill>
+              </a:ext>
+            </a:extLst>
+          </p:spPr>
+        </p:pic>
+        <p:sp>
+          <p:nvSpPr>
+            <p:cNvPr id="18" name="文字方塊 17">
+              <a:extLst>
+                <a:ext uri="{FF2B5EF4-FFF2-40B4-BE49-F238E27FC236}">
+                  <a16:creationId xmlns:a16="http://schemas.microsoft.com/office/drawing/2014/main" id="{186948B7-69A2-2CD9-B6F2-DB7492ED8ADF}"/>
+                </a:ext>
+              </a:extLst>
+            </p:cNvPr>
+            <p:cNvSpPr txBox="1"/>
+            <p:nvPr/>
+          </p:nvSpPr>
+          <p:spPr>
+            <a:xfrm>
+              <a:off x="401779" y="2041859"/>
+              <a:ext cx="3491345" cy="1479187"/>
+            </a:xfrm>
+            <a:prstGeom prst="rect">
+              <a:avLst/>
+            </a:prstGeom>
+            <a:noFill/>
+          </p:spPr>
+          <p:txBody>
+            <a:bodyPr wrap="square" rtlCol="0">
+              <a:spAutoFit/>
+            </a:bodyPr>
+            <a:lstStyle/>
+            <a:p>
+              <a:pPr>
+                <a:lnSpc>
+                  <a:spcPct val="150000"/>
+                </a:lnSpc>
+              </a:pPr>
+              <a:r>
+                <a:rPr lang="zh-TW" altLang="en-US" sz="3200" b="1" dirty="0">
+                  <a:latin typeface="微軟正黑體" panose="020B0604030504040204" pitchFamily="34" charset="-120"/>
+                  <a:ea typeface="微軟正黑體" panose="020B0604030504040204" pitchFamily="34" charset="-120"/>
+                </a:rPr>
+                <a:t>值得推薦的好課，</a:t>
+              </a:r>
+              <a:endParaRPr lang="en-US" altLang="zh-TW" sz="3200" b="1" dirty="0">
+                <a:latin typeface="微軟正黑體" panose="020B0604030504040204" pitchFamily="34" charset="-120"/>
+                <a:ea typeface="微軟正黑體" panose="020B0604030504040204" pitchFamily="34" charset="-120"/>
+              </a:endParaRPr>
+            </a:p>
+            <a:p>
+              <a:pPr>
+                <a:lnSpc>
+                  <a:spcPct val="150000"/>
+                </a:lnSpc>
+              </a:pPr>
+              <a:r>
+                <a:rPr lang="zh-TW" altLang="en-US" sz="3200" b="1" dirty="0">
+                  <a:latin typeface="微軟正黑體" panose="020B0604030504040204" pitchFamily="34" charset="-120"/>
+                  <a:ea typeface="微軟正黑體" panose="020B0604030504040204" pitchFamily="34" charset="-120"/>
+                </a:rPr>
+                <a:t>含金量高。</a:t>
+              </a:r>
+            </a:p>
+          </p:txBody>
+        </p:sp>
+        <p:sp>
+          <p:nvSpPr>
+            <p:cNvPr id="19" name="文字方塊 18">
+              <a:extLst>
+                <a:ext uri="{FF2B5EF4-FFF2-40B4-BE49-F238E27FC236}">
+                  <a16:creationId xmlns:a16="http://schemas.microsoft.com/office/drawing/2014/main" id="{8F489245-33C2-9446-00F8-0BD3667EB378}"/>
+                </a:ext>
+              </a:extLst>
+            </p:cNvPr>
+            <p:cNvSpPr txBox="1"/>
+            <p:nvPr/>
+          </p:nvSpPr>
+          <p:spPr>
+            <a:xfrm>
+              <a:off x="401779" y="3648375"/>
+              <a:ext cx="3491345" cy="400110"/>
+            </a:xfrm>
+            <a:prstGeom prst="rect">
+              <a:avLst/>
+            </a:prstGeom>
+            <a:noFill/>
+          </p:spPr>
+          <p:txBody>
+            <a:bodyPr wrap="square" rtlCol="0" anchor="b">
+              <a:spAutoFit/>
+            </a:bodyPr>
+            <a:lstStyle/>
+            <a:p>
+              <a:pPr algn="r"/>
+              <a:r>
+                <a:rPr lang="en-US" altLang="zh-TW" sz="2000" b="1" dirty="0">
+                  <a:latin typeface="微軟正黑體" panose="020B0604030504040204" pitchFamily="34" charset="-120"/>
+                  <a:ea typeface="微軟正黑體" panose="020B0604030504040204" pitchFamily="34" charset="-120"/>
+                </a:rPr>
+                <a:t>By</a:t>
+              </a:r>
+              <a:r>
+                <a:rPr lang="zh-TW" altLang="en-US" sz="2000" b="1" dirty="0">
+                  <a:latin typeface="微軟正黑體" panose="020B0604030504040204" pitchFamily="34" charset="-120"/>
+                  <a:ea typeface="微軟正黑體" panose="020B0604030504040204" pitchFamily="34" charset="-120"/>
+                </a:rPr>
+                <a:t> 林學員</a:t>
+              </a:r>
+            </a:p>
+          </p:txBody>
+        </p:sp>
+      </p:grpSp>
     </p:spTree>
     <p:extLst>
       <p:ext uri="{BB962C8B-B14F-4D97-AF65-F5344CB8AC3E}">
@@ -4597,6 +5753,574 @@
           </a:p>
         </p:txBody>
       </p:sp>
+      <p:grpSp>
+        <p:nvGrpSpPr>
+          <p:cNvPr id="20" name="群組 19">
+            <a:extLst>
+              <a:ext uri="{FF2B5EF4-FFF2-40B4-BE49-F238E27FC236}">
+                <a16:creationId xmlns:a16="http://schemas.microsoft.com/office/drawing/2014/main" id="{7CF86B9A-2E06-828F-236B-D4C8E65D47B2}"/>
+              </a:ext>
+            </a:extLst>
+          </p:cNvPr>
+          <p:cNvGrpSpPr/>
+          <p:nvPr/>
+        </p:nvGrpSpPr>
+        <p:grpSpPr>
+          <a:xfrm>
+            <a:off x="224317" y="1825624"/>
+            <a:ext cx="3846271" cy="4299776"/>
+            <a:chOff x="224317" y="1825624"/>
+            <a:chExt cx="3846271" cy="4299776"/>
+          </a:xfrm>
+        </p:grpSpPr>
+        <p:sp>
+          <p:nvSpPr>
+            <p:cNvPr id="17" name="橢圓 16">
+              <a:extLst>
+                <a:ext uri="{FF2B5EF4-FFF2-40B4-BE49-F238E27FC236}">
+                  <a16:creationId xmlns:a16="http://schemas.microsoft.com/office/drawing/2014/main" id="{5A344473-4A03-219D-EEE2-F895C5ECCECA}"/>
+                </a:ext>
+              </a:extLst>
+            </p:cNvPr>
+            <p:cNvSpPr/>
+            <p:nvPr/>
+          </p:nvSpPr>
+          <p:spPr>
+            <a:xfrm>
+              <a:off x="285256" y="4882963"/>
+              <a:ext cx="1224000" cy="1224000"/>
+            </a:xfrm>
+            <a:prstGeom prst="ellipse">
+              <a:avLst/>
+            </a:prstGeom>
+            <a:solidFill>
+              <a:srgbClr val="42EFFF"/>
+            </a:solidFill>
+          </p:spPr>
+          <p:style>
+            <a:lnRef idx="2">
+              <a:schemeClr val="accent1">
+                <a:shade val="15000"/>
+              </a:schemeClr>
+            </a:lnRef>
+            <a:fillRef idx="1">
+              <a:schemeClr val="accent1"/>
+            </a:fillRef>
+            <a:effectRef idx="0">
+              <a:schemeClr val="accent1"/>
+            </a:effectRef>
+            <a:fontRef idx="minor">
+              <a:schemeClr val="lt1"/>
+            </a:fontRef>
+          </p:style>
+          <p:txBody>
+            <a:bodyPr rtlCol="0" anchor="ctr"/>
+            <a:lstStyle/>
+            <a:p>
+              <a:pPr algn="ctr"/>
+              <a:endParaRPr lang="zh-TW" altLang="en-US"/>
+            </a:p>
+          </p:txBody>
+        </p:sp>
+        <p:grpSp>
+          <p:nvGrpSpPr>
+            <p:cNvPr id="3" name="群組 2">
+              <a:extLst>
+                <a:ext uri="{FF2B5EF4-FFF2-40B4-BE49-F238E27FC236}">
+                  <a16:creationId xmlns:a16="http://schemas.microsoft.com/office/drawing/2014/main" id="{A7CEF37D-E8DC-D0AD-14BF-C8B671761E25}"/>
+                </a:ext>
+              </a:extLst>
+            </p:cNvPr>
+            <p:cNvGrpSpPr/>
+            <p:nvPr/>
+          </p:nvGrpSpPr>
+          <p:grpSpPr>
+            <a:xfrm>
+              <a:off x="224317" y="1825624"/>
+              <a:ext cx="3846271" cy="2597299"/>
+              <a:chOff x="224317" y="1825624"/>
+              <a:chExt cx="3846271" cy="2597299"/>
+            </a:xfrm>
+          </p:grpSpPr>
+          <p:sp>
+            <p:nvSpPr>
+              <p:cNvPr id="4" name="矩形 3">
+                <a:extLst>
+                  <a:ext uri="{FF2B5EF4-FFF2-40B4-BE49-F238E27FC236}">
+                    <a16:creationId xmlns:a16="http://schemas.microsoft.com/office/drawing/2014/main" id="{A1E60CDE-E06D-2AD6-89F9-57830B04B496}"/>
+                  </a:ext>
+                </a:extLst>
+              </p:cNvPr>
+              <p:cNvSpPr/>
+              <p:nvPr/>
+            </p:nvSpPr>
+            <p:spPr>
+              <a:xfrm>
+                <a:off x="224317" y="1825624"/>
+                <a:ext cx="3846271" cy="2403475"/>
+              </a:xfrm>
+              <a:prstGeom prst="rect">
+                <a:avLst/>
+              </a:prstGeom>
+              <a:solidFill>
+                <a:srgbClr val="42EFFF"/>
+              </a:solidFill>
+              <a:ln w="28575">
+                <a:solidFill>
+                  <a:schemeClr val="tx1"/>
+                </a:solidFill>
+              </a:ln>
+            </p:spPr>
+            <p:style>
+              <a:lnRef idx="2">
+                <a:schemeClr val="accent1">
+                  <a:shade val="15000"/>
+                </a:schemeClr>
+              </a:lnRef>
+              <a:fillRef idx="1">
+                <a:schemeClr val="accent1"/>
+              </a:fillRef>
+              <a:effectRef idx="0">
+                <a:schemeClr val="accent1"/>
+              </a:effectRef>
+              <a:fontRef idx="minor">
+                <a:schemeClr val="lt1"/>
+              </a:fontRef>
+            </p:style>
+            <p:txBody>
+              <a:bodyPr rtlCol="0" anchor="ctr"/>
+              <a:lstStyle/>
+              <a:p>
+                <a:pPr algn="ctr"/>
+                <a:endParaRPr lang="zh-TW" altLang="en-US" dirty="0"/>
+              </a:p>
+            </p:txBody>
+          </p:sp>
+          <p:sp>
+            <p:nvSpPr>
+              <p:cNvPr id="7" name="矩形 6">
+                <a:extLst>
+                  <a:ext uri="{FF2B5EF4-FFF2-40B4-BE49-F238E27FC236}">
+                    <a16:creationId xmlns:a16="http://schemas.microsoft.com/office/drawing/2014/main" id="{EB20170B-9534-66B3-C8E8-D10DE01E077F}"/>
+                  </a:ext>
+                </a:extLst>
+              </p:cNvPr>
+              <p:cNvSpPr/>
+              <p:nvPr/>
+            </p:nvSpPr>
+            <p:spPr>
+              <a:xfrm rot="19707814">
+                <a:off x="823131" y="3634172"/>
+                <a:ext cx="1168452" cy="788751"/>
+              </a:xfrm>
+              <a:prstGeom prst="rect">
+                <a:avLst/>
+              </a:prstGeom>
+              <a:solidFill>
+                <a:srgbClr val="42EFFF"/>
+              </a:solidFill>
+              <a:ln w="28575">
+                <a:solidFill>
+                  <a:schemeClr val="tx1"/>
+                </a:solidFill>
+              </a:ln>
+            </p:spPr>
+            <p:style>
+              <a:lnRef idx="2">
+                <a:schemeClr val="accent1">
+                  <a:shade val="15000"/>
+                </a:schemeClr>
+              </a:lnRef>
+              <a:fillRef idx="1">
+                <a:schemeClr val="accent1"/>
+              </a:fillRef>
+              <a:effectRef idx="0">
+                <a:schemeClr val="accent1"/>
+              </a:effectRef>
+              <a:fontRef idx="minor">
+                <a:schemeClr val="lt1"/>
+              </a:fontRef>
+            </p:style>
+            <p:txBody>
+              <a:bodyPr rtlCol="0" anchor="ctr"/>
+              <a:lstStyle/>
+              <a:p>
+                <a:pPr algn="ctr"/>
+                <a:endParaRPr lang="zh-TW" altLang="en-US" dirty="0"/>
+              </a:p>
+            </p:txBody>
+          </p:sp>
+          <p:grpSp>
+            <p:nvGrpSpPr>
+              <p:cNvPr id="8" name="群組 7">
+                <a:extLst>
+                  <a:ext uri="{FF2B5EF4-FFF2-40B4-BE49-F238E27FC236}">
+                    <a16:creationId xmlns:a16="http://schemas.microsoft.com/office/drawing/2014/main" id="{F4D82ED5-BE3A-1DAE-ED45-1681ADDD8E03}"/>
+                  </a:ext>
+                </a:extLst>
+              </p:cNvPr>
+              <p:cNvGrpSpPr/>
+              <p:nvPr/>
+            </p:nvGrpSpPr>
+            <p:grpSpPr>
+              <a:xfrm>
+                <a:off x="401779" y="2067791"/>
+                <a:ext cx="3491345" cy="2115724"/>
+                <a:chOff x="401779" y="2067791"/>
+                <a:chExt cx="3491345" cy="2115724"/>
+              </a:xfrm>
+            </p:grpSpPr>
+            <p:sp>
+              <p:nvSpPr>
+                <p:cNvPr id="11" name="矩形: 圓角 10">
+                  <a:extLst>
+                    <a:ext uri="{FF2B5EF4-FFF2-40B4-BE49-F238E27FC236}">
+                      <a16:creationId xmlns:a16="http://schemas.microsoft.com/office/drawing/2014/main" id="{13670CEF-3496-4F2B-037F-2B4D96FFC98F}"/>
+                    </a:ext>
+                  </a:extLst>
+                </p:cNvPr>
+                <p:cNvSpPr/>
+                <p:nvPr/>
+              </p:nvSpPr>
+              <p:spPr>
+                <a:xfrm>
+                  <a:off x="401779" y="2067791"/>
+                  <a:ext cx="3491345" cy="1978659"/>
+                </a:xfrm>
+                <a:prstGeom prst="roundRect">
+                  <a:avLst>
+                    <a:gd name="adj" fmla="val 3538"/>
+                  </a:avLst>
+                </a:prstGeom>
+                <a:solidFill>
+                  <a:srgbClr val="FFFFFF"/>
+                </a:solidFill>
+                <a:ln>
+                  <a:solidFill>
+                    <a:schemeClr val="bg1"/>
+                  </a:solidFill>
+                </a:ln>
+              </p:spPr>
+              <p:style>
+                <a:lnRef idx="2">
+                  <a:schemeClr val="accent1">
+                    <a:shade val="15000"/>
+                  </a:schemeClr>
+                </a:lnRef>
+                <a:fillRef idx="1">
+                  <a:schemeClr val="accent1"/>
+                </a:fillRef>
+                <a:effectRef idx="0">
+                  <a:schemeClr val="accent1"/>
+                </a:effectRef>
+                <a:fontRef idx="minor">
+                  <a:schemeClr val="lt1"/>
+                </a:fontRef>
+              </p:style>
+              <p:txBody>
+                <a:bodyPr rtlCol="0" anchor="ctr"/>
+                <a:lstStyle/>
+                <a:p>
+                  <a:pPr algn="ctr"/>
+                  <a:endParaRPr lang="zh-TW" altLang="en-US"/>
+                </a:p>
+              </p:txBody>
+            </p:sp>
+            <p:sp>
+              <p:nvSpPr>
+                <p:cNvPr id="12" name="矩形 11">
+                  <a:extLst>
+                    <a:ext uri="{FF2B5EF4-FFF2-40B4-BE49-F238E27FC236}">
+                      <a16:creationId xmlns:a16="http://schemas.microsoft.com/office/drawing/2014/main" id="{66FF4420-7A82-9865-B508-57DC856F9C12}"/>
+                    </a:ext>
+                  </a:extLst>
+                </p:cNvPr>
+                <p:cNvSpPr/>
+                <p:nvPr/>
+              </p:nvSpPr>
+              <p:spPr>
+                <a:xfrm rot="19707814">
+                  <a:off x="930463" y="3577022"/>
+                  <a:ext cx="898456" cy="606493"/>
+                </a:xfrm>
+                <a:prstGeom prst="rect">
+                  <a:avLst/>
+                </a:prstGeom>
+                <a:solidFill>
+                  <a:schemeClr val="bg1"/>
+                </a:solidFill>
+                <a:ln w="38100">
+                  <a:solidFill>
+                    <a:schemeClr val="bg1"/>
+                  </a:solidFill>
+                </a:ln>
+              </p:spPr>
+              <p:style>
+                <a:lnRef idx="2">
+                  <a:schemeClr val="accent1">
+                    <a:shade val="15000"/>
+                  </a:schemeClr>
+                </a:lnRef>
+                <a:fillRef idx="1">
+                  <a:schemeClr val="accent1"/>
+                </a:fillRef>
+                <a:effectRef idx="0">
+                  <a:schemeClr val="accent1"/>
+                </a:effectRef>
+                <a:fontRef idx="minor">
+                  <a:schemeClr val="lt1"/>
+                </a:fontRef>
+              </p:style>
+              <p:txBody>
+                <a:bodyPr rtlCol="0" anchor="ctr"/>
+                <a:lstStyle/>
+                <a:p>
+                  <a:pPr algn="ctr"/>
+                  <a:endParaRPr lang="zh-TW" altLang="en-US" dirty="0"/>
+                </a:p>
+              </p:txBody>
+            </p:sp>
+          </p:grpSp>
+          <p:sp>
+            <p:nvSpPr>
+              <p:cNvPr id="9" name="矩形 8">
+                <a:extLst>
+                  <a:ext uri="{FF2B5EF4-FFF2-40B4-BE49-F238E27FC236}">
+                    <a16:creationId xmlns:a16="http://schemas.microsoft.com/office/drawing/2014/main" id="{0CE44654-F5A0-B996-A839-2507A9C293BC}"/>
+                  </a:ext>
+                </a:extLst>
+              </p:cNvPr>
+              <p:cNvSpPr/>
+              <p:nvPr/>
+            </p:nvSpPr>
+            <p:spPr>
+              <a:xfrm>
+                <a:off x="552450" y="4055745"/>
+                <a:ext cx="344806" cy="160020"/>
+              </a:xfrm>
+              <a:prstGeom prst="rect">
+                <a:avLst/>
+              </a:prstGeom>
+              <a:solidFill>
+                <a:srgbClr val="42EFFF"/>
+              </a:solidFill>
+              <a:ln>
+                <a:noFill/>
+              </a:ln>
+            </p:spPr>
+            <p:style>
+              <a:lnRef idx="2">
+                <a:schemeClr val="accent1">
+                  <a:shade val="15000"/>
+                </a:schemeClr>
+              </a:lnRef>
+              <a:fillRef idx="1">
+                <a:schemeClr val="accent1"/>
+              </a:fillRef>
+              <a:effectRef idx="0">
+                <a:schemeClr val="accent1"/>
+              </a:effectRef>
+              <a:fontRef idx="minor">
+                <a:schemeClr val="lt1"/>
+              </a:fontRef>
+            </p:style>
+            <p:txBody>
+              <a:bodyPr rtlCol="0" anchor="ctr"/>
+              <a:lstStyle/>
+              <a:p>
+                <a:pPr algn="ctr"/>
+                <a:endParaRPr lang="zh-TW" altLang="en-US"/>
+              </a:p>
+            </p:txBody>
+          </p:sp>
+          <p:sp>
+            <p:nvSpPr>
+              <p:cNvPr id="10" name="矩形 9">
+                <a:extLst>
+                  <a:ext uri="{FF2B5EF4-FFF2-40B4-BE49-F238E27FC236}">
+                    <a16:creationId xmlns:a16="http://schemas.microsoft.com/office/drawing/2014/main" id="{F9085EA7-A6EB-39C0-0F4E-59C6F68991B5}"/>
+                  </a:ext>
+                </a:extLst>
+              </p:cNvPr>
+              <p:cNvSpPr/>
+              <p:nvPr/>
+            </p:nvSpPr>
+            <p:spPr>
+              <a:xfrm>
+                <a:off x="1748778" y="4055745"/>
+                <a:ext cx="465069" cy="160020"/>
+              </a:xfrm>
+              <a:prstGeom prst="rect">
+                <a:avLst/>
+              </a:prstGeom>
+              <a:solidFill>
+                <a:srgbClr val="42EFFF"/>
+              </a:solidFill>
+              <a:ln>
+                <a:noFill/>
+              </a:ln>
+            </p:spPr>
+            <p:style>
+              <a:lnRef idx="2">
+                <a:schemeClr val="accent1">
+                  <a:shade val="15000"/>
+                </a:schemeClr>
+              </a:lnRef>
+              <a:fillRef idx="1">
+                <a:schemeClr val="accent1"/>
+              </a:fillRef>
+              <a:effectRef idx="0">
+                <a:schemeClr val="accent1"/>
+              </a:effectRef>
+              <a:fontRef idx="minor">
+                <a:schemeClr val="lt1"/>
+              </a:fontRef>
+            </p:style>
+            <p:txBody>
+              <a:bodyPr rtlCol="0" anchor="ctr"/>
+              <a:lstStyle/>
+              <a:p>
+                <a:pPr algn="ctr"/>
+                <a:endParaRPr lang="zh-TW" altLang="en-US"/>
+              </a:p>
+            </p:txBody>
+          </p:sp>
+        </p:grpSp>
+        <p:pic>
+          <p:nvPicPr>
+            <p:cNvPr id="13" name="Picture 14">
+              <a:extLst>
+                <a:ext uri="{FF2B5EF4-FFF2-40B4-BE49-F238E27FC236}">
+                  <a16:creationId xmlns:a16="http://schemas.microsoft.com/office/drawing/2014/main" id="{FB61D8ED-E749-FE97-80B1-950E9FBF5C5F}"/>
+                </a:ext>
+              </a:extLst>
+            </p:cNvPr>
+            <p:cNvPicPr>
+              <a:picLocks noChangeAspect="1" noChangeArrowheads="1"/>
+            </p:cNvPicPr>
+            <p:nvPr/>
+          </p:nvPicPr>
+          <p:blipFill>
+            <a:blip r:embed="rId3">
+              <a:extLst>
+                <a:ext uri="{28A0092B-C50C-407E-A947-70E740481C1C}">
+                  <a14:useLocalDpi xmlns:a14="http://schemas.microsoft.com/office/drawing/2010/main" val="0"/>
+                </a:ext>
+              </a:extLst>
+            </a:blip>
+            <a:srcRect/>
+            <a:stretch/>
+          </p:blipFill>
+          <p:spPr bwMode="auto">
+            <a:xfrm>
+              <a:off x="267256" y="4871487"/>
+              <a:ext cx="1260000" cy="1253913"/>
+            </a:xfrm>
+            <a:prstGeom prst="rect">
+              <a:avLst/>
+            </a:prstGeom>
+            <a:noFill/>
+            <a:extLst>
+              <a:ext uri="{909E8E84-426E-40DD-AFC4-6F175D3DCCD1}">
+                <a14:hiddenFill xmlns:a14="http://schemas.microsoft.com/office/drawing/2010/main">
+                  <a:solidFill>
+                    <a:srgbClr val="FFFFFF"/>
+                  </a:solidFill>
+                </a14:hiddenFill>
+              </a:ext>
+            </a:extLst>
+          </p:spPr>
+        </p:pic>
+        <p:sp>
+          <p:nvSpPr>
+            <p:cNvPr id="18" name="文字方塊 17">
+              <a:extLst>
+                <a:ext uri="{FF2B5EF4-FFF2-40B4-BE49-F238E27FC236}">
+                  <a16:creationId xmlns:a16="http://schemas.microsoft.com/office/drawing/2014/main" id="{4824E3F7-63FB-3389-24A3-60C68056598A}"/>
+                </a:ext>
+              </a:extLst>
+            </p:cNvPr>
+            <p:cNvSpPr txBox="1"/>
+            <p:nvPr/>
+          </p:nvSpPr>
+          <p:spPr>
+            <a:xfrm>
+              <a:off x="401779" y="2041859"/>
+              <a:ext cx="3491345" cy="1479187"/>
+            </a:xfrm>
+            <a:prstGeom prst="rect">
+              <a:avLst/>
+            </a:prstGeom>
+            <a:noFill/>
+          </p:spPr>
+          <p:txBody>
+            <a:bodyPr wrap="square" rtlCol="0">
+              <a:spAutoFit/>
+            </a:bodyPr>
+            <a:lstStyle/>
+            <a:p>
+              <a:pPr>
+                <a:lnSpc>
+                  <a:spcPct val="150000"/>
+                </a:lnSpc>
+              </a:pPr>
+              <a:r>
+                <a:rPr lang="zh-TW" altLang="en-US" sz="3200" b="1" dirty="0">
+                  <a:latin typeface="微軟正黑體" panose="020B0604030504040204" pitchFamily="34" charset="-120"/>
+                  <a:ea typeface="微軟正黑體" panose="020B0604030504040204" pitchFamily="34" charset="-120"/>
+                </a:rPr>
+                <a:t>學到非常多，每次看都非常有收穫。</a:t>
+              </a:r>
+            </a:p>
+          </p:txBody>
+        </p:sp>
+        <p:sp>
+          <p:nvSpPr>
+            <p:cNvPr id="19" name="文字方塊 18">
+              <a:extLst>
+                <a:ext uri="{FF2B5EF4-FFF2-40B4-BE49-F238E27FC236}">
+                  <a16:creationId xmlns:a16="http://schemas.microsoft.com/office/drawing/2014/main" id="{8366EF5B-894D-1C12-FC1A-5FEF400BA3EC}"/>
+                </a:ext>
+              </a:extLst>
+            </p:cNvPr>
+            <p:cNvSpPr txBox="1"/>
+            <p:nvPr/>
+          </p:nvSpPr>
+          <p:spPr>
+            <a:xfrm>
+              <a:off x="401779" y="3648375"/>
+              <a:ext cx="3491345" cy="400110"/>
+            </a:xfrm>
+            <a:prstGeom prst="rect">
+              <a:avLst/>
+            </a:prstGeom>
+            <a:noFill/>
+          </p:spPr>
+          <p:txBody>
+            <a:bodyPr wrap="square" rtlCol="0" anchor="b">
+              <a:spAutoFit/>
+            </a:bodyPr>
+            <a:lstStyle/>
+            <a:p>
+              <a:pPr algn="r"/>
+              <a:r>
+                <a:rPr lang="en-US" altLang="zh-TW" sz="2000" b="1" dirty="0">
+                  <a:latin typeface="微軟正黑體" panose="020B0604030504040204" pitchFamily="34" charset="-120"/>
+                  <a:ea typeface="微軟正黑體" panose="020B0604030504040204" pitchFamily="34" charset="-120"/>
+                </a:rPr>
+                <a:t>By</a:t>
+              </a:r>
+              <a:r>
+                <a:rPr lang="zh-TW" altLang="en-US" sz="2000" b="1" dirty="0">
+                  <a:latin typeface="微軟正黑體" panose="020B0604030504040204" pitchFamily="34" charset="-120"/>
+                  <a:ea typeface="微軟正黑體" panose="020B0604030504040204" pitchFamily="34" charset="-120"/>
+                </a:rPr>
+                <a:t> 黃學員</a:t>
+              </a:r>
+            </a:p>
+          </p:txBody>
+        </p:sp>
+      </p:grpSp>
     </p:spTree>
     <p:extLst>
       <p:ext uri="{BB962C8B-B14F-4D97-AF65-F5344CB8AC3E}">
@@ -4735,6 +6459,623 @@
           </a:p>
         </p:txBody>
       </p:sp>
+      <p:pic>
+        <p:nvPicPr>
+          <p:cNvPr id="16" name="Picture 14" descr="在側邊欄中搜尋">
+            <a:extLst>
+              <a:ext uri="{FF2B5EF4-FFF2-40B4-BE49-F238E27FC236}">
+                <a16:creationId xmlns:a16="http://schemas.microsoft.com/office/drawing/2014/main" id="{491DA271-2D11-BC97-0FF4-6FBC33D7EDEF}"/>
+              </a:ext>
+            </a:extLst>
+          </p:cNvPr>
+          <p:cNvPicPr>
+            <a:picLocks noChangeAspect="1" noChangeArrowheads="1"/>
+          </p:cNvPicPr>
+          <p:nvPr/>
+        </p:nvPicPr>
+        <p:blipFill>
+          <a:blip r:embed="rId3">
+            <a:extLst>
+              <a:ext uri="{28A0092B-C50C-407E-A947-70E740481C1C}">
+                <a14:useLocalDpi xmlns:a14="http://schemas.microsoft.com/office/drawing/2010/main" val="0"/>
+              </a:ext>
+            </a:extLst>
+          </a:blip>
+          <a:srcRect/>
+          <a:stretch>
+            <a:fillRect/>
+          </a:stretch>
+        </p:blipFill>
+        <p:spPr bwMode="auto">
+          <a:xfrm>
+            <a:off x="10723800" y="0"/>
+            <a:ext cx="1260000" cy="1260000"/>
+          </a:xfrm>
+          <a:prstGeom prst="rect">
+            <a:avLst/>
+          </a:prstGeom>
+          <a:noFill/>
+          <a:extLst>
+            <a:ext uri="{909E8E84-426E-40DD-AFC4-6F175D3DCCD1}">
+              <a14:hiddenFill xmlns:a14="http://schemas.microsoft.com/office/drawing/2010/main">
+                <a:solidFill>
+                  <a:srgbClr val="FFFFFF"/>
+                </a:solidFill>
+              </a14:hiddenFill>
+            </a:ext>
+          </a:extLst>
+        </p:spPr>
+      </p:pic>
+      <p:grpSp>
+        <p:nvGrpSpPr>
+          <p:cNvPr id="20" name="群組 19">
+            <a:extLst>
+              <a:ext uri="{FF2B5EF4-FFF2-40B4-BE49-F238E27FC236}">
+                <a16:creationId xmlns:a16="http://schemas.microsoft.com/office/drawing/2014/main" id="{15838780-5201-D532-D44B-02D8F85E2898}"/>
+              </a:ext>
+            </a:extLst>
+          </p:cNvPr>
+          <p:cNvGrpSpPr/>
+          <p:nvPr/>
+        </p:nvGrpSpPr>
+        <p:grpSpPr>
+          <a:xfrm>
+            <a:off x="224317" y="1825624"/>
+            <a:ext cx="3846271" cy="4302820"/>
+            <a:chOff x="224317" y="1825624"/>
+            <a:chExt cx="3846271" cy="4302820"/>
+          </a:xfrm>
+        </p:grpSpPr>
+        <p:sp>
+          <p:nvSpPr>
+            <p:cNvPr id="17" name="橢圓 16">
+              <a:extLst>
+                <a:ext uri="{FF2B5EF4-FFF2-40B4-BE49-F238E27FC236}">
+                  <a16:creationId xmlns:a16="http://schemas.microsoft.com/office/drawing/2014/main" id="{4ACA9E0B-5DCE-F0A0-BE5C-2704C79C357B}"/>
+                </a:ext>
+              </a:extLst>
+            </p:cNvPr>
+            <p:cNvSpPr/>
+            <p:nvPr/>
+          </p:nvSpPr>
+          <p:spPr>
+            <a:xfrm>
+              <a:off x="285256" y="4882963"/>
+              <a:ext cx="1224000" cy="1224000"/>
+            </a:xfrm>
+            <a:prstGeom prst="ellipse">
+              <a:avLst/>
+            </a:prstGeom>
+            <a:solidFill>
+              <a:srgbClr val="42EFFF"/>
+            </a:solidFill>
+          </p:spPr>
+          <p:style>
+            <a:lnRef idx="2">
+              <a:schemeClr val="accent1">
+                <a:shade val="15000"/>
+              </a:schemeClr>
+            </a:lnRef>
+            <a:fillRef idx="1">
+              <a:schemeClr val="accent1"/>
+            </a:fillRef>
+            <a:effectRef idx="0">
+              <a:schemeClr val="accent1"/>
+            </a:effectRef>
+            <a:fontRef idx="minor">
+              <a:schemeClr val="lt1"/>
+            </a:fontRef>
+          </p:style>
+          <p:txBody>
+            <a:bodyPr rtlCol="0" anchor="ctr"/>
+            <a:lstStyle/>
+            <a:p>
+              <a:pPr algn="ctr"/>
+              <a:endParaRPr lang="zh-TW" altLang="en-US"/>
+            </a:p>
+          </p:txBody>
+        </p:sp>
+        <p:grpSp>
+          <p:nvGrpSpPr>
+            <p:cNvPr id="3" name="群組 2">
+              <a:extLst>
+                <a:ext uri="{FF2B5EF4-FFF2-40B4-BE49-F238E27FC236}">
+                  <a16:creationId xmlns:a16="http://schemas.microsoft.com/office/drawing/2014/main" id="{B2D783CA-EB94-91BC-D9A9-64ECBEDCCB12}"/>
+                </a:ext>
+              </a:extLst>
+            </p:cNvPr>
+            <p:cNvGrpSpPr/>
+            <p:nvPr/>
+          </p:nvGrpSpPr>
+          <p:grpSpPr>
+            <a:xfrm>
+              <a:off x="224317" y="1825624"/>
+              <a:ext cx="3846271" cy="2597299"/>
+              <a:chOff x="224317" y="1825624"/>
+              <a:chExt cx="3846271" cy="2597299"/>
+            </a:xfrm>
+          </p:grpSpPr>
+          <p:sp>
+            <p:nvSpPr>
+              <p:cNvPr id="4" name="矩形 3">
+                <a:extLst>
+                  <a:ext uri="{FF2B5EF4-FFF2-40B4-BE49-F238E27FC236}">
+                    <a16:creationId xmlns:a16="http://schemas.microsoft.com/office/drawing/2014/main" id="{66736AA0-D73C-031B-76B6-EC0BA9938A98}"/>
+                  </a:ext>
+                </a:extLst>
+              </p:cNvPr>
+              <p:cNvSpPr/>
+              <p:nvPr/>
+            </p:nvSpPr>
+            <p:spPr>
+              <a:xfrm>
+                <a:off x="224317" y="1825624"/>
+                <a:ext cx="3846271" cy="2403475"/>
+              </a:xfrm>
+              <a:prstGeom prst="rect">
+                <a:avLst/>
+              </a:prstGeom>
+              <a:solidFill>
+                <a:srgbClr val="42EFFF"/>
+              </a:solidFill>
+              <a:ln w="28575">
+                <a:solidFill>
+                  <a:schemeClr val="tx1"/>
+                </a:solidFill>
+              </a:ln>
+            </p:spPr>
+            <p:style>
+              <a:lnRef idx="2">
+                <a:schemeClr val="accent1">
+                  <a:shade val="15000"/>
+                </a:schemeClr>
+              </a:lnRef>
+              <a:fillRef idx="1">
+                <a:schemeClr val="accent1"/>
+              </a:fillRef>
+              <a:effectRef idx="0">
+                <a:schemeClr val="accent1"/>
+              </a:effectRef>
+              <a:fontRef idx="minor">
+                <a:schemeClr val="lt1"/>
+              </a:fontRef>
+            </p:style>
+            <p:txBody>
+              <a:bodyPr rtlCol="0" anchor="ctr"/>
+              <a:lstStyle/>
+              <a:p>
+                <a:pPr algn="ctr"/>
+                <a:endParaRPr lang="zh-TW" altLang="en-US" dirty="0"/>
+              </a:p>
+            </p:txBody>
+          </p:sp>
+          <p:sp>
+            <p:nvSpPr>
+              <p:cNvPr id="7" name="矩形 6">
+                <a:extLst>
+                  <a:ext uri="{FF2B5EF4-FFF2-40B4-BE49-F238E27FC236}">
+                    <a16:creationId xmlns:a16="http://schemas.microsoft.com/office/drawing/2014/main" id="{EFCCAC0E-2F7D-1809-FB1C-8BEF6D7681EA}"/>
+                  </a:ext>
+                </a:extLst>
+              </p:cNvPr>
+              <p:cNvSpPr/>
+              <p:nvPr/>
+            </p:nvSpPr>
+            <p:spPr>
+              <a:xfrm rot="19707814">
+                <a:off x="823131" y="3634172"/>
+                <a:ext cx="1168452" cy="788751"/>
+              </a:xfrm>
+              <a:prstGeom prst="rect">
+                <a:avLst/>
+              </a:prstGeom>
+              <a:solidFill>
+                <a:srgbClr val="42EFFF"/>
+              </a:solidFill>
+              <a:ln w="28575">
+                <a:solidFill>
+                  <a:schemeClr val="tx1"/>
+                </a:solidFill>
+              </a:ln>
+            </p:spPr>
+            <p:style>
+              <a:lnRef idx="2">
+                <a:schemeClr val="accent1">
+                  <a:shade val="15000"/>
+                </a:schemeClr>
+              </a:lnRef>
+              <a:fillRef idx="1">
+                <a:schemeClr val="accent1"/>
+              </a:fillRef>
+              <a:effectRef idx="0">
+                <a:schemeClr val="accent1"/>
+              </a:effectRef>
+              <a:fontRef idx="minor">
+                <a:schemeClr val="lt1"/>
+              </a:fontRef>
+            </p:style>
+            <p:txBody>
+              <a:bodyPr rtlCol="0" anchor="ctr"/>
+              <a:lstStyle/>
+              <a:p>
+                <a:pPr algn="ctr"/>
+                <a:endParaRPr lang="zh-TW" altLang="en-US" dirty="0"/>
+              </a:p>
+            </p:txBody>
+          </p:sp>
+          <p:grpSp>
+            <p:nvGrpSpPr>
+              <p:cNvPr id="8" name="群組 7">
+                <a:extLst>
+                  <a:ext uri="{FF2B5EF4-FFF2-40B4-BE49-F238E27FC236}">
+                    <a16:creationId xmlns:a16="http://schemas.microsoft.com/office/drawing/2014/main" id="{DBA7B4FB-DA7C-C5BA-F0B4-D0D3FAA039A9}"/>
+                  </a:ext>
+                </a:extLst>
+              </p:cNvPr>
+              <p:cNvGrpSpPr/>
+              <p:nvPr/>
+            </p:nvGrpSpPr>
+            <p:grpSpPr>
+              <a:xfrm>
+                <a:off x="401779" y="2067791"/>
+                <a:ext cx="3491345" cy="2115724"/>
+                <a:chOff x="401779" y="2067791"/>
+                <a:chExt cx="3491345" cy="2115724"/>
+              </a:xfrm>
+            </p:grpSpPr>
+            <p:sp>
+              <p:nvSpPr>
+                <p:cNvPr id="11" name="矩形: 圓角 10">
+                  <a:extLst>
+                    <a:ext uri="{FF2B5EF4-FFF2-40B4-BE49-F238E27FC236}">
+                      <a16:creationId xmlns:a16="http://schemas.microsoft.com/office/drawing/2014/main" id="{9A9AA1E0-E216-4CBA-E71A-F8ACF5467B15}"/>
+                    </a:ext>
+                  </a:extLst>
+                </p:cNvPr>
+                <p:cNvSpPr/>
+                <p:nvPr/>
+              </p:nvSpPr>
+              <p:spPr>
+                <a:xfrm>
+                  <a:off x="401779" y="2067791"/>
+                  <a:ext cx="3491345" cy="1978659"/>
+                </a:xfrm>
+                <a:prstGeom prst="roundRect">
+                  <a:avLst>
+                    <a:gd name="adj" fmla="val 3538"/>
+                  </a:avLst>
+                </a:prstGeom>
+                <a:solidFill>
+                  <a:srgbClr val="FFFFFF"/>
+                </a:solidFill>
+                <a:ln>
+                  <a:solidFill>
+                    <a:schemeClr val="bg1"/>
+                  </a:solidFill>
+                </a:ln>
+              </p:spPr>
+              <p:style>
+                <a:lnRef idx="2">
+                  <a:schemeClr val="accent1">
+                    <a:shade val="15000"/>
+                  </a:schemeClr>
+                </a:lnRef>
+                <a:fillRef idx="1">
+                  <a:schemeClr val="accent1"/>
+                </a:fillRef>
+                <a:effectRef idx="0">
+                  <a:schemeClr val="accent1"/>
+                </a:effectRef>
+                <a:fontRef idx="minor">
+                  <a:schemeClr val="lt1"/>
+                </a:fontRef>
+              </p:style>
+              <p:txBody>
+                <a:bodyPr rtlCol="0" anchor="ctr"/>
+                <a:lstStyle/>
+                <a:p>
+                  <a:pPr algn="ctr"/>
+                  <a:endParaRPr lang="zh-TW" altLang="en-US"/>
+                </a:p>
+              </p:txBody>
+            </p:sp>
+            <p:sp>
+              <p:nvSpPr>
+                <p:cNvPr id="12" name="矩形 11">
+                  <a:extLst>
+                    <a:ext uri="{FF2B5EF4-FFF2-40B4-BE49-F238E27FC236}">
+                      <a16:creationId xmlns:a16="http://schemas.microsoft.com/office/drawing/2014/main" id="{8EACB0B2-3E36-9FD5-056B-12F3B173DBD0}"/>
+                    </a:ext>
+                  </a:extLst>
+                </p:cNvPr>
+                <p:cNvSpPr/>
+                <p:nvPr/>
+              </p:nvSpPr>
+              <p:spPr>
+                <a:xfrm rot="19707814">
+                  <a:off x="930463" y="3577022"/>
+                  <a:ext cx="898456" cy="606493"/>
+                </a:xfrm>
+                <a:prstGeom prst="rect">
+                  <a:avLst/>
+                </a:prstGeom>
+                <a:solidFill>
+                  <a:schemeClr val="bg1"/>
+                </a:solidFill>
+                <a:ln w="38100">
+                  <a:solidFill>
+                    <a:schemeClr val="bg1"/>
+                  </a:solidFill>
+                </a:ln>
+              </p:spPr>
+              <p:style>
+                <a:lnRef idx="2">
+                  <a:schemeClr val="accent1">
+                    <a:shade val="15000"/>
+                  </a:schemeClr>
+                </a:lnRef>
+                <a:fillRef idx="1">
+                  <a:schemeClr val="accent1"/>
+                </a:fillRef>
+                <a:effectRef idx="0">
+                  <a:schemeClr val="accent1"/>
+                </a:effectRef>
+                <a:fontRef idx="minor">
+                  <a:schemeClr val="lt1"/>
+                </a:fontRef>
+              </p:style>
+              <p:txBody>
+                <a:bodyPr rtlCol="0" anchor="ctr"/>
+                <a:lstStyle/>
+                <a:p>
+                  <a:pPr algn="ctr"/>
+                  <a:endParaRPr lang="zh-TW" altLang="en-US" dirty="0"/>
+                </a:p>
+              </p:txBody>
+            </p:sp>
+          </p:grpSp>
+          <p:sp>
+            <p:nvSpPr>
+              <p:cNvPr id="9" name="矩形 8">
+                <a:extLst>
+                  <a:ext uri="{FF2B5EF4-FFF2-40B4-BE49-F238E27FC236}">
+                    <a16:creationId xmlns:a16="http://schemas.microsoft.com/office/drawing/2014/main" id="{7721CC38-E443-64E2-6D3D-273301C89923}"/>
+                  </a:ext>
+                </a:extLst>
+              </p:cNvPr>
+              <p:cNvSpPr/>
+              <p:nvPr/>
+            </p:nvSpPr>
+            <p:spPr>
+              <a:xfrm>
+                <a:off x="552450" y="4055745"/>
+                <a:ext cx="344806" cy="160020"/>
+              </a:xfrm>
+              <a:prstGeom prst="rect">
+                <a:avLst/>
+              </a:prstGeom>
+              <a:solidFill>
+                <a:srgbClr val="42EFFF"/>
+              </a:solidFill>
+              <a:ln>
+                <a:noFill/>
+              </a:ln>
+            </p:spPr>
+            <p:style>
+              <a:lnRef idx="2">
+                <a:schemeClr val="accent1">
+                  <a:shade val="15000"/>
+                </a:schemeClr>
+              </a:lnRef>
+              <a:fillRef idx="1">
+                <a:schemeClr val="accent1"/>
+              </a:fillRef>
+              <a:effectRef idx="0">
+                <a:schemeClr val="accent1"/>
+              </a:effectRef>
+              <a:fontRef idx="minor">
+                <a:schemeClr val="lt1"/>
+              </a:fontRef>
+            </p:style>
+            <p:txBody>
+              <a:bodyPr rtlCol="0" anchor="ctr"/>
+              <a:lstStyle/>
+              <a:p>
+                <a:pPr algn="ctr"/>
+                <a:endParaRPr lang="zh-TW" altLang="en-US"/>
+              </a:p>
+            </p:txBody>
+          </p:sp>
+          <p:sp>
+            <p:nvSpPr>
+              <p:cNvPr id="10" name="矩形 9">
+                <a:extLst>
+                  <a:ext uri="{FF2B5EF4-FFF2-40B4-BE49-F238E27FC236}">
+                    <a16:creationId xmlns:a16="http://schemas.microsoft.com/office/drawing/2014/main" id="{82177C28-891B-5C59-4C18-3375B92994E6}"/>
+                  </a:ext>
+                </a:extLst>
+              </p:cNvPr>
+              <p:cNvSpPr/>
+              <p:nvPr/>
+            </p:nvSpPr>
+            <p:spPr>
+              <a:xfrm>
+                <a:off x="1748778" y="4055745"/>
+                <a:ext cx="465069" cy="160020"/>
+              </a:xfrm>
+              <a:prstGeom prst="rect">
+                <a:avLst/>
+              </a:prstGeom>
+              <a:solidFill>
+                <a:srgbClr val="42EFFF"/>
+              </a:solidFill>
+              <a:ln>
+                <a:noFill/>
+              </a:ln>
+            </p:spPr>
+            <p:style>
+              <a:lnRef idx="2">
+                <a:schemeClr val="accent1">
+                  <a:shade val="15000"/>
+                </a:schemeClr>
+              </a:lnRef>
+              <a:fillRef idx="1">
+                <a:schemeClr val="accent1"/>
+              </a:fillRef>
+              <a:effectRef idx="0">
+                <a:schemeClr val="accent1"/>
+              </a:effectRef>
+              <a:fontRef idx="minor">
+                <a:schemeClr val="lt1"/>
+              </a:fontRef>
+            </p:style>
+            <p:txBody>
+              <a:bodyPr rtlCol="0" anchor="ctr"/>
+              <a:lstStyle/>
+              <a:p>
+                <a:pPr algn="ctr"/>
+                <a:endParaRPr lang="zh-TW" altLang="en-US"/>
+              </a:p>
+            </p:txBody>
+          </p:sp>
+        </p:grpSp>
+        <p:pic>
+          <p:nvPicPr>
+            <p:cNvPr id="13" name="Picture 14" descr="在側邊欄中搜尋">
+              <a:extLst>
+                <a:ext uri="{FF2B5EF4-FFF2-40B4-BE49-F238E27FC236}">
+                  <a16:creationId xmlns:a16="http://schemas.microsoft.com/office/drawing/2014/main" id="{13D60B10-E53A-66F6-DCCB-39CCCAFA2DCE}"/>
+                </a:ext>
+              </a:extLst>
+            </p:cNvPr>
+            <p:cNvPicPr>
+              <a:picLocks noChangeAspect="1" noChangeArrowheads="1"/>
+            </p:cNvPicPr>
+            <p:nvPr/>
+          </p:nvPicPr>
+          <p:blipFill>
+            <a:blip r:embed="rId3">
+              <a:extLst>
+                <a:ext uri="{28A0092B-C50C-407E-A947-70E740481C1C}">
+                  <a14:useLocalDpi xmlns:a14="http://schemas.microsoft.com/office/drawing/2010/main" val="0"/>
+                </a:ext>
+              </a:extLst>
+            </a:blip>
+            <a:srcRect/>
+            <a:stretch>
+              <a:fillRect/>
+            </a:stretch>
+          </p:blipFill>
+          <p:spPr bwMode="auto">
+            <a:xfrm>
+              <a:off x="267256" y="4868444"/>
+              <a:ext cx="1260000" cy="1260000"/>
+            </a:xfrm>
+            <a:prstGeom prst="rect">
+              <a:avLst/>
+            </a:prstGeom>
+            <a:noFill/>
+            <a:extLst>
+              <a:ext uri="{909E8E84-426E-40DD-AFC4-6F175D3DCCD1}">
+                <a14:hiddenFill xmlns:a14="http://schemas.microsoft.com/office/drawing/2010/main">
+                  <a:solidFill>
+                    <a:srgbClr val="FFFFFF"/>
+                  </a:solidFill>
+                </a14:hiddenFill>
+              </a:ext>
+            </a:extLst>
+          </p:spPr>
+        </p:pic>
+        <p:sp>
+          <p:nvSpPr>
+            <p:cNvPr id="18" name="文字方塊 17">
+              <a:extLst>
+                <a:ext uri="{FF2B5EF4-FFF2-40B4-BE49-F238E27FC236}">
+                  <a16:creationId xmlns:a16="http://schemas.microsoft.com/office/drawing/2014/main" id="{27A7C21C-9A9E-ABC5-044E-923492312C18}"/>
+                </a:ext>
+              </a:extLst>
+            </p:cNvPr>
+            <p:cNvSpPr txBox="1"/>
+            <p:nvPr/>
+          </p:nvSpPr>
+          <p:spPr>
+            <a:xfrm>
+              <a:off x="401779" y="2041859"/>
+              <a:ext cx="3491345" cy="1479187"/>
+            </a:xfrm>
+            <a:prstGeom prst="rect">
+              <a:avLst/>
+            </a:prstGeom>
+            <a:noFill/>
+          </p:spPr>
+          <p:txBody>
+            <a:bodyPr wrap="square" rtlCol="0">
+              <a:spAutoFit/>
+            </a:bodyPr>
+            <a:lstStyle/>
+            <a:p>
+              <a:pPr>
+                <a:lnSpc>
+                  <a:spcPct val="150000"/>
+                </a:lnSpc>
+              </a:pPr>
+              <a:r>
+                <a:rPr lang="zh-TW" altLang="en-US" sz="3200" b="1" dirty="0">
+                  <a:latin typeface="微軟正黑體" panose="020B0604030504040204" pitchFamily="34" charset="-120"/>
+                  <a:ea typeface="微軟正黑體" panose="020B0604030504040204" pitchFamily="34" charset="-120"/>
+                </a:rPr>
+                <a:t>很棒的課程，謝謝講師與助教們！</a:t>
+              </a:r>
+            </a:p>
+          </p:txBody>
+        </p:sp>
+        <p:sp>
+          <p:nvSpPr>
+            <p:cNvPr id="19" name="文字方塊 18">
+              <a:extLst>
+                <a:ext uri="{FF2B5EF4-FFF2-40B4-BE49-F238E27FC236}">
+                  <a16:creationId xmlns:a16="http://schemas.microsoft.com/office/drawing/2014/main" id="{92309603-5712-1DF4-DC60-8A59B7520619}"/>
+                </a:ext>
+              </a:extLst>
+            </p:cNvPr>
+            <p:cNvSpPr txBox="1"/>
+            <p:nvPr/>
+          </p:nvSpPr>
+          <p:spPr>
+            <a:xfrm>
+              <a:off x="401779" y="3648375"/>
+              <a:ext cx="3491345" cy="400110"/>
+            </a:xfrm>
+            <a:prstGeom prst="rect">
+              <a:avLst/>
+            </a:prstGeom>
+            <a:noFill/>
+          </p:spPr>
+          <p:txBody>
+            <a:bodyPr wrap="square" rtlCol="0" anchor="b">
+              <a:spAutoFit/>
+            </a:bodyPr>
+            <a:lstStyle/>
+            <a:p>
+              <a:pPr algn="r"/>
+              <a:r>
+                <a:rPr lang="en-US" altLang="zh-TW" sz="2000" b="1" dirty="0">
+                  <a:latin typeface="微軟正黑體" panose="020B0604030504040204" pitchFamily="34" charset="-120"/>
+                  <a:ea typeface="微軟正黑體" panose="020B0604030504040204" pitchFamily="34" charset="-120"/>
+                </a:rPr>
+                <a:t>By</a:t>
+              </a:r>
+              <a:r>
+                <a:rPr lang="zh-TW" altLang="en-US" sz="2000" b="1" dirty="0">
+                  <a:latin typeface="微軟正黑體" panose="020B0604030504040204" pitchFamily="34" charset="-120"/>
+                  <a:ea typeface="微軟正黑體" panose="020B0604030504040204" pitchFamily="34" charset="-120"/>
+                </a:rPr>
+                <a:t> 張學員</a:t>
+              </a:r>
+            </a:p>
+          </p:txBody>
+        </p:sp>
+      </p:grpSp>
     </p:spTree>
     <p:extLst>
       <p:ext uri="{BB962C8B-B14F-4D97-AF65-F5344CB8AC3E}">
@@ -4873,6 +7214,574 @@
           </a:p>
         </p:txBody>
       </p:sp>
+      <p:grpSp>
+        <p:nvGrpSpPr>
+          <p:cNvPr id="20" name="群組 19">
+            <a:extLst>
+              <a:ext uri="{FF2B5EF4-FFF2-40B4-BE49-F238E27FC236}">
+                <a16:creationId xmlns:a16="http://schemas.microsoft.com/office/drawing/2014/main" id="{7B60CAAA-E428-74CD-EC22-61C3ACA388DD}"/>
+              </a:ext>
+            </a:extLst>
+          </p:cNvPr>
+          <p:cNvGrpSpPr/>
+          <p:nvPr/>
+        </p:nvGrpSpPr>
+        <p:grpSpPr>
+          <a:xfrm>
+            <a:off x="224317" y="1825624"/>
+            <a:ext cx="3846271" cy="4302820"/>
+            <a:chOff x="224317" y="1825624"/>
+            <a:chExt cx="3846271" cy="4302820"/>
+          </a:xfrm>
+        </p:grpSpPr>
+        <p:sp>
+          <p:nvSpPr>
+            <p:cNvPr id="17" name="橢圓 16">
+              <a:extLst>
+                <a:ext uri="{FF2B5EF4-FFF2-40B4-BE49-F238E27FC236}">
+                  <a16:creationId xmlns:a16="http://schemas.microsoft.com/office/drawing/2014/main" id="{085992BA-8348-2CB9-345B-CE557D3488B3}"/>
+                </a:ext>
+              </a:extLst>
+            </p:cNvPr>
+            <p:cNvSpPr/>
+            <p:nvPr/>
+          </p:nvSpPr>
+          <p:spPr>
+            <a:xfrm>
+              <a:off x="285256" y="4882963"/>
+              <a:ext cx="1224000" cy="1224000"/>
+            </a:xfrm>
+            <a:prstGeom prst="ellipse">
+              <a:avLst/>
+            </a:prstGeom>
+            <a:solidFill>
+              <a:srgbClr val="42EFFF"/>
+            </a:solidFill>
+          </p:spPr>
+          <p:style>
+            <a:lnRef idx="2">
+              <a:schemeClr val="accent1">
+                <a:shade val="15000"/>
+              </a:schemeClr>
+            </a:lnRef>
+            <a:fillRef idx="1">
+              <a:schemeClr val="accent1"/>
+            </a:fillRef>
+            <a:effectRef idx="0">
+              <a:schemeClr val="accent1"/>
+            </a:effectRef>
+            <a:fontRef idx="minor">
+              <a:schemeClr val="lt1"/>
+            </a:fontRef>
+          </p:style>
+          <p:txBody>
+            <a:bodyPr rtlCol="0" anchor="ctr"/>
+            <a:lstStyle/>
+            <a:p>
+              <a:pPr algn="ctr"/>
+              <a:endParaRPr lang="zh-TW" altLang="en-US"/>
+            </a:p>
+          </p:txBody>
+        </p:sp>
+        <p:grpSp>
+          <p:nvGrpSpPr>
+            <p:cNvPr id="3" name="群組 2">
+              <a:extLst>
+                <a:ext uri="{FF2B5EF4-FFF2-40B4-BE49-F238E27FC236}">
+                  <a16:creationId xmlns:a16="http://schemas.microsoft.com/office/drawing/2014/main" id="{31601822-D9F4-B799-C8C0-B4A4BA253CB8}"/>
+                </a:ext>
+              </a:extLst>
+            </p:cNvPr>
+            <p:cNvGrpSpPr/>
+            <p:nvPr/>
+          </p:nvGrpSpPr>
+          <p:grpSpPr>
+            <a:xfrm>
+              <a:off x="224317" y="1825624"/>
+              <a:ext cx="3846271" cy="2597299"/>
+              <a:chOff x="224317" y="1825624"/>
+              <a:chExt cx="3846271" cy="2597299"/>
+            </a:xfrm>
+          </p:grpSpPr>
+          <p:sp>
+            <p:nvSpPr>
+              <p:cNvPr id="4" name="矩形 3">
+                <a:extLst>
+                  <a:ext uri="{FF2B5EF4-FFF2-40B4-BE49-F238E27FC236}">
+                    <a16:creationId xmlns:a16="http://schemas.microsoft.com/office/drawing/2014/main" id="{68C939AE-B9F4-43C7-4174-E7CED0EFEF31}"/>
+                  </a:ext>
+                </a:extLst>
+              </p:cNvPr>
+              <p:cNvSpPr/>
+              <p:nvPr/>
+            </p:nvSpPr>
+            <p:spPr>
+              <a:xfrm>
+                <a:off x="224317" y="1825624"/>
+                <a:ext cx="3846271" cy="2403475"/>
+              </a:xfrm>
+              <a:prstGeom prst="rect">
+                <a:avLst/>
+              </a:prstGeom>
+              <a:solidFill>
+                <a:srgbClr val="42EFFF"/>
+              </a:solidFill>
+              <a:ln w="28575">
+                <a:solidFill>
+                  <a:schemeClr val="tx1"/>
+                </a:solidFill>
+              </a:ln>
+            </p:spPr>
+            <p:style>
+              <a:lnRef idx="2">
+                <a:schemeClr val="accent1">
+                  <a:shade val="15000"/>
+                </a:schemeClr>
+              </a:lnRef>
+              <a:fillRef idx="1">
+                <a:schemeClr val="accent1"/>
+              </a:fillRef>
+              <a:effectRef idx="0">
+                <a:schemeClr val="accent1"/>
+              </a:effectRef>
+              <a:fontRef idx="minor">
+                <a:schemeClr val="lt1"/>
+              </a:fontRef>
+            </p:style>
+            <p:txBody>
+              <a:bodyPr rtlCol="0" anchor="ctr"/>
+              <a:lstStyle/>
+              <a:p>
+                <a:pPr algn="ctr"/>
+                <a:endParaRPr lang="zh-TW" altLang="en-US" dirty="0"/>
+              </a:p>
+            </p:txBody>
+          </p:sp>
+          <p:sp>
+            <p:nvSpPr>
+              <p:cNvPr id="7" name="矩形 6">
+                <a:extLst>
+                  <a:ext uri="{FF2B5EF4-FFF2-40B4-BE49-F238E27FC236}">
+                    <a16:creationId xmlns:a16="http://schemas.microsoft.com/office/drawing/2014/main" id="{D38B96A4-861C-2C9A-D66B-E8F2B9517799}"/>
+                  </a:ext>
+                </a:extLst>
+              </p:cNvPr>
+              <p:cNvSpPr/>
+              <p:nvPr/>
+            </p:nvSpPr>
+            <p:spPr>
+              <a:xfrm rot="19707814">
+                <a:off x="823131" y="3634172"/>
+                <a:ext cx="1168452" cy="788751"/>
+              </a:xfrm>
+              <a:prstGeom prst="rect">
+                <a:avLst/>
+              </a:prstGeom>
+              <a:solidFill>
+                <a:srgbClr val="42EFFF"/>
+              </a:solidFill>
+              <a:ln w="28575">
+                <a:solidFill>
+                  <a:schemeClr val="tx1"/>
+                </a:solidFill>
+              </a:ln>
+            </p:spPr>
+            <p:style>
+              <a:lnRef idx="2">
+                <a:schemeClr val="accent1">
+                  <a:shade val="15000"/>
+                </a:schemeClr>
+              </a:lnRef>
+              <a:fillRef idx="1">
+                <a:schemeClr val="accent1"/>
+              </a:fillRef>
+              <a:effectRef idx="0">
+                <a:schemeClr val="accent1"/>
+              </a:effectRef>
+              <a:fontRef idx="minor">
+                <a:schemeClr val="lt1"/>
+              </a:fontRef>
+            </p:style>
+            <p:txBody>
+              <a:bodyPr rtlCol="0" anchor="ctr"/>
+              <a:lstStyle/>
+              <a:p>
+                <a:pPr algn="ctr"/>
+                <a:endParaRPr lang="zh-TW" altLang="en-US" dirty="0"/>
+              </a:p>
+            </p:txBody>
+          </p:sp>
+          <p:grpSp>
+            <p:nvGrpSpPr>
+              <p:cNvPr id="8" name="群組 7">
+                <a:extLst>
+                  <a:ext uri="{FF2B5EF4-FFF2-40B4-BE49-F238E27FC236}">
+                    <a16:creationId xmlns:a16="http://schemas.microsoft.com/office/drawing/2014/main" id="{48B13F55-5835-0883-C239-7AAFDED604E4}"/>
+                  </a:ext>
+                </a:extLst>
+              </p:cNvPr>
+              <p:cNvGrpSpPr/>
+              <p:nvPr/>
+            </p:nvGrpSpPr>
+            <p:grpSpPr>
+              <a:xfrm>
+                <a:off x="401779" y="2067791"/>
+                <a:ext cx="3491345" cy="2115724"/>
+                <a:chOff x="401779" y="2067791"/>
+                <a:chExt cx="3491345" cy="2115724"/>
+              </a:xfrm>
+            </p:grpSpPr>
+            <p:sp>
+              <p:nvSpPr>
+                <p:cNvPr id="11" name="矩形: 圓角 10">
+                  <a:extLst>
+                    <a:ext uri="{FF2B5EF4-FFF2-40B4-BE49-F238E27FC236}">
+                      <a16:creationId xmlns:a16="http://schemas.microsoft.com/office/drawing/2014/main" id="{5E02D231-B01D-DB2D-51EE-4068569CB0BA}"/>
+                    </a:ext>
+                  </a:extLst>
+                </p:cNvPr>
+                <p:cNvSpPr/>
+                <p:nvPr/>
+              </p:nvSpPr>
+              <p:spPr>
+                <a:xfrm>
+                  <a:off x="401779" y="2067791"/>
+                  <a:ext cx="3491345" cy="1978659"/>
+                </a:xfrm>
+                <a:prstGeom prst="roundRect">
+                  <a:avLst>
+                    <a:gd name="adj" fmla="val 3538"/>
+                  </a:avLst>
+                </a:prstGeom>
+                <a:solidFill>
+                  <a:srgbClr val="FFFFFF"/>
+                </a:solidFill>
+                <a:ln>
+                  <a:solidFill>
+                    <a:schemeClr val="bg1"/>
+                  </a:solidFill>
+                </a:ln>
+              </p:spPr>
+              <p:style>
+                <a:lnRef idx="2">
+                  <a:schemeClr val="accent1">
+                    <a:shade val="15000"/>
+                  </a:schemeClr>
+                </a:lnRef>
+                <a:fillRef idx="1">
+                  <a:schemeClr val="accent1"/>
+                </a:fillRef>
+                <a:effectRef idx="0">
+                  <a:schemeClr val="accent1"/>
+                </a:effectRef>
+                <a:fontRef idx="minor">
+                  <a:schemeClr val="lt1"/>
+                </a:fontRef>
+              </p:style>
+              <p:txBody>
+                <a:bodyPr rtlCol="0" anchor="ctr"/>
+                <a:lstStyle/>
+                <a:p>
+                  <a:pPr algn="ctr"/>
+                  <a:endParaRPr lang="zh-TW" altLang="en-US"/>
+                </a:p>
+              </p:txBody>
+            </p:sp>
+            <p:sp>
+              <p:nvSpPr>
+                <p:cNvPr id="12" name="矩形 11">
+                  <a:extLst>
+                    <a:ext uri="{FF2B5EF4-FFF2-40B4-BE49-F238E27FC236}">
+                      <a16:creationId xmlns:a16="http://schemas.microsoft.com/office/drawing/2014/main" id="{03315A16-45BA-AFBD-ECF6-7EE018F66ACF}"/>
+                    </a:ext>
+                  </a:extLst>
+                </p:cNvPr>
+                <p:cNvSpPr/>
+                <p:nvPr/>
+              </p:nvSpPr>
+              <p:spPr>
+                <a:xfrm rot="19707814">
+                  <a:off x="930463" y="3577022"/>
+                  <a:ext cx="898456" cy="606493"/>
+                </a:xfrm>
+                <a:prstGeom prst="rect">
+                  <a:avLst/>
+                </a:prstGeom>
+                <a:solidFill>
+                  <a:schemeClr val="bg1"/>
+                </a:solidFill>
+                <a:ln w="38100">
+                  <a:solidFill>
+                    <a:schemeClr val="bg1"/>
+                  </a:solidFill>
+                </a:ln>
+              </p:spPr>
+              <p:style>
+                <a:lnRef idx="2">
+                  <a:schemeClr val="accent1">
+                    <a:shade val="15000"/>
+                  </a:schemeClr>
+                </a:lnRef>
+                <a:fillRef idx="1">
+                  <a:schemeClr val="accent1"/>
+                </a:fillRef>
+                <a:effectRef idx="0">
+                  <a:schemeClr val="accent1"/>
+                </a:effectRef>
+                <a:fontRef idx="minor">
+                  <a:schemeClr val="lt1"/>
+                </a:fontRef>
+              </p:style>
+              <p:txBody>
+                <a:bodyPr rtlCol="0" anchor="ctr"/>
+                <a:lstStyle/>
+                <a:p>
+                  <a:pPr algn="ctr"/>
+                  <a:endParaRPr lang="zh-TW" altLang="en-US" dirty="0"/>
+                </a:p>
+              </p:txBody>
+            </p:sp>
+          </p:grpSp>
+          <p:sp>
+            <p:nvSpPr>
+              <p:cNvPr id="9" name="矩形 8">
+                <a:extLst>
+                  <a:ext uri="{FF2B5EF4-FFF2-40B4-BE49-F238E27FC236}">
+                    <a16:creationId xmlns:a16="http://schemas.microsoft.com/office/drawing/2014/main" id="{D12D4194-4451-E7D0-9DCF-9311FC955617}"/>
+                  </a:ext>
+                </a:extLst>
+              </p:cNvPr>
+              <p:cNvSpPr/>
+              <p:nvPr/>
+            </p:nvSpPr>
+            <p:spPr>
+              <a:xfrm>
+                <a:off x="552450" y="4055745"/>
+                <a:ext cx="344806" cy="160020"/>
+              </a:xfrm>
+              <a:prstGeom prst="rect">
+                <a:avLst/>
+              </a:prstGeom>
+              <a:solidFill>
+                <a:srgbClr val="42EFFF"/>
+              </a:solidFill>
+              <a:ln>
+                <a:noFill/>
+              </a:ln>
+            </p:spPr>
+            <p:style>
+              <a:lnRef idx="2">
+                <a:schemeClr val="accent1">
+                  <a:shade val="15000"/>
+                </a:schemeClr>
+              </a:lnRef>
+              <a:fillRef idx="1">
+                <a:schemeClr val="accent1"/>
+              </a:fillRef>
+              <a:effectRef idx="0">
+                <a:schemeClr val="accent1"/>
+              </a:effectRef>
+              <a:fontRef idx="minor">
+                <a:schemeClr val="lt1"/>
+              </a:fontRef>
+            </p:style>
+            <p:txBody>
+              <a:bodyPr rtlCol="0" anchor="ctr"/>
+              <a:lstStyle/>
+              <a:p>
+                <a:pPr algn="ctr"/>
+                <a:endParaRPr lang="zh-TW" altLang="en-US"/>
+              </a:p>
+            </p:txBody>
+          </p:sp>
+          <p:sp>
+            <p:nvSpPr>
+              <p:cNvPr id="10" name="矩形 9">
+                <a:extLst>
+                  <a:ext uri="{FF2B5EF4-FFF2-40B4-BE49-F238E27FC236}">
+                    <a16:creationId xmlns:a16="http://schemas.microsoft.com/office/drawing/2014/main" id="{5FF8E3AD-631E-D1E0-0FA4-25221B909BAC}"/>
+                  </a:ext>
+                </a:extLst>
+              </p:cNvPr>
+              <p:cNvSpPr/>
+              <p:nvPr/>
+            </p:nvSpPr>
+            <p:spPr>
+              <a:xfrm>
+                <a:off x="1748778" y="4055745"/>
+                <a:ext cx="465069" cy="160020"/>
+              </a:xfrm>
+              <a:prstGeom prst="rect">
+                <a:avLst/>
+              </a:prstGeom>
+              <a:solidFill>
+                <a:srgbClr val="42EFFF"/>
+              </a:solidFill>
+              <a:ln>
+                <a:noFill/>
+              </a:ln>
+            </p:spPr>
+            <p:style>
+              <a:lnRef idx="2">
+                <a:schemeClr val="accent1">
+                  <a:shade val="15000"/>
+                </a:schemeClr>
+              </a:lnRef>
+              <a:fillRef idx="1">
+                <a:schemeClr val="accent1"/>
+              </a:fillRef>
+              <a:effectRef idx="0">
+                <a:schemeClr val="accent1"/>
+              </a:effectRef>
+              <a:fontRef idx="minor">
+                <a:schemeClr val="lt1"/>
+              </a:fontRef>
+            </p:style>
+            <p:txBody>
+              <a:bodyPr rtlCol="0" anchor="ctr"/>
+              <a:lstStyle/>
+              <a:p>
+                <a:pPr algn="ctr"/>
+                <a:endParaRPr lang="zh-TW" altLang="en-US"/>
+              </a:p>
+            </p:txBody>
+          </p:sp>
+        </p:grpSp>
+        <p:pic>
+          <p:nvPicPr>
+            <p:cNvPr id="13" name="Picture 14">
+              <a:extLst>
+                <a:ext uri="{FF2B5EF4-FFF2-40B4-BE49-F238E27FC236}">
+                  <a16:creationId xmlns:a16="http://schemas.microsoft.com/office/drawing/2014/main" id="{993AECA3-30C1-694A-7318-214654ADF0A7}"/>
+                </a:ext>
+              </a:extLst>
+            </p:cNvPr>
+            <p:cNvPicPr>
+              <a:picLocks noChangeAspect="1" noChangeArrowheads="1"/>
+            </p:cNvPicPr>
+            <p:nvPr/>
+          </p:nvPicPr>
+          <p:blipFill>
+            <a:blip r:embed="rId3">
+              <a:extLst>
+                <a:ext uri="{28A0092B-C50C-407E-A947-70E740481C1C}">
+                  <a14:useLocalDpi xmlns:a14="http://schemas.microsoft.com/office/drawing/2010/main" val="0"/>
+                </a:ext>
+              </a:extLst>
+            </a:blip>
+            <a:srcRect/>
+            <a:stretch/>
+          </p:blipFill>
+          <p:spPr bwMode="auto">
+            <a:xfrm>
+              <a:off x="267256" y="4868444"/>
+              <a:ext cx="1260000" cy="1260000"/>
+            </a:xfrm>
+            <a:prstGeom prst="rect">
+              <a:avLst/>
+            </a:prstGeom>
+            <a:noFill/>
+            <a:extLst>
+              <a:ext uri="{909E8E84-426E-40DD-AFC4-6F175D3DCCD1}">
+                <a14:hiddenFill xmlns:a14="http://schemas.microsoft.com/office/drawing/2010/main">
+                  <a:solidFill>
+                    <a:srgbClr val="FFFFFF"/>
+                  </a:solidFill>
+                </a14:hiddenFill>
+              </a:ext>
+            </a:extLst>
+          </p:spPr>
+        </p:pic>
+        <p:sp>
+          <p:nvSpPr>
+            <p:cNvPr id="18" name="文字方塊 17">
+              <a:extLst>
+                <a:ext uri="{FF2B5EF4-FFF2-40B4-BE49-F238E27FC236}">
+                  <a16:creationId xmlns:a16="http://schemas.microsoft.com/office/drawing/2014/main" id="{36CD62B5-07C9-1C57-B12F-54218F954420}"/>
+                </a:ext>
+              </a:extLst>
+            </p:cNvPr>
+            <p:cNvSpPr txBox="1"/>
+            <p:nvPr/>
+          </p:nvSpPr>
+          <p:spPr>
+            <a:xfrm>
+              <a:off x="401779" y="2041859"/>
+              <a:ext cx="3491345" cy="1479187"/>
+            </a:xfrm>
+            <a:prstGeom prst="rect">
+              <a:avLst/>
+            </a:prstGeom>
+            <a:noFill/>
+          </p:spPr>
+          <p:txBody>
+            <a:bodyPr wrap="square" rtlCol="0">
+              <a:spAutoFit/>
+            </a:bodyPr>
+            <a:lstStyle/>
+            <a:p>
+              <a:pPr>
+                <a:lnSpc>
+                  <a:spcPct val="150000"/>
+                </a:lnSpc>
+              </a:pPr>
+              <a:r>
+                <a:rPr lang="zh-TW" altLang="en-US" sz="3200" b="1" dirty="0">
+                  <a:latin typeface="微軟正黑體" panose="020B0604030504040204" pitchFamily="34" charset="-120"/>
+                  <a:ea typeface="微軟正黑體" panose="020B0604030504040204" pitchFamily="34" charset="-120"/>
+                </a:rPr>
+                <a:t>非常好的課程，可以多開。</a:t>
+              </a:r>
+            </a:p>
+          </p:txBody>
+        </p:sp>
+        <p:sp>
+          <p:nvSpPr>
+            <p:cNvPr id="19" name="文字方塊 18">
+              <a:extLst>
+                <a:ext uri="{FF2B5EF4-FFF2-40B4-BE49-F238E27FC236}">
+                  <a16:creationId xmlns:a16="http://schemas.microsoft.com/office/drawing/2014/main" id="{0B659469-A8FD-BC76-8134-3BC588ABBF88}"/>
+                </a:ext>
+              </a:extLst>
+            </p:cNvPr>
+            <p:cNvSpPr txBox="1"/>
+            <p:nvPr/>
+          </p:nvSpPr>
+          <p:spPr>
+            <a:xfrm>
+              <a:off x="401779" y="3648375"/>
+              <a:ext cx="3491345" cy="400110"/>
+            </a:xfrm>
+            <a:prstGeom prst="rect">
+              <a:avLst/>
+            </a:prstGeom>
+            <a:noFill/>
+          </p:spPr>
+          <p:txBody>
+            <a:bodyPr wrap="square" rtlCol="0" anchor="b">
+              <a:spAutoFit/>
+            </a:bodyPr>
+            <a:lstStyle/>
+            <a:p>
+              <a:pPr algn="r"/>
+              <a:r>
+                <a:rPr lang="en-US" altLang="zh-TW" sz="2000" b="1" dirty="0">
+                  <a:latin typeface="微軟正黑體" panose="020B0604030504040204" pitchFamily="34" charset="-120"/>
+                  <a:ea typeface="微軟正黑體" panose="020B0604030504040204" pitchFamily="34" charset="-120"/>
+                </a:rPr>
+                <a:t>By</a:t>
+              </a:r>
+              <a:r>
+                <a:rPr lang="zh-TW" altLang="en-US" sz="2000" b="1" dirty="0">
+                  <a:latin typeface="微軟正黑體" panose="020B0604030504040204" pitchFamily="34" charset="-120"/>
+                  <a:ea typeface="微軟正黑體" panose="020B0604030504040204" pitchFamily="34" charset="-120"/>
+                </a:rPr>
+                <a:t> 李學員</a:t>
+              </a:r>
+            </a:p>
+          </p:txBody>
+        </p:sp>
+      </p:grpSp>
     </p:spTree>
     <p:extLst>
       <p:ext uri="{BB962C8B-B14F-4D97-AF65-F5344CB8AC3E}">
@@ -4924,7 +7833,7 @@
           <a:bodyPr/>
           <a:lstStyle/>
           <a:p>
-            <a:endParaRPr lang="zh-TW" altLang="en-US"/>
+            <a:endParaRPr lang="zh-TW" altLang="en-US" dirty="0"/>
           </a:p>
         </p:txBody>
       </p:sp>
@@ -5011,6 +7920,606 @@
           </a:p>
         </p:txBody>
       </p:sp>
+      <p:grpSp>
+        <p:nvGrpSpPr>
+          <p:cNvPr id="14" name="群組 13">
+            <a:extLst>
+              <a:ext uri="{FF2B5EF4-FFF2-40B4-BE49-F238E27FC236}">
+                <a16:creationId xmlns:a16="http://schemas.microsoft.com/office/drawing/2014/main" id="{9CF0A3DB-F165-4C64-249D-603128F0481F}"/>
+              </a:ext>
+            </a:extLst>
+          </p:cNvPr>
+          <p:cNvGrpSpPr/>
+          <p:nvPr/>
+        </p:nvGrpSpPr>
+        <p:grpSpPr>
+          <a:xfrm>
+            <a:off x="224317" y="1825624"/>
+            <a:ext cx="3846271" cy="4299776"/>
+            <a:chOff x="224317" y="1825624"/>
+            <a:chExt cx="3846271" cy="4299776"/>
+          </a:xfrm>
+        </p:grpSpPr>
+        <p:sp>
+          <p:nvSpPr>
+            <p:cNvPr id="17" name="橢圓 16">
+              <a:extLst>
+                <a:ext uri="{FF2B5EF4-FFF2-40B4-BE49-F238E27FC236}">
+                  <a16:creationId xmlns:a16="http://schemas.microsoft.com/office/drawing/2014/main" id="{85D68788-6ED9-DCB1-EA33-E15235E00C4D}"/>
+                </a:ext>
+              </a:extLst>
+            </p:cNvPr>
+            <p:cNvSpPr/>
+            <p:nvPr/>
+          </p:nvSpPr>
+          <p:spPr>
+            <a:xfrm>
+              <a:off x="285256" y="4882963"/>
+              <a:ext cx="1224000" cy="1224000"/>
+            </a:xfrm>
+            <a:prstGeom prst="ellipse">
+              <a:avLst/>
+            </a:prstGeom>
+            <a:solidFill>
+              <a:srgbClr val="42EFFF"/>
+            </a:solidFill>
+          </p:spPr>
+          <p:style>
+            <a:lnRef idx="2">
+              <a:schemeClr val="accent1">
+                <a:shade val="15000"/>
+              </a:schemeClr>
+            </a:lnRef>
+            <a:fillRef idx="1">
+              <a:schemeClr val="accent1"/>
+            </a:fillRef>
+            <a:effectRef idx="0">
+              <a:schemeClr val="accent1"/>
+            </a:effectRef>
+            <a:fontRef idx="minor">
+              <a:schemeClr val="lt1"/>
+            </a:fontRef>
+          </p:style>
+          <p:txBody>
+            <a:bodyPr rtlCol="0" anchor="ctr"/>
+            <a:lstStyle/>
+            <a:p>
+              <a:pPr algn="ctr"/>
+              <a:endParaRPr lang="zh-TW" altLang="en-US"/>
+            </a:p>
+          </p:txBody>
+        </p:sp>
+        <p:grpSp>
+          <p:nvGrpSpPr>
+            <p:cNvPr id="21" name="群組 20">
+              <a:extLst>
+                <a:ext uri="{FF2B5EF4-FFF2-40B4-BE49-F238E27FC236}">
+                  <a16:creationId xmlns:a16="http://schemas.microsoft.com/office/drawing/2014/main" id="{626B19CD-5AF6-182C-94D3-631856503A78}"/>
+                </a:ext>
+              </a:extLst>
+            </p:cNvPr>
+            <p:cNvGrpSpPr/>
+            <p:nvPr/>
+          </p:nvGrpSpPr>
+          <p:grpSpPr>
+            <a:xfrm>
+              <a:off x="224317" y="1825624"/>
+              <a:ext cx="3846271" cy="4299776"/>
+              <a:chOff x="224317" y="1825624"/>
+              <a:chExt cx="3846271" cy="4299776"/>
+            </a:xfrm>
+          </p:grpSpPr>
+          <p:grpSp>
+            <p:nvGrpSpPr>
+              <p:cNvPr id="3" name="群組 2">
+                <a:extLst>
+                  <a:ext uri="{FF2B5EF4-FFF2-40B4-BE49-F238E27FC236}">
+                    <a16:creationId xmlns:a16="http://schemas.microsoft.com/office/drawing/2014/main" id="{6D3AFEA3-5736-E93A-C6E0-43ABC41F3794}"/>
+                  </a:ext>
+                </a:extLst>
+              </p:cNvPr>
+              <p:cNvGrpSpPr/>
+              <p:nvPr/>
+            </p:nvGrpSpPr>
+            <p:grpSpPr>
+              <a:xfrm>
+                <a:off x="224317" y="1825624"/>
+                <a:ext cx="3846271" cy="2597299"/>
+                <a:chOff x="224317" y="1825624"/>
+                <a:chExt cx="3846271" cy="2597299"/>
+              </a:xfrm>
+            </p:grpSpPr>
+            <p:sp>
+              <p:nvSpPr>
+                <p:cNvPr id="4" name="矩形 3">
+                  <a:extLst>
+                    <a:ext uri="{FF2B5EF4-FFF2-40B4-BE49-F238E27FC236}">
+                      <a16:creationId xmlns:a16="http://schemas.microsoft.com/office/drawing/2014/main" id="{3BE20DEA-FB46-6754-86F8-689A502C7716}"/>
+                    </a:ext>
+                  </a:extLst>
+                </p:cNvPr>
+                <p:cNvSpPr/>
+                <p:nvPr/>
+              </p:nvSpPr>
+              <p:spPr>
+                <a:xfrm>
+                  <a:off x="224317" y="1825624"/>
+                  <a:ext cx="3846271" cy="2403475"/>
+                </a:xfrm>
+                <a:prstGeom prst="rect">
+                  <a:avLst/>
+                </a:prstGeom>
+                <a:solidFill>
+                  <a:srgbClr val="42EFFF"/>
+                </a:solidFill>
+                <a:ln w="28575">
+                  <a:solidFill>
+                    <a:schemeClr val="tx1"/>
+                  </a:solidFill>
+                </a:ln>
+              </p:spPr>
+              <p:style>
+                <a:lnRef idx="2">
+                  <a:schemeClr val="accent1">
+                    <a:shade val="15000"/>
+                  </a:schemeClr>
+                </a:lnRef>
+                <a:fillRef idx="1">
+                  <a:schemeClr val="accent1"/>
+                </a:fillRef>
+                <a:effectRef idx="0">
+                  <a:schemeClr val="accent1"/>
+                </a:effectRef>
+                <a:fontRef idx="minor">
+                  <a:schemeClr val="lt1"/>
+                </a:fontRef>
+              </p:style>
+              <p:txBody>
+                <a:bodyPr rtlCol="0" anchor="ctr"/>
+                <a:lstStyle/>
+                <a:p>
+                  <a:pPr algn="ctr"/>
+                  <a:endParaRPr lang="zh-TW" altLang="en-US" dirty="0"/>
+                </a:p>
+              </p:txBody>
+            </p:sp>
+            <p:sp>
+              <p:nvSpPr>
+                <p:cNvPr id="7" name="矩形 6">
+                  <a:extLst>
+                    <a:ext uri="{FF2B5EF4-FFF2-40B4-BE49-F238E27FC236}">
+                      <a16:creationId xmlns:a16="http://schemas.microsoft.com/office/drawing/2014/main" id="{FD9780DF-6A1B-1A76-2AFC-EA248E30B354}"/>
+                    </a:ext>
+                  </a:extLst>
+                </p:cNvPr>
+                <p:cNvSpPr/>
+                <p:nvPr/>
+              </p:nvSpPr>
+              <p:spPr>
+                <a:xfrm rot="19707814">
+                  <a:off x="823131" y="3634172"/>
+                  <a:ext cx="1168452" cy="788751"/>
+                </a:xfrm>
+                <a:prstGeom prst="rect">
+                  <a:avLst/>
+                </a:prstGeom>
+                <a:solidFill>
+                  <a:srgbClr val="42EFFF"/>
+                </a:solidFill>
+                <a:ln w="28575">
+                  <a:solidFill>
+                    <a:schemeClr val="tx1"/>
+                  </a:solidFill>
+                </a:ln>
+              </p:spPr>
+              <p:style>
+                <a:lnRef idx="2">
+                  <a:schemeClr val="accent1">
+                    <a:shade val="15000"/>
+                  </a:schemeClr>
+                </a:lnRef>
+                <a:fillRef idx="1">
+                  <a:schemeClr val="accent1"/>
+                </a:fillRef>
+                <a:effectRef idx="0">
+                  <a:schemeClr val="accent1"/>
+                </a:effectRef>
+                <a:fontRef idx="minor">
+                  <a:schemeClr val="lt1"/>
+                </a:fontRef>
+              </p:style>
+              <p:txBody>
+                <a:bodyPr rtlCol="0" anchor="ctr"/>
+                <a:lstStyle/>
+                <a:p>
+                  <a:pPr algn="ctr"/>
+                  <a:endParaRPr lang="zh-TW" altLang="en-US" dirty="0"/>
+                </a:p>
+              </p:txBody>
+            </p:sp>
+            <p:grpSp>
+              <p:nvGrpSpPr>
+                <p:cNvPr id="8" name="群組 7">
+                  <a:extLst>
+                    <a:ext uri="{FF2B5EF4-FFF2-40B4-BE49-F238E27FC236}">
+                      <a16:creationId xmlns:a16="http://schemas.microsoft.com/office/drawing/2014/main" id="{446C4B97-6FE4-015D-EEB6-DF3F753FF27D}"/>
+                    </a:ext>
+                  </a:extLst>
+                </p:cNvPr>
+                <p:cNvGrpSpPr/>
+                <p:nvPr/>
+              </p:nvGrpSpPr>
+              <p:grpSpPr>
+                <a:xfrm>
+                  <a:off x="401779" y="2067791"/>
+                  <a:ext cx="3491345" cy="2115724"/>
+                  <a:chOff x="401779" y="2067791"/>
+                  <a:chExt cx="3491345" cy="2115724"/>
+                </a:xfrm>
+              </p:grpSpPr>
+              <p:sp>
+                <p:nvSpPr>
+                  <p:cNvPr id="11" name="矩形: 圓角 10">
+                    <a:extLst>
+                      <a:ext uri="{FF2B5EF4-FFF2-40B4-BE49-F238E27FC236}">
+                        <a16:creationId xmlns:a16="http://schemas.microsoft.com/office/drawing/2014/main" id="{72DD57AD-C22C-56EE-4C26-7881514CDB4B}"/>
+                      </a:ext>
+                    </a:extLst>
+                  </p:cNvPr>
+                  <p:cNvSpPr/>
+                  <p:nvPr/>
+                </p:nvSpPr>
+                <p:spPr>
+                  <a:xfrm>
+                    <a:off x="401779" y="2067791"/>
+                    <a:ext cx="3491345" cy="1978659"/>
+                  </a:xfrm>
+                  <a:prstGeom prst="roundRect">
+                    <a:avLst>
+                      <a:gd name="adj" fmla="val 3538"/>
+                    </a:avLst>
+                  </a:prstGeom>
+                  <a:solidFill>
+                    <a:srgbClr val="FFFFFF"/>
+                  </a:solidFill>
+                  <a:ln>
+                    <a:solidFill>
+                      <a:schemeClr val="bg1"/>
+                    </a:solidFill>
+                  </a:ln>
+                </p:spPr>
+                <p:style>
+                  <a:lnRef idx="2">
+                    <a:schemeClr val="accent1">
+                      <a:shade val="15000"/>
+                    </a:schemeClr>
+                  </a:lnRef>
+                  <a:fillRef idx="1">
+                    <a:schemeClr val="accent1"/>
+                  </a:fillRef>
+                  <a:effectRef idx="0">
+                    <a:schemeClr val="accent1"/>
+                  </a:effectRef>
+                  <a:fontRef idx="minor">
+                    <a:schemeClr val="lt1"/>
+                  </a:fontRef>
+                </p:style>
+                <p:txBody>
+                  <a:bodyPr rtlCol="0" anchor="ctr"/>
+                  <a:lstStyle/>
+                  <a:p>
+                    <a:pPr algn="ctr"/>
+                    <a:endParaRPr lang="zh-TW" altLang="en-US"/>
+                  </a:p>
+                </p:txBody>
+              </p:sp>
+              <p:sp>
+                <p:nvSpPr>
+                  <p:cNvPr id="12" name="矩形 11">
+                    <a:extLst>
+                      <a:ext uri="{FF2B5EF4-FFF2-40B4-BE49-F238E27FC236}">
+                        <a16:creationId xmlns:a16="http://schemas.microsoft.com/office/drawing/2014/main" id="{E3630A69-0CAB-3134-7959-8D638457BDE1}"/>
+                      </a:ext>
+                    </a:extLst>
+                  </p:cNvPr>
+                  <p:cNvSpPr/>
+                  <p:nvPr/>
+                </p:nvSpPr>
+                <p:spPr>
+                  <a:xfrm rot="19707814">
+                    <a:off x="930463" y="3577022"/>
+                    <a:ext cx="898456" cy="606493"/>
+                  </a:xfrm>
+                  <a:prstGeom prst="rect">
+                    <a:avLst/>
+                  </a:prstGeom>
+                  <a:solidFill>
+                    <a:schemeClr val="bg1"/>
+                  </a:solidFill>
+                  <a:ln w="38100">
+                    <a:solidFill>
+                      <a:schemeClr val="bg1"/>
+                    </a:solidFill>
+                  </a:ln>
+                </p:spPr>
+                <p:style>
+                  <a:lnRef idx="2">
+                    <a:schemeClr val="accent1">
+                      <a:shade val="15000"/>
+                    </a:schemeClr>
+                  </a:lnRef>
+                  <a:fillRef idx="1">
+                    <a:schemeClr val="accent1"/>
+                  </a:fillRef>
+                  <a:effectRef idx="0">
+                    <a:schemeClr val="accent1"/>
+                  </a:effectRef>
+                  <a:fontRef idx="minor">
+                    <a:schemeClr val="lt1"/>
+                  </a:fontRef>
+                </p:style>
+                <p:txBody>
+                  <a:bodyPr rtlCol="0" anchor="ctr"/>
+                  <a:lstStyle/>
+                  <a:p>
+                    <a:pPr algn="ctr"/>
+                    <a:endParaRPr lang="zh-TW" altLang="en-US" dirty="0"/>
+                  </a:p>
+                </p:txBody>
+              </p:sp>
+            </p:grpSp>
+            <p:sp>
+              <p:nvSpPr>
+                <p:cNvPr id="9" name="矩形 8">
+                  <a:extLst>
+                    <a:ext uri="{FF2B5EF4-FFF2-40B4-BE49-F238E27FC236}">
+                      <a16:creationId xmlns:a16="http://schemas.microsoft.com/office/drawing/2014/main" id="{E2EE9A08-77AD-4385-7545-66B2D66F15A4}"/>
+                    </a:ext>
+                  </a:extLst>
+                </p:cNvPr>
+                <p:cNvSpPr/>
+                <p:nvPr/>
+              </p:nvSpPr>
+              <p:spPr>
+                <a:xfrm>
+                  <a:off x="552450" y="4055745"/>
+                  <a:ext cx="344806" cy="160020"/>
+                </a:xfrm>
+                <a:prstGeom prst="rect">
+                  <a:avLst/>
+                </a:prstGeom>
+                <a:solidFill>
+                  <a:srgbClr val="42EFFF"/>
+                </a:solidFill>
+                <a:ln>
+                  <a:noFill/>
+                </a:ln>
+              </p:spPr>
+              <p:style>
+                <a:lnRef idx="2">
+                  <a:schemeClr val="accent1">
+                    <a:shade val="15000"/>
+                  </a:schemeClr>
+                </a:lnRef>
+                <a:fillRef idx="1">
+                  <a:schemeClr val="accent1"/>
+                </a:fillRef>
+                <a:effectRef idx="0">
+                  <a:schemeClr val="accent1"/>
+                </a:effectRef>
+                <a:fontRef idx="minor">
+                  <a:schemeClr val="lt1"/>
+                </a:fontRef>
+              </p:style>
+              <p:txBody>
+                <a:bodyPr rtlCol="0" anchor="ctr"/>
+                <a:lstStyle/>
+                <a:p>
+                  <a:pPr algn="ctr"/>
+                  <a:endParaRPr lang="zh-TW" altLang="en-US"/>
+                </a:p>
+              </p:txBody>
+            </p:sp>
+            <p:sp>
+              <p:nvSpPr>
+                <p:cNvPr id="10" name="矩形 9">
+                  <a:extLst>
+                    <a:ext uri="{FF2B5EF4-FFF2-40B4-BE49-F238E27FC236}">
+                      <a16:creationId xmlns:a16="http://schemas.microsoft.com/office/drawing/2014/main" id="{64BF3A93-8195-E0EA-86FA-6A12BE88A7A7}"/>
+                    </a:ext>
+                  </a:extLst>
+                </p:cNvPr>
+                <p:cNvSpPr/>
+                <p:nvPr/>
+              </p:nvSpPr>
+              <p:spPr>
+                <a:xfrm>
+                  <a:off x="1748778" y="4055745"/>
+                  <a:ext cx="465069" cy="160020"/>
+                </a:xfrm>
+                <a:prstGeom prst="rect">
+                  <a:avLst/>
+                </a:prstGeom>
+                <a:solidFill>
+                  <a:srgbClr val="42EFFF"/>
+                </a:solidFill>
+                <a:ln>
+                  <a:noFill/>
+                </a:ln>
+              </p:spPr>
+              <p:style>
+                <a:lnRef idx="2">
+                  <a:schemeClr val="accent1">
+                    <a:shade val="15000"/>
+                  </a:schemeClr>
+                </a:lnRef>
+                <a:fillRef idx="1">
+                  <a:schemeClr val="accent1"/>
+                </a:fillRef>
+                <a:effectRef idx="0">
+                  <a:schemeClr val="accent1"/>
+                </a:effectRef>
+                <a:fontRef idx="minor">
+                  <a:schemeClr val="lt1"/>
+                </a:fontRef>
+              </p:style>
+              <p:txBody>
+                <a:bodyPr rtlCol="0" anchor="ctr"/>
+                <a:lstStyle/>
+                <a:p>
+                  <a:pPr algn="ctr"/>
+                  <a:endParaRPr lang="zh-TW" altLang="en-US"/>
+                </a:p>
+              </p:txBody>
+            </p:sp>
+          </p:grpSp>
+          <p:pic>
+            <p:nvPicPr>
+              <p:cNvPr id="13" name="Picture 14">
+                <a:extLst>
+                  <a:ext uri="{FF2B5EF4-FFF2-40B4-BE49-F238E27FC236}">
+                    <a16:creationId xmlns:a16="http://schemas.microsoft.com/office/drawing/2014/main" id="{74F06F2A-F617-0174-B220-52894B0A9C70}"/>
+                  </a:ext>
+                </a:extLst>
+              </p:cNvPr>
+              <p:cNvPicPr>
+                <a:picLocks noChangeAspect="1" noChangeArrowheads="1"/>
+              </p:cNvPicPr>
+              <p:nvPr/>
+            </p:nvPicPr>
+            <p:blipFill>
+              <a:blip r:embed="rId3">
+                <a:extLst>
+                  <a:ext uri="{28A0092B-C50C-407E-A947-70E740481C1C}">
+                    <a14:useLocalDpi xmlns:a14="http://schemas.microsoft.com/office/drawing/2010/main" val="0"/>
+                  </a:ext>
+                </a:extLst>
+              </a:blip>
+              <a:srcRect/>
+              <a:stretch/>
+            </p:blipFill>
+            <p:spPr bwMode="auto">
+              <a:xfrm>
+                <a:off x="267256" y="4871487"/>
+                <a:ext cx="1260000" cy="1253913"/>
+              </a:xfrm>
+              <a:prstGeom prst="rect">
+                <a:avLst/>
+              </a:prstGeom>
+              <a:noFill/>
+              <a:extLst>
+                <a:ext uri="{909E8E84-426E-40DD-AFC4-6F175D3DCCD1}">
+                  <a14:hiddenFill xmlns:a14="http://schemas.microsoft.com/office/drawing/2010/main">
+                    <a:solidFill>
+                      <a:srgbClr val="FFFFFF"/>
+                    </a:solidFill>
+                  </a14:hiddenFill>
+                </a:ext>
+              </a:extLst>
+            </p:spPr>
+          </p:pic>
+          <p:sp>
+            <p:nvSpPr>
+              <p:cNvPr id="19" name="文字方塊 18">
+                <a:extLst>
+                  <a:ext uri="{FF2B5EF4-FFF2-40B4-BE49-F238E27FC236}">
+                    <a16:creationId xmlns:a16="http://schemas.microsoft.com/office/drawing/2014/main" id="{2B3FDB6B-3EB4-C0A9-EB1C-D43B746E9B58}"/>
+                  </a:ext>
+                </a:extLst>
+              </p:cNvPr>
+              <p:cNvSpPr txBox="1"/>
+              <p:nvPr/>
+            </p:nvSpPr>
+            <p:spPr>
+              <a:xfrm>
+                <a:off x="401779" y="2041859"/>
+                <a:ext cx="3491345" cy="1479187"/>
+              </a:xfrm>
+              <a:prstGeom prst="rect">
+                <a:avLst/>
+              </a:prstGeom>
+              <a:noFill/>
+            </p:spPr>
+            <p:txBody>
+              <a:bodyPr wrap="square" rtlCol="0">
+                <a:spAutoFit/>
+              </a:bodyPr>
+              <a:lstStyle/>
+              <a:p>
+                <a:pPr>
+                  <a:lnSpc>
+                    <a:spcPct val="150000"/>
+                  </a:lnSpc>
+                </a:pPr>
+                <a:r>
+                  <a:rPr lang="zh-TW" altLang="en-US" sz="3200" b="1" dirty="0">
+                    <a:latin typeface="微軟正黑體" panose="020B0604030504040204" pitchFamily="34" charset="-120"/>
+                    <a:ea typeface="微軟正黑體" panose="020B0604030504040204" pitchFamily="34" charset="-120"/>
+                  </a:rPr>
+                  <a:t>含金量很高，彈藥花點時間消化</a:t>
+                </a:r>
+                <a:r>
+                  <a:rPr lang="en-US" altLang="zh-TW" sz="3200" b="1" dirty="0">
+                    <a:latin typeface="微軟正黑體" panose="020B0604030504040204" pitchFamily="34" charset="-120"/>
+                    <a:ea typeface="微軟正黑體" panose="020B0604030504040204" pitchFamily="34" charset="-120"/>
+                  </a:rPr>
+                  <a:t>^^</a:t>
+                </a:r>
+                <a:endParaRPr lang="zh-TW" altLang="en-US" sz="3200" b="1" dirty="0">
+                  <a:latin typeface="微軟正黑體" panose="020B0604030504040204" pitchFamily="34" charset="-120"/>
+                  <a:ea typeface="微軟正黑體" panose="020B0604030504040204" pitchFamily="34" charset="-120"/>
+                </a:endParaRPr>
+              </a:p>
+            </p:txBody>
+          </p:sp>
+          <p:sp>
+            <p:nvSpPr>
+              <p:cNvPr id="20" name="文字方塊 19">
+                <a:extLst>
+                  <a:ext uri="{FF2B5EF4-FFF2-40B4-BE49-F238E27FC236}">
+                    <a16:creationId xmlns:a16="http://schemas.microsoft.com/office/drawing/2014/main" id="{C083D937-A604-A733-710D-E568D7BF0661}"/>
+                  </a:ext>
+                </a:extLst>
+              </p:cNvPr>
+              <p:cNvSpPr txBox="1"/>
+              <p:nvPr/>
+            </p:nvSpPr>
+            <p:spPr>
+              <a:xfrm>
+                <a:off x="401779" y="3648375"/>
+                <a:ext cx="3491345" cy="400110"/>
+              </a:xfrm>
+              <a:prstGeom prst="rect">
+                <a:avLst/>
+              </a:prstGeom>
+              <a:noFill/>
+            </p:spPr>
+            <p:txBody>
+              <a:bodyPr wrap="square" rtlCol="0" anchor="b">
+                <a:spAutoFit/>
+              </a:bodyPr>
+              <a:lstStyle/>
+              <a:p>
+                <a:pPr algn="r"/>
+                <a:r>
+                  <a:rPr lang="en-US" altLang="zh-TW" sz="2000" b="1" dirty="0">
+                    <a:latin typeface="微軟正黑體" panose="020B0604030504040204" pitchFamily="34" charset="-120"/>
+                    <a:ea typeface="微軟正黑體" panose="020B0604030504040204" pitchFamily="34" charset="-120"/>
+                  </a:rPr>
+                  <a:t>By</a:t>
+                </a:r>
+                <a:r>
+                  <a:rPr lang="zh-TW" altLang="en-US" sz="2000" b="1" dirty="0">
+                    <a:latin typeface="微軟正黑體" panose="020B0604030504040204" pitchFamily="34" charset="-120"/>
+                    <a:ea typeface="微軟正黑體" panose="020B0604030504040204" pitchFamily="34" charset="-120"/>
+                  </a:rPr>
+                  <a:t> 王學員</a:t>
+                </a:r>
+              </a:p>
+            </p:txBody>
+          </p:sp>
+        </p:grpSp>
+      </p:grpSp>
     </p:spTree>
     <p:extLst>
       <p:ext uri="{BB962C8B-B14F-4D97-AF65-F5344CB8AC3E}">

--- a/generative_ai_course/assets/img/phase2/新增 Microsoft PowerPoint 簡報.pptx
+++ b/generative_ai_course/assets/img/phase2/新增 Microsoft PowerPoint 簡報.pptx
@@ -5,18 +5,19 @@
     <p:sldMasterId id="2147483648" r:id="rId1"/>
   </p:sldMasterIdLst>
   <p:notesMasterIdLst>
-    <p:notesMasterId r:id="rId11"/>
+    <p:notesMasterId r:id="rId12"/>
   </p:notesMasterIdLst>
   <p:sldIdLst>
     <p:sldId id="256" r:id="rId2"/>
     <p:sldId id="257" r:id="rId3"/>
-    <p:sldId id="260" r:id="rId4"/>
-    <p:sldId id="259" r:id="rId5"/>
-    <p:sldId id="261" r:id="rId6"/>
-    <p:sldId id="262" r:id="rId7"/>
-    <p:sldId id="263" r:id="rId8"/>
-    <p:sldId id="264" r:id="rId9"/>
-    <p:sldId id="265" r:id="rId10"/>
+    <p:sldId id="266" r:id="rId4"/>
+    <p:sldId id="260" r:id="rId5"/>
+    <p:sldId id="259" r:id="rId6"/>
+    <p:sldId id="261" r:id="rId7"/>
+    <p:sldId id="262" r:id="rId8"/>
+    <p:sldId id="263" r:id="rId9"/>
+    <p:sldId id="264" r:id="rId10"/>
+    <p:sldId id="265" r:id="rId11"/>
   </p:sldIdLst>
   <p:sldSz cx="12192000" cy="6858000"/>
   <p:notesSz cx="6858000" cy="9144000"/>
@@ -205,7 +206,7 @@
           <a:p>
             <a:fld id="{3C8C63E4-BC2D-4690-82A2-D7099CE793CA}" type="datetimeFigureOut">
               <a:rPr lang="zh-TW" altLang="en-US" smtClean="0"/>
-              <a:t>2024/7/11</a:t>
+              <a:t>2024/7/14</a:t>
             </a:fld>
             <a:endParaRPr lang="zh-TW" altLang="en-US"/>
           </a:p>
@@ -703,7 +704,7 @@
           <a:p>
             <a:fld id="{8E543B0A-1CC6-4EF1-9EB2-BDB0E0862F0A}" type="datetimeFigureOut">
               <a:rPr lang="zh-TW" altLang="en-US" smtClean="0"/>
-              <a:t>2024/7/11</a:t>
+              <a:t>2024/7/14</a:t>
             </a:fld>
             <a:endParaRPr lang="zh-TW" altLang="en-US"/>
           </a:p>
@@ -901,7 +902,7 @@
           <a:p>
             <a:fld id="{8E543B0A-1CC6-4EF1-9EB2-BDB0E0862F0A}" type="datetimeFigureOut">
               <a:rPr lang="zh-TW" altLang="en-US" smtClean="0"/>
-              <a:t>2024/7/11</a:t>
+              <a:t>2024/7/14</a:t>
             </a:fld>
             <a:endParaRPr lang="zh-TW" altLang="en-US"/>
           </a:p>
@@ -1109,7 +1110,7 @@
           <a:p>
             <a:fld id="{8E543B0A-1CC6-4EF1-9EB2-BDB0E0862F0A}" type="datetimeFigureOut">
               <a:rPr lang="zh-TW" altLang="en-US" smtClean="0"/>
-              <a:t>2024/7/11</a:t>
+              <a:t>2024/7/14</a:t>
             </a:fld>
             <a:endParaRPr lang="zh-TW" altLang="en-US"/>
           </a:p>
@@ -1307,7 +1308,7 @@
           <a:p>
             <a:fld id="{8E543B0A-1CC6-4EF1-9EB2-BDB0E0862F0A}" type="datetimeFigureOut">
               <a:rPr lang="zh-TW" altLang="en-US" smtClean="0"/>
-              <a:t>2024/7/11</a:t>
+              <a:t>2024/7/14</a:t>
             </a:fld>
             <a:endParaRPr lang="zh-TW" altLang="en-US"/>
           </a:p>
@@ -1582,7 +1583,7 @@
           <a:p>
             <a:fld id="{8E543B0A-1CC6-4EF1-9EB2-BDB0E0862F0A}" type="datetimeFigureOut">
               <a:rPr lang="zh-TW" altLang="en-US" smtClean="0"/>
-              <a:t>2024/7/11</a:t>
+              <a:t>2024/7/14</a:t>
             </a:fld>
             <a:endParaRPr lang="zh-TW" altLang="en-US"/>
           </a:p>
@@ -1847,7 +1848,7 @@
           <a:p>
             <a:fld id="{8E543B0A-1CC6-4EF1-9EB2-BDB0E0862F0A}" type="datetimeFigureOut">
               <a:rPr lang="zh-TW" altLang="en-US" smtClean="0"/>
-              <a:t>2024/7/11</a:t>
+              <a:t>2024/7/14</a:t>
             </a:fld>
             <a:endParaRPr lang="zh-TW" altLang="en-US"/>
           </a:p>
@@ -2259,7 +2260,7 @@
           <a:p>
             <a:fld id="{8E543B0A-1CC6-4EF1-9EB2-BDB0E0862F0A}" type="datetimeFigureOut">
               <a:rPr lang="zh-TW" altLang="en-US" smtClean="0"/>
-              <a:t>2024/7/11</a:t>
+              <a:t>2024/7/14</a:t>
             </a:fld>
             <a:endParaRPr lang="zh-TW" altLang="en-US"/>
           </a:p>
@@ -2400,7 +2401,7 @@
           <a:p>
             <a:fld id="{8E543B0A-1CC6-4EF1-9EB2-BDB0E0862F0A}" type="datetimeFigureOut">
               <a:rPr lang="zh-TW" altLang="en-US" smtClean="0"/>
-              <a:t>2024/7/11</a:t>
+              <a:t>2024/7/14</a:t>
             </a:fld>
             <a:endParaRPr lang="zh-TW" altLang="en-US"/>
           </a:p>
@@ -2513,7 +2514,7 @@
           <a:p>
             <a:fld id="{8E543B0A-1CC6-4EF1-9EB2-BDB0E0862F0A}" type="datetimeFigureOut">
               <a:rPr lang="zh-TW" altLang="en-US" smtClean="0"/>
-              <a:t>2024/7/11</a:t>
+              <a:t>2024/7/14</a:t>
             </a:fld>
             <a:endParaRPr lang="zh-TW" altLang="en-US"/>
           </a:p>
@@ -2824,7 +2825,7 @@
           <a:p>
             <a:fld id="{8E543B0A-1CC6-4EF1-9EB2-BDB0E0862F0A}" type="datetimeFigureOut">
               <a:rPr lang="zh-TW" altLang="en-US" smtClean="0"/>
-              <a:t>2024/7/11</a:t>
+              <a:t>2024/7/14</a:t>
             </a:fld>
             <a:endParaRPr lang="zh-TW" altLang="en-US"/>
           </a:p>
@@ -3112,7 +3113,7 @@
           <a:p>
             <a:fld id="{8E543B0A-1CC6-4EF1-9EB2-BDB0E0862F0A}" type="datetimeFigureOut">
               <a:rPr lang="zh-TW" altLang="en-US" smtClean="0"/>
-              <a:t>2024/7/11</a:t>
+              <a:t>2024/7/14</a:t>
             </a:fld>
             <a:endParaRPr lang="zh-TW" altLang="en-US"/>
           </a:p>
@@ -3353,7 +3354,7 @@
           <a:p>
             <a:fld id="{8E543B0A-1CC6-4EF1-9EB2-BDB0E0862F0A}" type="datetimeFigureOut">
               <a:rPr lang="zh-TW" altLang="en-US" smtClean="0"/>
-              <a:t>2024/7/11</a:t>
+              <a:t>2024/7/14</a:t>
             </a:fld>
             <a:endParaRPr lang="zh-TW" altLang="en-US"/>
           </a:p>
@@ -3891,6 +3892,309 @@
 </p:sld>
 </file>
 
+<file path=ppt/slides/slide10.xml><?xml version="1.0" encoding="utf-8"?>
+<p:sld xmlns:a="http://schemas.openxmlformats.org/drawingml/2006/main" xmlns:r="http://schemas.openxmlformats.org/officeDocument/2006/relationships" xmlns:p="http://schemas.openxmlformats.org/presentationml/2006/main">
+  <p:cSld>
+    <p:spTree>
+      <p:nvGrpSpPr>
+        <p:cNvPr id="1" name=""/>
+        <p:cNvGrpSpPr/>
+        <p:nvPr/>
+      </p:nvGrpSpPr>
+      <p:grpSpPr>
+        <a:xfrm>
+          <a:off x="0" y="0"/>
+          <a:ext cx="0" cy="0"/>
+          <a:chOff x="0" y="0"/>
+          <a:chExt cx="0" cy="0"/>
+        </a:xfrm>
+      </p:grpSpPr>
+      <p:sp>
+        <p:nvSpPr>
+          <p:cNvPr id="20" name="矩形 19">
+            <a:extLst>
+              <a:ext uri="{FF2B5EF4-FFF2-40B4-BE49-F238E27FC236}">
+                <a16:creationId xmlns:a16="http://schemas.microsoft.com/office/drawing/2014/main" id="{610B9A5B-498B-4B4F-706D-81C81658A1F7}"/>
+              </a:ext>
+            </a:extLst>
+          </p:cNvPr>
+          <p:cNvSpPr/>
+          <p:nvPr/>
+        </p:nvSpPr>
+        <p:spPr>
+          <a:xfrm>
+            <a:off x="2088444" y="1253331"/>
+            <a:ext cx="8387645" cy="4410310"/>
+          </a:xfrm>
+          <a:prstGeom prst="rect">
+            <a:avLst/>
+          </a:prstGeom>
+          <a:solidFill>
+            <a:schemeClr val="bg1"/>
+          </a:solidFill>
+          <a:ln>
+            <a:noFill/>
+          </a:ln>
+        </p:spPr>
+        <p:style>
+          <a:lnRef idx="2">
+            <a:schemeClr val="accent1">
+              <a:shade val="15000"/>
+            </a:schemeClr>
+          </a:lnRef>
+          <a:fillRef idx="1">
+            <a:schemeClr val="accent1"/>
+          </a:fillRef>
+          <a:effectRef idx="0">
+            <a:schemeClr val="accent1"/>
+          </a:effectRef>
+          <a:fontRef idx="minor">
+            <a:schemeClr val="lt1"/>
+          </a:fontRef>
+        </p:style>
+        <p:txBody>
+          <a:bodyPr rtlCol="0" anchor="ctr"/>
+          <a:lstStyle/>
+          <a:p>
+            <a:pPr algn="ctr"/>
+            <a:endParaRPr lang="zh-TW" altLang="en-US" dirty="0"/>
+          </a:p>
+        </p:txBody>
+      </p:sp>
+      <p:pic>
+        <p:nvPicPr>
+          <p:cNvPr id="5" name="內容版面配置區 4" descr="一張含有 傢俱, 資料表, 設計 的圖片&#10;&#10;自動產生的描述">
+            <a:extLst>
+              <a:ext uri="{FF2B5EF4-FFF2-40B4-BE49-F238E27FC236}">
+                <a16:creationId xmlns:a16="http://schemas.microsoft.com/office/drawing/2014/main" id="{2CE8AE48-6ECB-57A8-9D6E-55C376CC123C}"/>
+              </a:ext>
+            </a:extLst>
+          </p:cNvPr>
+          <p:cNvPicPr>
+            <a:picLocks noGrp="1" noChangeAspect="1"/>
+          </p:cNvPicPr>
+          <p:nvPr>
+            <p:ph idx="1"/>
+          </p:nvPr>
+        </p:nvPicPr>
+        <p:blipFill>
+          <a:blip r:embed="rId2">
+            <a:extLst>
+              <a:ext uri="{28A0092B-C50C-407E-A947-70E740481C1C}">
+                <a14:useLocalDpi xmlns:a14="http://schemas.microsoft.com/office/drawing/2010/main" val="0"/>
+              </a:ext>
+            </a:extLst>
+          </a:blip>
+          <a:stretch>
+            <a:fillRect/>
+          </a:stretch>
+        </p:blipFill>
+        <p:spPr>
+          <a:xfrm>
+            <a:off x="5916221" y="1253331"/>
+            <a:ext cx="4320000" cy="4320000"/>
+          </a:xfrm>
+          <a:prstGeom prst="rect">
+            <a:avLst/>
+          </a:prstGeom>
+          <a:ln>
+            <a:noFill/>
+          </a:ln>
+          <a:effectLst>
+            <a:softEdge rad="112500"/>
+          </a:effectLst>
+        </p:spPr>
+      </p:pic>
+      <p:sp>
+        <p:nvSpPr>
+          <p:cNvPr id="6" name="文字方塊 5">
+            <a:extLst>
+              <a:ext uri="{FF2B5EF4-FFF2-40B4-BE49-F238E27FC236}">
+                <a16:creationId xmlns:a16="http://schemas.microsoft.com/office/drawing/2014/main" id="{13EF6889-D80E-C5A1-86A1-ABF1782D5E31}"/>
+              </a:ext>
+            </a:extLst>
+          </p:cNvPr>
+          <p:cNvSpPr txBox="1"/>
+          <p:nvPr/>
+        </p:nvSpPr>
+        <p:spPr>
+          <a:xfrm>
+            <a:off x="2268333" y="1115336"/>
+            <a:ext cx="3251211" cy="4410310"/>
+          </a:xfrm>
+          <a:prstGeom prst="rect">
+            <a:avLst/>
+          </a:prstGeom>
+          <a:noFill/>
+        </p:spPr>
+        <p:txBody>
+          <a:bodyPr wrap="none" rtlCol="0">
+            <a:spAutoFit/>
+          </a:bodyPr>
+          <a:lstStyle/>
+          <a:p>
+            <a:pPr marL="342900" indent="-342900">
+              <a:lnSpc>
+                <a:spcPct val="200000"/>
+              </a:lnSpc>
+              <a:buFont typeface="Wingdings" panose="05000000000000000000" pitchFamily="2" charset="2"/>
+              <a:buChar char="ü"/>
+            </a:pPr>
+            <a:r>
+              <a:rPr lang="zh-TW" altLang="en-US" sz="2400" b="1" dirty="0">
+                <a:latin typeface="微軟正黑體" panose="020B0604030504040204" pitchFamily="34" charset="-120"/>
+                <a:ea typeface="微軟正黑體" panose="020B0604030504040204" pitchFamily="34" charset="-120"/>
+              </a:rPr>
+              <a:t> 文件報告自動化</a:t>
+            </a:r>
+            <a:endParaRPr lang="en-US" altLang="zh-TW" sz="2400" b="1" dirty="0">
+              <a:latin typeface="微軟正黑體" panose="020B0604030504040204" pitchFamily="34" charset="-120"/>
+              <a:ea typeface="微軟正黑體" panose="020B0604030504040204" pitchFamily="34" charset="-120"/>
+            </a:endParaRPr>
+          </a:p>
+          <a:p>
+            <a:pPr marL="342900" indent="-342900">
+              <a:lnSpc>
+                <a:spcPct val="200000"/>
+              </a:lnSpc>
+              <a:buFont typeface="Wingdings" panose="05000000000000000000" pitchFamily="2" charset="2"/>
+              <a:buChar char="ü"/>
+            </a:pPr>
+            <a:r>
+              <a:rPr lang="zh-TW" altLang="en-US" sz="2400" b="1" dirty="0">
+                <a:latin typeface="微軟正黑體" panose="020B0604030504040204" pitchFamily="34" charset="-120"/>
+                <a:ea typeface="微軟正黑體" panose="020B0604030504040204" pitchFamily="34" charset="-120"/>
+              </a:rPr>
+              <a:t> 表格數據應用情境</a:t>
+            </a:r>
+            <a:endParaRPr lang="en-US" altLang="zh-TW" sz="2400" b="1" dirty="0">
+              <a:latin typeface="微軟正黑體" panose="020B0604030504040204" pitchFamily="34" charset="-120"/>
+              <a:ea typeface="微軟正黑體" panose="020B0604030504040204" pitchFamily="34" charset="-120"/>
+            </a:endParaRPr>
+          </a:p>
+          <a:p>
+            <a:pPr marL="342900" indent="-342900">
+              <a:lnSpc>
+                <a:spcPct val="200000"/>
+              </a:lnSpc>
+              <a:buFont typeface="Wingdings" panose="05000000000000000000" pitchFamily="2" charset="2"/>
+              <a:buChar char="ü"/>
+            </a:pPr>
+            <a:r>
+              <a:rPr lang="zh-TW" altLang="en-US" sz="2400" b="1" dirty="0">
+                <a:latin typeface="微軟正黑體" panose="020B0604030504040204" pitchFamily="34" charset="-120"/>
+                <a:ea typeface="微軟正黑體" panose="020B0604030504040204" pitchFamily="34" charset="-120"/>
+              </a:rPr>
+              <a:t> 會議流程智能化</a:t>
+            </a:r>
+            <a:endParaRPr lang="en-US" altLang="zh-TW" sz="2400" b="1" dirty="0">
+              <a:latin typeface="微軟正黑體" panose="020B0604030504040204" pitchFamily="34" charset="-120"/>
+              <a:ea typeface="微軟正黑體" panose="020B0604030504040204" pitchFamily="34" charset="-120"/>
+            </a:endParaRPr>
+          </a:p>
+          <a:p>
+            <a:pPr marL="342900" indent="-342900">
+              <a:lnSpc>
+                <a:spcPct val="200000"/>
+              </a:lnSpc>
+              <a:buFont typeface="Wingdings" panose="05000000000000000000" pitchFamily="2" charset="2"/>
+              <a:buChar char="ü"/>
+            </a:pPr>
+            <a:r>
+              <a:rPr lang="zh-TW" altLang="en-US" sz="2400" b="1" dirty="0">
+                <a:latin typeface="微軟正黑體" panose="020B0604030504040204" pitchFamily="34" charset="-120"/>
+                <a:ea typeface="微軟正黑體" panose="020B0604030504040204" pitchFamily="34" charset="-120"/>
+              </a:rPr>
+              <a:t> 自定義虛擬助理</a:t>
+            </a:r>
+            <a:endParaRPr lang="en-US" altLang="zh-TW" sz="2400" b="1" dirty="0">
+              <a:latin typeface="微軟正黑體" panose="020B0604030504040204" pitchFamily="34" charset="-120"/>
+              <a:ea typeface="微軟正黑體" panose="020B0604030504040204" pitchFamily="34" charset="-120"/>
+            </a:endParaRPr>
+          </a:p>
+          <a:p>
+            <a:pPr marL="342900" indent="-342900">
+              <a:lnSpc>
+                <a:spcPct val="200000"/>
+              </a:lnSpc>
+              <a:buFont typeface="Wingdings" panose="05000000000000000000" pitchFamily="2" charset="2"/>
+              <a:buChar char="ü"/>
+            </a:pPr>
+            <a:r>
+              <a:rPr lang="zh-TW" altLang="en-US" sz="2400" b="1" dirty="0">
+                <a:latin typeface="微軟正黑體" panose="020B0604030504040204" pitchFamily="34" charset="-120"/>
+                <a:ea typeface="微軟正黑體" panose="020B0604030504040204" pitchFamily="34" charset="-120"/>
+              </a:rPr>
+              <a:t> 合規評估與分析</a:t>
+            </a:r>
+            <a:endParaRPr lang="en-US" altLang="zh-TW" sz="2400" b="1" dirty="0">
+              <a:latin typeface="微軟正黑體" panose="020B0604030504040204" pitchFamily="34" charset="-120"/>
+              <a:ea typeface="微軟正黑體" panose="020B0604030504040204" pitchFamily="34" charset="-120"/>
+            </a:endParaRPr>
+          </a:p>
+          <a:p>
+            <a:pPr marL="342900" indent="-342900">
+              <a:lnSpc>
+                <a:spcPct val="200000"/>
+              </a:lnSpc>
+              <a:buFont typeface="Wingdings" panose="05000000000000000000" pitchFamily="2" charset="2"/>
+              <a:buChar char="ü"/>
+            </a:pPr>
+            <a:r>
+              <a:rPr lang="zh-TW" altLang="en-US" sz="2400" b="1" dirty="0">
+                <a:latin typeface="微軟正黑體" panose="020B0604030504040204" pitchFamily="34" charset="-120"/>
+                <a:ea typeface="微軟正黑體" panose="020B0604030504040204" pitchFamily="34" charset="-120"/>
+              </a:rPr>
+              <a:t> </a:t>
+            </a:r>
+            <a:r>
+              <a:rPr lang="en-US" altLang="zh-TW" sz="2400" b="1" dirty="0">
+                <a:latin typeface="微軟正黑體" panose="020B0604030504040204" pitchFamily="34" charset="-120"/>
+                <a:ea typeface="微軟正黑體" panose="020B0604030504040204" pitchFamily="34" charset="-120"/>
+              </a:rPr>
+              <a:t>ESG </a:t>
+            </a:r>
+            <a:r>
+              <a:rPr lang="zh-TW" altLang="en-US" sz="2400" b="1" dirty="0">
+                <a:latin typeface="微軟正黑體" panose="020B0604030504040204" pitchFamily="34" charset="-120"/>
+                <a:ea typeface="微軟正黑體" panose="020B0604030504040204" pitchFamily="34" charset="-120"/>
+              </a:rPr>
+              <a:t>與 </a:t>
+            </a:r>
+            <a:r>
+              <a:rPr lang="en-US" altLang="zh-TW" sz="2400" b="1" dirty="0">
+                <a:latin typeface="微軟正黑體" panose="020B0604030504040204" pitchFamily="34" charset="-120"/>
+                <a:ea typeface="微軟正黑體" panose="020B0604030504040204" pitchFamily="34" charset="-120"/>
+              </a:rPr>
+              <a:t>AI </a:t>
+            </a:r>
+            <a:r>
+              <a:rPr lang="zh-TW" altLang="en-US" sz="2400" b="1" dirty="0">
+                <a:latin typeface="微軟正黑體" panose="020B0604030504040204" pitchFamily="34" charset="-120"/>
+                <a:ea typeface="微軟正黑體" panose="020B0604030504040204" pitchFamily="34" charset="-120"/>
+              </a:rPr>
+              <a:t>整合討論</a:t>
+            </a:r>
+            <a:endParaRPr lang="en-US" altLang="zh-TW" sz="2400" b="1" dirty="0">
+              <a:latin typeface="微軟正黑體" panose="020B0604030504040204" pitchFamily="34" charset="-120"/>
+              <a:ea typeface="微軟正黑體" panose="020B0604030504040204" pitchFamily="34" charset="-120"/>
+            </a:endParaRPr>
+          </a:p>
+        </p:txBody>
+      </p:sp>
+    </p:spTree>
+    <p:extLst>
+      <p:ext uri="{BB962C8B-B14F-4D97-AF65-F5344CB8AC3E}">
+        <p14:creationId xmlns:p14="http://schemas.microsoft.com/office/powerpoint/2010/main" val="3631080252"/>
+      </p:ext>
+    </p:extLst>
+  </p:cSld>
+  <p:clrMapOvr>
+    <a:masterClrMapping/>
+  </p:clrMapOvr>
+</p:sld>
+</file>
+
 <file path=ppt/slides/slide2.xml><?xml version="1.0" encoding="utf-8"?>
 <p:sld xmlns:a="http://schemas.openxmlformats.org/drawingml/2006/main" xmlns:r="http://schemas.openxmlformats.org/officeDocument/2006/relationships" xmlns:p="http://schemas.openxmlformats.org/presentationml/2006/main">
   <p:cSld>
@@ -4197,6 +4501,1053 @@
 </file>
 
 <file path=ppt/slides/slide3.xml><?xml version="1.0" encoding="utf-8"?>
+<p:sld xmlns:a="http://schemas.openxmlformats.org/drawingml/2006/main" xmlns:r="http://schemas.openxmlformats.org/officeDocument/2006/relationships" xmlns:p="http://schemas.openxmlformats.org/presentationml/2006/main">
+  <p:cSld>
+    <p:spTree>
+      <p:nvGrpSpPr>
+        <p:cNvPr id="1" name=""/>
+        <p:cNvGrpSpPr/>
+        <p:nvPr/>
+      </p:nvGrpSpPr>
+      <p:grpSpPr>
+        <a:xfrm>
+          <a:off x="0" y="0"/>
+          <a:ext cx="0" cy="0"/>
+          <a:chOff x="0" y="0"/>
+          <a:chExt cx="0" cy="0"/>
+        </a:xfrm>
+      </p:grpSpPr>
+      <p:grpSp>
+        <p:nvGrpSpPr>
+          <p:cNvPr id="32" name="群組 31">
+            <a:extLst>
+              <a:ext uri="{FF2B5EF4-FFF2-40B4-BE49-F238E27FC236}">
+                <a16:creationId xmlns:a16="http://schemas.microsoft.com/office/drawing/2014/main" id="{5C8F2A2D-12D9-9B13-2336-D0276C43EAA9}"/>
+              </a:ext>
+            </a:extLst>
+          </p:cNvPr>
+          <p:cNvGrpSpPr/>
+          <p:nvPr/>
+        </p:nvGrpSpPr>
+        <p:grpSpPr>
+          <a:xfrm>
+            <a:off x="3484880" y="182880"/>
+            <a:ext cx="5842000" cy="7635240"/>
+            <a:chOff x="3484880" y="182880"/>
+            <a:chExt cx="5842000" cy="7635240"/>
+          </a:xfrm>
+        </p:grpSpPr>
+        <p:sp>
+          <p:nvSpPr>
+            <p:cNvPr id="31" name="矩形 30">
+              <a:extLst>
+                <a:ext uri="{FF2B5EF4-FFF2-40B4-BE49-F238E27FC236}">
+                  <a16:creationId xmlns:a16="http://schemas.microsoft.com/office/drawing/2014/main" id="{D9D91AF2-F2B8-B0BA-6B14-2FB3275AF9E3}"/>
+                </a:ext>
+              </a:extLst>
+            </p:cNvPr>
+            <p:cNvSpPr/>
+            <p:nvPr/>
+          </p:nvSpPr>
+          <p:spPr>
+            <a:xfrm>
+              <a:off x="3484880" y="182880"/>
+              <a:ext cx="5842000" cy="7635240"/>
+            </a:xfrm>
+            <a:prstGeom prst="rect">
+              <a:avLst/>
+            </a:prstGeom>
+            <a:noFill/>
+            <a:ln>
+              <a:noFill/>
+            </a:ln>
+          </p:spPr>
+          <p:style>
+            <a:lnRef idx="2">
+              <a:schemeClr val="accent1">
+                <a:shade val="15000"/>
+              </a:schemeClr>
+            </a:lnRef>
+            <a:fillRef idx="1">
+              <a:schemeClr val="accent1"/>
+            </a:fillRef>
+            <a:effectRef idx="0">
+              <a:schemeClr val="accent1"/>
+            </a:effectRef>
+            <a:fontRef idx="minor">
+              <a:schemeClr val="lt1"/>
+            </a:fontRef>
+          </p:style>
+          <p:txBody>
+            <a:bodyPr rtlCol="0" anchor="ctr"/>
+            <a:lstStyle/>
+            <a:p>
+              <a:pPr algn="ctr"/>
+              <a:endParaRPr lang="zh-TW" altLang="en-US"/>
+            </a:p>
+          </p:txBody>
+        </p:sp>
+        <p:grpSp>
+          <p:nvGrpSpPr>
+            <p:cNvPr id="30" name="群組 29">
+              <a:extLst>
+                <a:ext uri="{FF2B5EF4-FFF2-40B4-BE49-F238E27FC236}">
+                  <a16:creationId xmlns:a16="http://schemas.microsoft.com/office/drawing/2014/main" id="{87A946C6-CB28-D84B-323B-1AF803C0D693}"/>
+                </a:ext>
+              </a:extLst>
+            </p:cNvPr>
+            <p:cNvGrpSpPr/>
+            <p:nvPr/>
+          </p:nvGrpSpPr>
+          <p:grpSpPr>
+            <a:xfrm>
+              <a:off x="4582670" y="384464"/>
+              <a:ext cx="3859084" cy="7296496"/>
+              <a:chOff x="4582670" y="384464"/>
+              <a:chExt cx="3859084" cy="7296496"/>
+            </a:xfrm>
+          </p:grpSpPr>
+          <p:cxnSp>
+            <p:nvCxnSpPr>
+              <p:cNvPr id="22" name="直線接點 21">
+                <a:extLst>
+                  <a:ext uri="{FF2B5EF4-FFF2-40B4-BE49-F238E27FC236}">
+                    <a16:creationId xmlns:a16="http://schemas.microsoft.com/office/drawing/2014/main" id="{335B8440-F8F9-BEDA-E9EC-1B7EFE5B9B2A}"/>
+                  </a:ext>
+                </a:extLst>
+              </p:cNvPr>
+              <p:cNvCxnSpPr/>
+              <p:nvPr/>
+            </p:nvCxnSpPr>
+            <p:spPr>
+              <a:xfrm>
+                <a:off x="5413664" y="6323784"/>
+                <a:ext cx="748146" cy="0"/>
+              </a:xfrm>
+              <a:prstGeom prst="line">
+                <a:avLst/>
+              </a:prstGeom>
+              <a:ln w="76200">
+                <a:solidFill>
+                  <a:srgbClr val="8ACE8A"/>
+                </a:solidFill>
+              </a:ln>
+            </p:spPr>
+            <p:style>
+              <a:lnRef idx="2">
+                <a:schemeClr val="accent1"/>
+              </a:lnRef>
+              <a:fillRef idx="0">
+                <a:schemeClr val="accent1"/>
+              </a:fillRef>
+              <a:effectRef idx="1">
+                <a:schemeClr val="accent1"/>
+              </a:effectRef>
+              <a:fontRef idx="minor">
+                <a:schemeClr val="tx1"/>
+              </a:fontRef>
+            </p:style>
+          </p:cxnSp>
+          <p:cxnSp>
+            <p:nvCxnSpPr>
+              <p:cNvPr id="17" name="直線接點 16">
+                <a:extLst>
+                  <a:ext uri="{FF2B5EF4-FFF2-40B4-BE49-F238E27FC236}">
+                    <a16:creationId xmlns:a16="http://schemas.microsoft.com/office/drawing/2014/main" id="{D69AD146-9612-C0FA-006C-52016816C595}"/>
+                  </a:ext>
+                </a:extLst>
+              </p:cNvPr>
+              <p:cNvCxnSpPr/>
+              <p:nvPr/>
+            </p:nvCxnSpPr>
+            <p:spPr>
+              <a:xfrm>
+                <a:off x="5413664" y="4726478"/>
+                <a:ext cx="748146" cy="0"/>
+              </a:xfrm>
+              <a:prstGeom prst="line">
+                <a:avLst/>
+              </a:prstGeom>
+              <a:ln w="76200">
+                <a:solidFill>
+                  <a:srgbClr val="75CAB7"/>
+                </a:solidFill>
+              </a:ln>
+            </p:spPr>
+            <p:style>
+              <a:lnRef idx="2">
+                <a:schemeClr val="accent1"/>
+              </a:lnRef>
+              <a:fillRef idx="0">
+                <a:schemeClr val="accent1"/>
+              </a:fillRef>
+              <a:effectRef idx="1">
+                <a:schemeClr val="accent1"/>
+              </a:effectRef>
+              <a:fontRef idx="minor">
+                <a:schemeClr val="tx1"/>
+              </a:fontRef>
+            </p:style>
+          </p:cxnSp>
+          <p:cxnSp>
+            <p:nvCxnSpPr>
+              <p:cNvPr id="14" name="直線接點 13">
+                <a:extLst>
+                  <a:ext uri="{FF2B5EF4-FFF2-40B4-BE49-F238E27FC236}">
+                    <a16:creationId xmlns:a16="http://schemas.microsoft.com/office/drawing/2014/main" id="{F3421B77-9097-8875-5294-018980D3F593}"/>
+                  </a:ext>
+                </a:extLst>
+              </p:cNvPr>
+              <p:cNvCxnSpPr/>
+              <p:nvPr/>
+            </p:nvCxnSpPr>
+            <p:spPr>
+              <a:xfrm>
+                <a:off x="5413664" y="3151678"/>
+                <a:ext cx="748146" cy="0"/>
+              </a:xfrm>
+              <a:prstGeom prst="line">
+                <a:avLst/>
+              </a:prstGeom>
+              <a:ln w="76200">
+                <a:solidFill>
+                  <a:srgbClr val="54C2D8"/>
+                </a:solidFill>
+              </a:ln>
+            </p:spPr>
+            <p:style>
+              <a:lnRef idx="2">
+                <a:schemeClr val="accent1"/>
+              </a:lnRef>
+              <a:fillRef idx="0">
+                <a:schemeClr val="accent1"/>
+              </a:fillRef>
+              <a:effectRef idx="1">
+                <a:schemeClr val="accent1"/>
+              </a:effectRef>
+              <a:fontRef idx="minor">
+                <a:schemeClr val="tx1"/>
+              </a:fontRef>
+            </p:style>
+          </p:cxnSp>
+          <p:cxnSp>
+            <p:nvCxnSpPr>
+              <p:cNvPr id="11" name="直線接點 10">
+                <a:extLst>
+                  <a:ext uri="{FF2B5EF4-FFF2-40B4-BE49-F238E27FC236}">
+                    <a16:creationId xmlns:a16="http://schemas.microsoft.com/office/drawing/2014/main" id="{8B2F5C85-5A65-F71D-5577-25A63741DBE1}"/>
+                  </a:ext>
+                </a:extLst>
+              </p:cNvPr>
+              <p:cNvCxnSpPr/>
+              <p:nvPr/>
+            </p:nvCxnSpPr>
+            <p:spPr>
+              <a:xfrm>
+                <a:off x="5413664" y="1769918"/>
+                <a:ext cx="748146" cy="0"/>
+              </a:xfrm>
+              <a:prstGeom prst="line">
+                <a:avLst/>
+              </a:prstGeom>
+              <a:ln w="76200">
+                <a:solidFill>
+                  <a:srgbClr val="2EBAE9"/>
+                </a:solidFill>
+              </a:ln>
+            </p:spPr>
+            <p:style>
+              <a:lnRef idx="2">
+                <a:schemeClr val="accent1"/>
+              </a:lnRef>
+              <a:fillRef idx="0">
+                <a:schemeClr val="accent1"/>
+              </a:fillRef>
+              <a:effectRef idx="1">
+                <a:schemeClr val="accent1"/>
+              </a:effectRef>
+              <a:fontRef idx="minor">
+                <a:schemeClr val="tx1"/>
+              </a:fontRef>
+            </p:style>
+          </p:cxnSp>
+          <p:cxnSp>
+            <p:nvCxnSpPr>
+              <p:cNvPr id="8" name="直線接點 7">
+                <a:extLst>
+                  <a:ext uri="{FF2B5EF4-FFF2-40B4-BE49-F238E27FC236}">
+                    <a16:creationId xmlns:a16="http://schemas.microsoft.com/office/drawing/2014/main" id="{DA1C69FF-7A58-7396-4908-2C8C5D3D2274}"/>
+                  </a:ext>
+                </a:extLst>
+              </p:cNvPr>
+              <p:cNvCxnSpPr/>
+              <p:nvPr/>
+            </p:nvCxnSpPr>
+            <p:spPr>
+              <a:xfrm>
+                <a:off x="5413664" y="855518"/>
+                <a:ext cx="748146" cy="0"/>
+              </a:xfrm>
+              <a:prstGeom prst="line">
+                <a:avLst/>
+              </a:prstGeom>
+              <a:ln w="76200">
+                <a:solidFill>
+                  <a:srgbClr val="15B5EF"/>
+                </a:solidFill>
+              </a:ln>
+            </p:spPr>
+            <p:style>
+              <a:lnRef idx="2">
+                <a:schemeClr val="accent1"/>
+              </a:lnRef>
+              <a:fillRef idx="0">
+                <a:schemeClr val="accent1"/>
+              </a:fillRef>
+              <a:effectRef idx="1">
+                <a:schemeClr val="accent1"/>
+              </a:effectRef>
+              <a:fontRef idx="minor">
+                <a:schemeClr val="tx1"/>
+              </a:fontRef>
+            </p:style>
+          </p:cxnSp>
+          <p:cxnSp>
+            <p:nvCxnSpPr>
+              <p:cNvPr id="5" name="直線單箭頭接點 4">
+                <a:extLst>
+                  <a:ext uri="{FF2B5EF4-FFF2-40B4-BE49-F238E27FC236}">
+                    <a16:creationId xmlns:a16="http://schemas.microsoft.com/office/drawing/2014/main" id="{519A1D87-E67F-3F4C-4601-DD8208E6BDF4}"/>
+                  </a:ext>
+                </a:extLst>
+              </p:cNvPr>
+              <p:cNvCxnSpPr>
+                <a:cxnSpLocks/>
+              </p:cNvCxnSpPr>
+              <p:nvPr/>
+            </p:nvCxnSpPr>
+            <p:spPr>
+              <a:xfrm>
+                <a:off x="5787737" y="384464"/>
+                <a:ext cx="0" cy="7296496"/>
+              </a:xfrm>
+              <a:prstGeom prst="straightConnector1">
+                <a:avLst/>
+              </a:prstGeom>
+              <a:ln w="76200">
+                <a:gradFill>
+                  <a:gsLst>
+                    <a:gs pos="0">
+                      <a:srgbClr val="00B0F0"/>
+                    </a:gs>
+                    <a:gs pos="100000">
+                      <a:srgbClr val="92D050"/>
+                    </a:gs>
+                  </a:gsLst>
+                  <a:lin ang="5400000" scaled="1"/>
+                </a:gradFill>
+                <a:tailEnd type="triangle"/>
+              </a:ln>
+            </p:spPr>
+            <p:style>
+              <a:lnRef idx="2">
+                <a:schemeClr val="accent1"/>
+              </a:lnRef>
+              <a:fillRef idx="0">
+                <a:schemeClr val="accent1"/>
+              </a:fillRef>
+              <a:effectRef idx="1">
+                <a:schemeClr val="accent1"/>
+              </a:effectRef>
+              <a:fontRef idx="minor">
+                <a:schemeClr val="tx1"/>
+              </a:fontRef>
+            </p:style>
+          </p:cxnSp>
+          <p:sp>
+            <p:nvSpPr>
+              <p:cNvPr id="9" name="文字方塊 8">
+                <a:extLst>
+                  <a:ext uri="{FF2B5EF4-FFF2-40B4-BE49-F238E27FC236}">
+                    <a16:creationId xmlns:a16="http://schemas.microsoft.com/office/drawing/2014/main" id="{1EEAF92A-3A3F-22F0-9CDF-48B38794B90D}"/>
+                  </a:ext>
+                </a:extLst>
+              </p:cNvPr>
+              <p:cNvSpPr txBox="1"/>
+              <p:nvPr/>
+            </p:nvSpPr>
+            <p:spPr>
+              <a:xfrm>
+                <a:off x="4582670" y="665028"/>
+                <a:ext cx="739305" cy="400110"/>
+              </a:xfrm>
+              <a:prstGeom prst="rect">
+                <a:avLst/>
+              </a:prstGeom>
+              <a:noFill/>
+            </p:spPr>
+            <p:txBody>
+              <a:bodyPr wrap="none" rtlCol="0">
+                <a:spAutoFit/>
+              </a:bodyPr>
+              <a:lstStyle/>
+              <a:p>
+                <a:r>
+                  <a:rPr lang="en-US" altLang="zh-TW" sz="2000" dirty="0">
+                    <a:latin typeface="微軟正黑體" panose="020B0604030504040204" pitchFamily="34" charset="-120"/>
+                    <a:ea typeface="微軟正黑體" panose="020B0604030504040204" pitchFamily="34" charset="-120"/>
+                  </a:rPr>
+                  <a:t>7/25</a:t>
+                </a:r>
+                <a:endParaRPr lang="zh-TW" altLang="en-US" sz="2000" dirty="0">
+                  <a:latin typeface="微軟正黑體" panose="020B0604030504040204" pitchFamily="34" charset="-120"/>
+                  <a:ea typeface="微軟正黑體" panose="020B0604030504040204" pitchFamily="34" charset="-120"/>
+                </a:endParaRPr>
+              </a:p>
+            </p:txBody>
+          </p:sp>
+          <p:sp>
+            <p:nvSpPr>
+              <p:cNvPr id="10" name="文字方塊 9">
+                <a:extLst>
+                  <a:ext uri="{FF2B5EF4-FFF2-40B4-BE49-F238E27FC236}">
+                    <a16:creationId xmlns:a16="http://schemas.microsoft.com/office/drawing/2014/main" id="{CA4F832E-B3A5-5975-9B65-BFD8B01CAC19}"/>
+                  </a:ext>
+                </a:extLst>
+              </p:cNvPr>
+              <p:cNvSpPr txBox="1"/>
+              <p:nvPr/>
+            </p:nvSpPr>
+            <p:spPr>
+              <a:xfrm>
+                <a:off x="6352204" y="665028"/>
+                <a:ext cx="1210588" cy="400110"/>
+              </a:xfrm>
+              <a:prstGeom prst="rect">
+                <a:avLst/>
+              </a:prstGeom>
+              <a:noFill/>
+            </p:spPr>
+            <p:txBody>
+              <a:bodyPr wrap="none" rtlCol="0">
+                <a:spAutoFit/>
+              </a:bodyPr>
+              <a:lstStyle/>
+              <a:p>
+                <a:r>
+                  <a:rPr lang="zh-TW" altLang="en-US" sz="2000" dirty="0">
+                    <a:latin typeface="微軟正黑體" panose="020B0604030504040204" pitchFamily="34" charset="-120"/>
+                    <a:ea typeface="微軟正黑體" panose="020B0604030504040204" pitchFamily="34" charset="-120"/>
+                  </a:rPr>
+                  <a:t>測試連線</a:t>
+                </a:r>
+              </a:p>
+            </p:txBody>
+          </p:sp>
+          <p:sp>
+            <p:nvSpPr>
+              <p:cNvPr id="12" name="文字方塊 11">
+                <a:extLst>
+                  <a:ext uri="{FF2B5EF4-FFF2-40B4-BE49-F238E27FC236}">
+                    <a16:creationId xmlns:a16="http://schemas.microsoft.com/office/drawing/2014/main" id="{640691C0-416E-67B6-2325-AD0A9D785287}"/>
+                  </a:ext>
+                </a:extLst>
+              </p:cNvPr>
+              <p:cNvSpPr txBox="1"/>
+              <p:nvPr/>
+            </p:nvSpPr>
+            <p:spPr>
+              <a:xfrm>
+                <a:off x="4582670" y="1579428"/>
+                <a:ext cx="739305" cy="400110"/>
+              </a:xfrm>
+              <a:prstGeom prst="rect">
+                <a:avLst/>
+              </a:prstGeom>
+              <a:noFill/>
+            </p:spPr>
+            <p:txBody>
+              <a:bodyPr wrap="none" rtlCol="0">
+                <a:spAutoFit/>
+              </a:bodyPr>
+              <a:lstStyle/>
+              <a:p>
+                <a:r>
+                  <a:rPr lang="en-US" altLang="zh-TW" sz="2000" dirty="0">
+                    <a:latin typeface="微軟正黑體" panose="020B0604030504040204" pitchFamily="34" charset="-120"/>
+                    <a:ea typeface="微軟正黑體" panose="020B0604030504040204" pitchFamily="34" charset="-120"/>
+                  </a:rPr>
+                  <a:t>7/27</a:t>
+                </a:r>
+                <a:endParaRPr lang="zh-TW" altLang="en-US" sz="2000" dirty="0">
+                  <a:latin typeface="微軟正黑體" panose="020B0604030504040204" pitchFamily="34" charset="-120"/>
+                  <a:ea typeface="微軟正黑體" panose="020B0604030504040204" pitchFamily="34" charset="-120"/>
+                </a:endParaRPr>
+              </a:p>
+            </p:txBody>
+          </p:sp>
+          <p:sp>
+            <p:nvSpPr>
+              <p:cNvPr id="13" name="文字方塊 12">
+                <a:extLst>
+                  <a:ext uri="{FF2B5EF4-FFF2-40B4-BE49-F238E27FC236}">
+                    <a16:creationId xmlns:a16="http://schemas.microsoft.com/office/drawing/2014/main" id="{A8DBD7EB-5503-09E2-BA84-4FF0A6044377}"/>
+                  </a:ext>
+                </a:extLst>
+              </p:cNvPr>
+              <p:cNvSpPr txBox="1"/>
+              <p:nvPr/>
+            </p:nvSpPr>
+            <p:spPr>
+              <a:xfrm>
+                <a:off x="6321724" y="1579428"/>
+                <a:ext cx="1980029" cy="400110"/>
+              </a:xfrm>
+              <a:prstGeom prst="rect">
+                <a:avLst/>
+              </a:prstGeom>
+              <a:noFill/>
+            </p:spPr>
+            <p:txBody>
+              <a:bodyPr wrap="none" rtlCol="0">
+                <a:spAutoFit/>
+              </a:bodyPr>
+              <a:lstStyle/>
+              <a:p>
+                <a:r>
+                  <a:rPr lang="zh-TW" altLang="en-US" sz="2000" dirty="0">
+                    <a:latin typeface="微軟正黑體" panose="020B0604030504040204" pitchFamily="34" charset="-120"/>
+                    <a:ea typeface="微軟正黑體" panose="020B0604030504040204" pitchFamily="34" charset="-120"/>
+                  </a:rPr>
+                  <a:t>第一週課程內容</a:t>
+                </a:r>
+              </a:p>
+            </p:txBody>
+          </p:sp>
+          <p:sp>
+            <p:nvSpPr>
+              <p:cNvPr id="15" name="文字方塊 14">
+                <a:extLst>
+                  <a:ext uri="{FF2B5EF4-FFF2-40B4-BE49-F238E27FC236}">
+                    <a16:creationId xmlns:a16="http://schemas.microsoft.com/office/drawing/2014/main" id="{731CC487-2F1F-834D-B8A9-C92A773ADE9F}"/>
+                  </a:ext>
+                </a:extLst>
+              </p:cNvPr>
+              <p:cNvSpPr txBox="1"/>
+              <p:nvPr/>
+            </p:nvSpPr>
+            <p:spPr>
+              <a:xfrm>
+                <a:off x="4582670" y="2961188"/>
+                <a:ext cx="590226" cy="400110"/>
+              </a:xfrm>
+              <a:prstGeom prst="rect">
+                <a:avLst/>
+              </a:prstGeom>
+              <a:noFill/>
+            </p:spPr>
+            <p:txBody>
+              <a:bodyPr wrap="none" rtlCol="0">
+                <a:spAutoFit/>
+              </a:bodyPr>
+              <a:lstStyle/>
+              <a:p>
+                <a:r>
+                  <a:rPr lang="en-US" altLang="zh-TW" sz="2000" dirty="0">
+                    <a:latin typeface="微軟正黑體" panose="020B0604030504040204" pitchFamily="34" charset="-120"/>
+                    <a:ea typeface="微軟正黑體" panose="020B0604030504040204" pitchFamily="34" charset="-120"/>
+                  </a:rPr>
+                  <a:t>8/3</a:t>
+                </a:r>
+                <a:endParaRPr lang="zh-TW" altLang="en-US" sz="2000" dirty="0">
+                  <a:latin typeface="微軟正黑體" panose="020B0604030504040204" pitchFamily="34" charset="-120"/>
+                  <a:ea typeface="微軟正黑體" panose="020B0604030504040204" pitchFamily="34" charset="-120"/>
+                </a:endParaRPr>
+              </a:p>
+            </p:txBody>
+          </p:sp>
+          <p:sp>
+            <p:nvSpPr>
+              <p:cNvPr id="16" name="文字方塊 15">
+                <a:extLst>
+                  <a:ext uri="{FF2B5EF4-FFF2-40B4-BE49-F238E27FC236}">
+                    <a16:creationId xmlns:a16="http://schemas.microsoft.com/office/drawing/2014/main" id="{C8F1FAB0-8160-3814-0509-493B11EF39F8}"/>
+                  </a:ext>
+                </a:extLst>
+              </p:cNvPr>
+              <p:cNvSpPr txBox="1"/>
+              <p:nvPr/>
+            </p:nvSpPr>
+            <p:spPr>
+              <a:xfrm>
+                <a:off x="6321724" y="2961188"/>
+                <a:ext cx="1980029" cy="400110"/>
+              </a:xfrm>
+              <a:prstGeom prst="rect">
+                <a:avLst/>
+              </a:prstGeom>
+              <a:noFill/>
+            </p:spPr>
+            <p:txBody>
+              <a:bodyPr wrap="none" rtlCol="0">
+                <a:spAutoFit/>
+              </a:bodyPr>
+              <a:lstStyle/>
+              <a:p>
+                <a:r>
+                  <a:rPr lang="zh-TW" altLang="en-US" sz="2000" dirty="0">
+                    <a:latin typeface="微軟正黑體" panose="020B0604030504040204" pitchFamily="34" charset="-120"/>
+                    <a:ea typeface="微軟正黑體" panose="020B0604030504040204" pitchFamily="34" charset="-120"/>
+                  </a:rPr>
+                  <a:t>第二週課程內容</a:t>
+                </a:r>
+              </a:p>
+            </p:txBody>
+          </p:sp>
+          <p:sp>
+            <p:nvSpPr>
+              <p:cNvPr id="18" name="文字方塊 17">
+                <a:extLst>
+                  <a:ext uri="{FF2B5EF4-FFF2-40B4-BE49-F238E27FC236}">
+                    <a16:creationId xmlns:a16="http://schemas.microsoft.com/office/drawing/2014/main" id="{78B2ED8C-6A4B-8E72-C4C4-8F5D4C25316C}"/>
+                  </a:ext>
+                </a:extLst>
+              </p:cNvPr>
+              <p:cNvSpPr txBox="1"/>
+              <p:nvPr/>
+            </p:nvSpPr>
+            <p:spPr>
+              <a:xfrm>
+                <a:off x="4582670" y="4535988"/>
+                <a:ext cx="739305" cy="400110"/>
+              </a:xfrm>
+              <a:prstGeom prst="rect">
+                <a:avLst/>
+              </a:prstGeom>
+              <a:noFill/>
+            </p:spPr>
+            <p:txBody>
+              <a:bodyPr wrap="none" rtlCol="0">
+                <a:spAutoFit/>
+              </a:bodyPr>
+              <a:lstStyle/>
+              <a:p>
+                <a:r>
+                  <a:rPr lang="en-US" altLang="zh-TW" sz="2000" dirty="0">
+                    <a:latin typeface="微軟正黑體" panose="020B0604030504040204" pitchFamily="34" charset="-120"/>
+                    <a:ea typeface="微軟正黑體" panose="020B0604030504040204" pitchFamily="34" charset="-120"/>
+                  </a:rPr>
+                  <a:t>8/10</a:t>
+                </a:r>
+                <a:endParaRPr lang="zh-TW" altLang="en-US" sz="2000" dirty="0">
+                  <a:latin typeface="微軟正黑體" panose="020B0604030504040204" pitchFamily="34" charset="-120"/>
+                  <a:ea typeface="微軟正黑體" panose="020B0604030504040204" pitchFamily="34" charset="-120"/>
+                </a:endParaRPr>
+              </a:p>
+            </p:txBody>
+          </p:sp>
+          <p:sp>
+            <p:nvSpPr>
+              <p:cNvPr id="19" name="文字方塊 18">
+                <a:extLst>
+                  <a:ext uri="{FF2B5EF4-FFF2-40B4-BE49-F238E27FC236}">
+                    <a16:creationId xmlns:a16="http://schemas.microsoft.com/office/drawing/2014/main" id="{49A26A75-E6EE-048A-298F-E08A9D0AF5B6}"/>
+                  </a:ext>
+                </a:extLst>
+              </p:cNvPr>
+              <p:cNvSpPr txBox="1"/>
+              <p:nvPr/>
+            </p:nvSpPr>
+            <p:spPr>
+              <a:xfrm>
+                <a:off x="6321724" y="4535988"/>
+                <a:ext cx="1980029" cy="400110"/>
+              </a:xfrm>
+              <a:prstGeom prst="rect">
+                <a:avLst/>
+              </a:prstGeom>
+              <a:noFill/>
+            </p:spPr>
+            <p:txBody>
+              <a:bodyPr wrap="none" rtlCol="0">
+                <a:spAutoFit/>
+              </a:bodyPr>
+              <a:lstStyle/>
+              <a:p>
+                <a:r>
+                  <a:rPr lang="zh-TW" altLang="en-US" sz="2000" dirty="0">
+                    <a:latin typeface="微軟正黑體" panose="020B0604030504040204" pitchFamily="34" charset="-120"/>
+                    <a:ea typeface="微軟正黑體" panose="020B0604030504040204" pitchFamily="34" charset="-120"/>
+                  </a:rPr>
+                  <a:t>第三週課程內容</a:t>
+                </a:r>
+              </a:p>
+            </p:txBody>
+          </p:sp>
+          <p:sp>
+            <p:nvSpPr>
+              <p:cNvPr id="23" name="文字方塊 22">
+                <a:extLst>
+                  <a:ext uri="{FF2B5EF4-FFF2-40B4-BE49-F238E27FC236}">
+                    <a16:creationId xmlns:a16="http://schemas.microsoft.com/office/drawing/2014/main" id="{B9E072AA-0E9C-3A5E-7637-0EE1FCE5B76B}"/>
+                  </a:ext>
+                </a:extLst>
+              </p:cNvPr>
+              <p:cNvSpPr txBox="1"/>
+              <p:nvPr/>
+            </p:nvSpPr>
+            <p:spPr>
+              <a:xfrm>
+                <a:off x="4582670" y="6133294"/>
+                <a:ext cx="739305" cy="400110"/>
+              </a:xfrm>
+              <a:prstGeom prst="rect">
+                <a:avLst/>
+              </a:prstGeom>
+              <a:noFill/>
+            </p:spPr>
+            <p:txBody>
+              <a:bodyPr wrap="none" rtlCol="0">
+                <a:spAutoFit/>
+              </a:bodyPr>
+              <a:lstStyle/>
+              <a:p>
+                <a:r>
+                  <a:rPr lang="en-US" altLang="zh-TW" sz="2000" dirty="0">
+                    <a:latin typeface="微軟正黑體" panose="020B0604030504040204" pitchFamily="34" charset="-120"/>
+                    <a:ea typeface="微軟正黑體" panose="020B0604030504040204" pitchFamily="34" charset="-120"/>
+                  </a:rPr>
+                  <a:t>8/17</a:t>
+                </a:r>
+                <a:endParaRPr lang="zh-TW" altLang="en-US" sz="2000" dirty="0">
+                  <a:latin typeface="微軟正黑體" panose="020B0604030504040204" pitchFamily="34" charset="-120"/>
+                  <a:ea typeface="微軟正黑體" panose="020B0604030504040204" pitchFamily="34" charset="-120"/>
+                </a:endParaRPr>
+              </a:p>
+            </p:txBody>
+          </p:sp>
+          <p:sp>
+            <p:nvSpPr>
+              <p:cNvPr id="24" name="文字方塊 23">
+                <a:extLst>
+                  <a:ext uri="{FF2B5EF4-FFF2-40B4-BE49-F238E27FC236}">
+                    <a16:creationId xmlns:a16="http://schemas.microsoft.com/office/drawing/2014/main" id="{D0CF13FD-1EC4-7237-6F1C-ED0BD9489FA7}"/>
+                  </a:ext>
+                </a:extLst>
+              </p:cNvPr>
+              <p:cNvSpPr txBox="1"/>
+              <p:nvPr/>
+            </p:nvSpPr>
+            <p:spPr>
+              <a:xfrm>
+                <a:off x="6321724" y="6133294"/>
+                <a:ext cx="1980029" cy="400110"/>
+              </a:xfrm>
+              <a:prstGeom prst="rect">
+                <a:avLst/>
+              </a:prstGeom>
+              <a:noFill/>
+            </p:spPr>
+            <p:txBody>
+              <a:bodyPr wrap="none" rtlCol="0">
+                <a:spAutoFit/>
+              </a:bodyPr>
+              <a:lstStyle/>
+              <a:p>
+                <a:r>
+                  <a:rPr lang="zh-TW" altLang="en-US" sz="2000" dirty="0">
+                    <a:latin typeface="微軟正黑體" panose="020B0604030504040204" pitchFamily="34" charset="-120"/>
+                    <a:ea typeface="微軟正黑體" panose="020B0604030504040204" pitchFamily="34" charset="-120"/>
+                  </a:rPr>
+                  <a:t>第四週課程內容</a:t>
+                </a:r>
+              </a:p>
+            </p:txBody>
+          </p:sp>
+          <p:sp>
+            <p:nvSpPr>
+              <p:cNvPr id="25" name="文字方塊 24">
+                <a:extLst>
+                  <a:ext uri="{FF2B5EF4-FFF2-40B4-BE49-F238E27FC236}">
+                    <a16:creationId xmlns:a16="http://schemas.microsoft.com/office/drawing/2014/main" id="{050B358F-A463-4921-5DBA-CCF1F8946FCB}"/>
+                  </a:ext>
+                </a:extLst>
+              </p:cNvPr>
+              <p:cNvSpPr txBox="1"/>
+              <p:nvPr/>
+            </p:nvSpPr>
+            <p:spPr>
+              <a:xfrm>
+                <a:off x="6336690" y="1966103"/>
+                <a:ext cx="1899879" cy="338554"/>
+              </a:xfrm>
+              <a:prstGeom prst="rect">
+                <a:avLst/>
+              </a:prstGeom>
+              <a:noFill/>
+            </p:spPr>
+            <p:txBody>
+              <a:bodyPr wrap="none" rtlCol="0">
+                <a:spAutoFit/>
+              </a:bodyPr>
+              <a:lstStyle/>
+              <a:p>
+                <a:r>
+                  <a:rPr lang="zh-TW" altLang="en-US" sz="1600" dirty="0">
+                    <a:solidFill>
+                      <a:schemeClr val="bg1">
+                        <a:lumMod val="50000"/>
+                      </a:schemeClr>
+                    </a:solidFill>
+                    <a:latin typeface="微軟正黑體" panose="020B0604030504040204" pitchFamily="34" charset="-120"/>
+                    <a:ea typeface="微軟正黑體" panose="020B0604030504040204" pitchFamily="34" charset="-120"/>
+                  </a:rPr>
+                  <a:t>助教時間 </a:t>
+                </a:r>
+                <a:r>
+                  <a:rPr lang="en-US" altLang="zh-TW" sz="1600" dirty="0">
+                    <a:solidFill>
+                      <a:schemeClr val="bg1">
+                        <a:lumMod val="50000"/>
+                      </a:schemeClr>
+                    </a:solidFill>
+                    <a:latin typeface="微軟正黑體" panose="020B0604030504040204" pitchFamily="34" charset="-120"/>
+                    <a:ea typeface="微軟正黑體" panose="020B0604030504040204" pitchFamily="34" charset="-120"/>
+                  </a:rPr>
+                  <a:t>&amp; </a:t>
+                </a:r>
+                <a:r>
+                  <a:rPr lang="zh-TW" altLang="en-US" sz="1600" dirty="0">
+                    <a:solidFill>
+                      <a:schemeClr val="bg1">
+                        <a:lumMod val="50000"/>
+                      </a:schemeClr>
+                    </a:solidFill>
+                    <a:latin typeface="微軟正黑體" panose="020B0604030504040204" pitchFamily="34" charset="-120"/>
+                    <a:ea typeface="微軟正黑體" panose="020B0604030504040204" pitchFamily="34" charset="-120"/>
+                  </a:rPr>
+                  <a:t>作業一</a:t>
+                </a:r>
+              </a:p>
+            </p:txBody>
+          </p:sp>
+          <p:sp>
+            <p:nvSpPr>
+              <p:cNvPr id="26" name="文字方塊 25">
+                <a:extLst>
+                  <a:ext uri="{FF2B5EF4-FFF2-40B4-BE49-F238E27FC236}">
+                    <a16:creationId xmlns:a16="http://schemas.microsoft.com/office/drawing/2014/main" id="{492B048A-8EA4-B46A-093F-3A6D62A07466}"/>
+                  </a:ext>
+                </a:extLst>
+              </p:cNvPr>
+              <p:cNvSpPr txBox="1"/>
+              <p:nvPr/>
+            </p:nvSpPr>
+            <p:spPr>
+              <a:xfrm>
+                <a:off x="6336690" y="3455636"/>
+                <a:ext cx="1899879" cy="338554"/>
+              </a:xfrm>
+              <a:prstGeom prst="rect">
+                <a:avLst/>
+              </a:prstGeom>
+              <a:noFill/>
+            </p:spPr>
+            <p:txBody>
+              <a:bodyPr wrap="none" rtlCol="0">
+                <a:spAutoFit/>
+              </a:bodyPr>
+              <a:lstStyle/>
+              <a:p>
+                <a:r>
+                  <a:rPr lang="zh-TW" altLang="en-US" sz="1600" dirty="0">
+                    <a:solidFill>
+                      <a:schemeClr val="bg1">
+                        <a:lumMod val="50000"/>
+                      </a:schemeClr>
+                    </a:solidFill>
+                    <a:latin typeface="微軟正黑體" panose="020B0604030504040204" pitchFamily="34" charset="-120"/>
+                    <a:ea typeface="微軟正黑體" panose="020B0604030504040204" pitchFamily="34" charset="-120"/>
+                  </a:rPr>
+                  <a:t>助教時間 </a:t>
+                </a:r>
+                <a:r>
+                  <a:rPr lang="en-US" altLang="zh-TW" sz="1600" dirty="0">
+                    <a:solidFill>
+                      <a:schemeClr val="bg1">
+                        <a:lumMod val="50000"/>
+                      </a:schemeClr>
+                    </a:solidFill>
+                    <a:latin typeface="微軟正黑體" panose="020B0604030504040204" pitchFamily="34" charset="-120"/>
+                    <a:ea typeface="微軟正黑體" panose="020B0604030504040204" pitchFamily="34" charset="-120"/>
+                  </a:rPr>
+                  <a:t>&amp; </a:t>
+                </a:r>
+                <a:r>
+                  <a:rPr lang="zh-TW" altLang="en-US" sz="1600" dirty="0">
+                    <a:solidFill>
+                      <a:schemeClr val="bg1">
+                        <a:lumMod val="50000"/>
+                      </a:schemeClr>
+                    </a:solidFill>
+                    <a:latin typeface="微軟正黑體" panose="020B0604030504040204" pitchFamily="34" charset="-120"/>
+                    <a:ea typeface="微軟正黑體" panose="020B0604030504040204" pitchFamily="34" charset="-120"/>
+                  </a:rPr>
+                  <a:t>作業二</a:t>
+                </a:r>
+              </a:p>
+            </p:txBody>
+          </p:sp>
+          <p:sp>
+            <p:nvSpPr>
+              <p:cNvPr id="27" name="文字方塊 26">
+                <a:extLst>
+                  <a:ext uri="{FF2B5EF4-FFF2-40B4-BE49-F238E27FC236}">
+                    <a16:creationId xmlns:a16="http://schemas.microsoft.com/office/drawing/2014/main" id="{69E588E0-A992-3921-4AF7-17240560476E}"/>
+                  </a:ext>
+                </a:extLst>
+              </p:cNvPr>
+              <p:cNvSpPr txBox="1"/>
+              <p:nvPr/>
+            </p:nvSpPr>
+            <p:spPr>
+              <a:xfrm>
+                <a:off x="6336691" y="5007930"/>
+                <a:ext cx="2105063" cy="338554"/>
+              </a:xfrm>
+              <a:prstGeom prst="rect">
+                <a:avLst/>
+              </a:prstGeom>
+              <a:noFill/>
+            </p:spPr>
+            <p:txBody>
+              <a:bodyPr wrap="none" rtlCol="0">
+                <a:spAutoFit/>
+              </a:bodyPr>
+              <a:lstStyle/>
+              <a:p>
+                <a:r>
+                  <a:rPr lang="zh-TW" altLang="en-US" sz="1600" dirty="0">
+                    <a:solidFill>
+                      <a:schemeClr val="bg1">
+                        <a:lumMod val="50000"/>
+                      </a:schemeClr>
+                    </a:solidFill>
+                    <a:latin typeface="微軟正黑體" panose="020B0604030504040204" pitchFamily="34" charset="-120"/>
+                    <a:ea typeface="微軟正黑體" panose="020B0604030504040204" pitchFamily="34" charset="-120"/>
+                  </a:rPr>
+                  <a:t>助教時間 </a:t>
+                </a:r>
+                <a:r>
+                  <a:rPr lang="en-US" altLang="zh-TW" sz="1600" dirty="0">
+                    <a:solidFill>
+                      <a:schemeClr val="bg1">
+                        <a:lumMod val="50000"/>
+                      </a:schemeClr>
+                    </a:solidFill>
+                    <a:latin typeface="微軟正黑體" panose="020B0604030504040204" pitchFamily="34" charset="-120"/>
+                    <a:ea typeface="微軟正黑體" panose="020B0604030504040204" pitchFamily="34" charset="-120"/>
+                  </a:rPr>
+                  <a:t>&amp; </a:t>
+                </a:r>
+                <a:r>
+                  <a:rPr lang="zh-TW" altLang="en-US" sz="1600" dirty="0">
+                    <a:solidFill>
+                      <a:schemeClr val="bg1">
+                        <a:lumMod val="50000"/>
+                      </a:schemeClr>
+                    </a:solidFill>
+                    <a:latin typeface="微軟正黑體" panose="020B0604030504040204" pitchFamily="34" charset="-120"/>
+                    <a:ea typeface="微軟正黑體" panose="020B0604030504040204" pitchFamily="34" charset="-120"/>
+                  </a:rPr>
+                  <a:t>專題輔導</a:t>
+                </a:r>
+              </a:p>
+            </p:txBody>
+          </p:sp>
+          <p:sp>
+            <p:nvSpPr>
+              <p:cNvPr id="28" name="文字方塊 27">
+                <a:extLst>
+                  <a:ext uri="{FF2B5EF4-FFF2-40B4-BE49-F238E27FC236}">
+                    <a16:creationId xmlns:a16="http://schemas.microsoft.com/office/drawing/2014/main" id="{DCC44F6C-D73A-B434-E778-DC2B902902A1}"/>
+                  </a:ext>
+                </a:extLst>
+              </p:cNvPr>
+              <p:cNvSpPr txBox="1"/>
+              <p:nvPr/>
+            </p:nvSpPr>
+            <p:spPr>
+              <a:xfrm>
+                <a:off x="6336691" y="6653850"/>
+                <a:ext cx="2105063" cy="338554"/>
+              </a:xfrm>
+              <a:prstGeom prst="rect">
+                <a:avLst/>
+              </a:prstGeom>
+              <a:noFill/>
+            </p:spPr>
+            <p:txBody>
+              <a:bodyPr wrap="none" rtlCol="0">
+                <a:spAutoFit/>
+              </a:bodyPr>
+              <a:lstStyle/>
+              <a:p>
+                <a:r>
+                  <a:rPr lang="zh-TW" altLang="en-US" sz="1600" dirty="0">
+                    <a:solidFill>
+                      <a:schemeClr val="bg1">
+                        <a:lumMod val="50000"/>
+                      </a:schemeClr>
+                    </a:solidFill>
+                    <a:latin typeface="微軟正黑體" panose="020B0604030504040204" pitchFamily="34" charset="-120"/>
+                    <a:ea typeface="微軟正黑體" panose="020B0604030504040204" pitchFamily="34" charset="-120"/>
+                  </a:rPr>
+                  <a:t>助教時間 </a:t>
+                </a:r>
+                <a:r>
+                  <a:rPr lang="en-US" altLang="zh-TW" sz="1600" dirty="0">
+                    <a:solidFill>
+                      <a:schemeClr val="bg1">
+                        <a:lumMod val="50000"/>
+                      </a:schemeClr>
+                    </a:solidFill>
+                    <a:latin typeface="微軟正黑體" panose="020B0604030504040204" pitchFamily="34" charset="-120"/>
+                    <a:ea typeface="微軟正黑體" panose="020B0604030504040204" pitchFamily="34" charset="-120"/>
+                  </a:rPr>
+                  <a:t>&amp; </a:t>
+                </a:r>
+                <a:r>
+                  <a:rPr lang="zh-TW" altLang="en-US" sz="1600" dirty="0">
+                    <a:solidFill>
+                      <a:schemeClr val="bg1">
+                        <a:lumMod val="50000"/>
+                      </a:schemeClr>
+                    </a:solidFill>
+                    <a:latin typeface="微軟正黑體" panose="020B0604030504040204" pitchFamily="34" charset="-120"/>
+                    <a:ea typeface="微軟正黑體" panose="020B0604030504040204" pitchFamily="34" charset="-120"/>
+                  </a:rPr>
+                  <a:t>趨勢討稐</a:t>
+                </a:r>
+              </a:p>
+            </p:txBody>
+          </p:sp>
+        </p:grpSp>
+      </p:grpSp>
+    </p:spTree>
+    <p:extLst>
+      <p:ext uri="{BB962C8B-B14F-4D97-AF65-F5344CB8AC3E}">
+        <p14:creationId xmlns:p14="http://schemas.microsoft.com/office/powerpoint/2010/main" val="98741349"/>
+      </p:ext>
+    </p:extLst>
+  </p:cSld>
+  <p:clrMapOvr>
+    <a:masterClrMapping/>
+  </p:clrMapOvr>
+</p:sld>
+</file>
+
+<file path=ppt/slides/slide4.xml><?xml version="1.0" encoding="utf-8"?>
 <p:sld xmlns:a="http://schemas.openxmlformats.org/drawingml/2006/main" xmlns:r="http://schemas.openxmlformats.org/officeDocument/2006/relationships" xmlns:p="http://schemas.openxmlformats.org/presentationml/2006/main">
   <p:cSld>
     <p:spTree>
@@ -4904,7 +6255,7 @@
 </p:sld>
 </file>
 
-<file path=ppt/slides/slide4.xml><?xml version="1.0" encoding="utf-8"?>
+<file path=ppt/slides/slide5.xml><?xml version="1.0" encoding="utf-8"?>
 <p:sld xmlns:a="http://schemas.openxmlformats.org/drawingml/2006/main" xmlns:r="http://schemas.openxmlformats.org/officeDocument/2006/relationships" xmlns:p="http://schemas.openxmlformats.org/presentationml/2006/main">
   <p:cSld>
     <p:spTree>
@@ -5628,7 +6979,7 @@
 </p:sld>
 </file>
 
-<file path=ppt/slides/slide5.xml><?xml version="1.0" encoding="utf-8"?>
+<file path=ppt/slides/slide6.xml><?xml version="1.0" encoding="utf-8"?>
 <p:sld xmlns:a="http://schemas.openxmlformats.org/drawingml/2006/main" xmlns:r="http://schemas.openxmlformats.org/officeDocument/2006/relationships" xmlns:p="http://schemas.openxmlformats.org/presentationml/2006/main">
   <p:cSld>
     <p:spTree>
@@ -6334,7 +7685,7 @@
 </p:sld>
 </file>
 
-<file path=ppt/slides/slide6.xml><?xml version="1.0" encoding="utf-8"?>
+<file path=ppt/slides/slide7.xml><?xml version="1.0" encoding="utf-8"?>
 <p:sld xmlns:a="http://schemas.openxmlformats.org/drawingml/2006/main" xmlns:r="http://schemas.openxmlformats.org/officeDocument/2006/relationships" xmlns:p="http://schemas.openxmlformats.org/presentationml/2006/main">
   <p:cSld>
     <p:spTree>
@@ -7089,7 +8440,7 @@
 </p:sld>
 </file>
 
-<file path=ppt/slides/slide7.xml><?xml version="1.0" encoding="utf-8"?>
+<file path=ppt/slides/slide8.xml><?xml version="1.0" encoding="utf-8"?>
 <p:sld xmlns:a="http://schemas.openxmlformats.org/drawingml/2006/main" xmlns:r="http://schemas.openxmlformats.org/officeDocument/2006/relationships" xmlns:p="http://schemas.openxmlformats.org/presentationml/2006/main">
   <p:cSld>
     <p:spTree>
@@ -7795,7 +9146,7 @@
 </p:sld>
 </file>
 
-<file path=ppt/slides/slide8.xml><?xml version="1.0" encoding="utf-8"?>
+<file path=ppt/slides/slide9.xml><?xml version="1.0" encoding="utf-8"?>
 <p:sld xmlns:a="http://schemas.openxmlformats.org/drawingml/2006/main" xmlns:r="http://schemas.openxmlformats.org/officeDocument/2006/relationships" xmlns:p="http://schemas.openxmlformats.org/presentationml/2006/main">
   <p:cSld>
     <p:spTree>
@@ -8524,309 +9875,6 @@
     <p:extLst>
       <p:ext uri="{BB962C8B-B14F-4D97-AF65-F5344CB8AC3E}">
         <p14:creationId xmlns:p14="http://schemas.microsoft.com/office/powerpoint/2010/main" val="3620533106"/>
-      </p:ext>
-    </p:extLst>
-  </p:cSld>
-  <p:clrMapOvr>
-    <a:masterClrMapping/>
-  </p:clrMapOvr>
-</p:sld>
-</file>
-
-<file path=ppt/slides/slide9.xml><?xml version="1.0" encoding="utf-8"?>
-<p:sld xmlns:a="http://schemas.openxmlformats.org/drawingml/2006/main" xmlns:r="http://schemas.openxmlformats.org/officeDocument/2006/relationships" xmlns:p="http://schemas.openxmlformats.org/presentationml/2006/main">
-  <p:cSld>
-    <p:spTree>
-      <p:nvGrpSpPr>
-        <p:cNvPr id="1" name=""/>
-        <p:cNvGrpSpPr/>
-        <p:nvPr/>
-      </p:nvGrpSpPr>
-      <p:grpSpPr>
-        <a:xfrm>
-          <a:off x="0" y="0"/>
-          <a:ext cx="0" cy="0"/>
-          <a:chOff x="0" y="0"/>
-          <a:chExt cx="0" cy="0"/>
-        </a:xfrm>
-      </p:grpSpPr>
-      <p:sp>
-        <p:nvSpPr>
-          <p:cNvPr id="20" name="矩形 19">
-            <a:extLst>
-              <a:ext uri="{FF2B5EF4-FFF2-40B4-BE49-F238E27FC236}">
-                <a16:creationId xmlns:a16="http://schemas.microsoft.com/office/drawing/2014/main" id="{610B9A5B-498B-4B4F-706D-81C81658A1F7}"/>
-              </a:ext>
-            </a:extLst>
-          </p:cNvPr>
-          <p:cNvSpPr/>
-          <p:nvPr/>
-        </p:nvSpPr>
-        <p:spPr>
-          <a:xfrm>
-            <a:off x="2088444" y="1253331"/>
-            <a:ext cx="8387645" cy="4410310"/>
-          </a:xfrm>
-          <a:prstGeom prst="rect">
-            <a:avLst/>
-          </a:prstGeom>
-          <a:solidFill>
-            <a:schemeClr val="bg1"/>
-          </a:solidFill>
-          <a:ln>
-            <a:noFill/>
-          </a:ln>
-        </p:spPr>
-        <p:style>
-          <a:lnRef idx="2">
-            <a:schemeClr val="accent1">
-              <a:shade val="15000"/>
-            </a:schemeClr>
-          </a:lnRef>
-          <a:fillRef idx="1">
-            <a:schemeClr val="accent1"/>
-          </a:fillRef>
-          <a:effectRef idx="0">
-            <a:schemeClr val="accent1"/>
-          </a:effectRef>
-          <a:fontRef idx="minor">
-            <a:schemeClr val="lt1"/>
-          </a:fontRef>
-        </p:style>
-        <p:txBody>
-          <a:bodyPr rtlCol="0" anchor="ctr"/>
-          <a:lstStyle/>
-          <a:p>
-            <a:pPr algn="ctr"/>
-            <a:endParaRPr lang="zh-TW" altLang="en-US" dirty="0"/>
-          </a:p>
-        </p:txBody>
-      </p:sp>
-      <p:pic>
-        <p:nvPicPr>
-          <p:cNvPr id="5" name="內容版面配置區 4" descr="一張含有 傢俱, 資料表, 設計 的圖片&#10;&#10;自動產生的描述">
-            <a:extLst>
-              <a:ext uri="{FF2B5EF4-FFF2-40B4-BE49-F238E27FC236}">
-                <a16:creationId xmlns:a16="http://schemas.microsoft.com/office/drawing/2014/main" id="{2CE8AE48-6ECB-57A8-9D6E-55C376CC123C}"/>
-              </a:ext>
-            </a:extLst>
-          </p:cNvPr>
-          <p:cNvPicPr>
-            <a:picLocks noGrp="1" noChangeAspect="1"/>
-          </p:cNvPicPr>
-          <p:nvPr>
-            <p:ph idx="1"/>
-          </p:nvPr>
-        </p:nvPicPr>
-        <p:blipFill>
-          <a:blip r:embed="rId2">
-            <a:extLst>
-              <a:ext uri="{28A0092B-C50C-407E-A947-70E740481C1C}">
-                <a14:useLocalDpi xmlns:a14="http://schemas.microsoft.com/office/drawing/2010/main" val="0"/>
-              </a:ext>
-            </a:extLst>
-          </a:blip>
-          <a:stretch>
-            <a:fillRect/>
-          </a:stretch>
-        </p:blipFill>
-        <p:spPr>
-          <a:xfrm>
-            <a:off x="5916221" y="1253331"/>
-            <a:ext cx="4320000" cy="4320000"/>
-          </a:xfrm>
-          <a:prstGeom prst="rect">
-            <a:avLst/>
-          </a:prstGeom>
-          <a:ln>
-            <a:noFill/>
-          </a:ln>
-          <a:effectLst>
-            <a:softEdge rad="112500"/>
-          </a:effectLst>
-        </p:spPr>
-      </p:pic>
-      <p:sp>
-        <p:nvSpPr>
-          <p:cNvPr id="6" name="文字方塊 5">
-            <a:extLst>
-              <a:ext uri="{FF2B5EF4-FFF2-40B4-BE49-F238E27FC236}">
-                <a16:creationId xmlns:a16="http://schemas.microsoft.com/office/drawing/2014/main" id="{13EF6889-D80E-C5A1-86A1-ABF1782D5E31}"/>
-              </a:ext>
-            </a:extLst>
-          </p:cNvPr>
-          <p:cNvSpPr txBox="1"/>
-          <p:nvPr/>
-        </p:nvSpPr>
-        <p:spPr>
-          <a:xfrm>
-            <a:off x="2268333" y="1115336"/>
-            <a:ext cx="3251211" cy="4410310"/>
-          </a:xfrm>
-          <a:prstGeom prst="rect">
-            <a:avLst/>
-          </a:prstGeom>
-          <a:noFill/>
-        </p:spPr>
-        <p:txBody>
-          <a:bodyPr wrap="none" rtlCol="0">
-            <a:spAutoFit/>
-          </a:bodyPr>
-          <a:lstStyle/>
-          <a:p>
-            <a:pPr marL="342900" indent="-342900">
-              <a:lnSpc>
-                <a:spcPct val="200000"/>
-              </a:lnSpc>
-              <a:buFont typeface="Wingdings" panose="05000000000000000000" pitchFamily="2" charset="2"/>
-              <a:buChar char="ü"/>
-            </a:pPr>
-            <a:r>
-              <a:rPr lang="zh-TW" altLang="en-US" sz="2400" b="1" dirty="0">
-                <a:latin typeface="微軟正黑體" panose="020B0604030504040204" pitchFamily="34" charset="-120"/>
-                <a:ea typeface="微軟正黑體" panose="020B0604030504040204" pitchFamily="34" charset="-120"/>
-              </a:rPr>
-              <a:t> 文件報告自動化</a:t>
-            </a:r>
-            <a:endParaRPr lang="en-US" altLang="zh-TW" sz="2400" b="1" dirty="0">
-              <a:latin typeface="微軟正黑體" panose="020B0604030504040204" pitchFamily="34" charset="-120"/>
-              <a:ea typeface="微軟正黑體" panose="020B0604030504040204" pitchFamily="34" charset="-120"/>
-            </a:endParaRPr>
-          </a:p>
-          <a:p>
-            <a:pPr marL="342900" indent="-342900">
-              <a:lnSpc>
-                <a:spcPct val="200000"/>
-              </a:lnSpc>
-              <a:buFont typeface="Wingdings" panose="05000000000000000000" pitchFamily="2" charset="2"/>
-              <a:buChar char="ü"/>
-            </a:pPr>
-            <a:r>
-              <a:rPr lang="zh-TW" altLang="en-US" sz="2400" b="1" dirty="0">
-                <a:latin typeface="微軟正黑體" panose="020B0604030504040204" pitchFamily="34" charset="-120"/>
-                <a:ea typeface="微軟正黑體" panose="020B0604030504040204" pitchFamily="34" charset="-120"/>
-              </a:rPr>
-              <a:t> 表格數據應用情境</a:t>
-            </a:r>
-            <a:endParaRPr lang="en-US" altLang="zh-TW" sz="2400" b="1" dirty="0">
-              <a:latin typeface="微軟正黑體" panose="020B0604030504040204" pitchFamily="34" charset="-120"/>
-              <a:ea typeface="微軟正黑體" panose="020B0604030504040204" pitchFamily="34" charset="-120"/>
-            </a:endParaRPr>
-          </a:p>
-          <a:p>
-            <a:pPr marL="342900" indent="-342900">
-              <a:lnSpc>
-                <a:spcPct val="200000"/>
-              </a:lnSpc>
-              <a:buFont typeface="Wingdings" panose="05000000000000000000" pitchFamily="2" charset="2"/>
-              <a:buChar char="ü"/>
-            </a:pPr>
-            <a:r>
-              <a:rPr lang="zh-TW" altLang="en-US" sz="2400" b="1" dirty="0">
-                <a:latin typeface="微軟正黑體" panose="020B0604030504040204" pitchFamily="34" charset="-120"/>
-                <a:ea typeface="微軟正黑體" panose="020B0604030504040204" pitchFamily="34" charset="-120"/>
-              </a:rPr>
-              <a:t> 會議流程智能化</a:t>
-            </a:r>
-            <a:endParaRPr lang="en-US" altLang="zh-TW" sz="2400" b="1" dirty="0">
-              <a:latin typeface="微軟正黑體" panose="020B0604030504040204" pitchFamily="34" charset="-120"/>
-              <a:ea typeface="微軟正黑體" panose="020B0604030504040204" pitchFamily="34" charset="-120"/>
-            </a:endParaRPr>
-          </a:p>
-          <a:p>
-            <a:pPr marL="342900" indent="-342900">
-              <a:lnSpc>
-                <a:spcPct val="200000"/>
-              </a:lnSpc>
-              <a:buFont typeface="Wingdings" panose="05000000000000000000" pitchFamily="2" charset="2"/>
-              <a:buChar char="ü"/>
-            </a:pPr>
-            <a:r>
-              <a:rPr lang="zh-TW" altLang="en-US" sz="2400" b="1" dirty="0">
-                <a:latin typeface="微軟正黑體" panose="020B0604030504040204" pitchFamily="34" charset="-120"/>
-                <a:ea typeface="微軟正黑體" panose="020B0604030504040204" pitchFamily="34" charset="-120"/>
-              </a:rPr>
-              <a:t> 自定義虛擬助理</a:t>
-            </a:r>
-            <a:endParaRPr lang="en-US" altLang="zh-TW" sz="2400" b="1" dirty="0">
-              <a:latin typeface="微軟正黑體" panose="020B0604030504040204" pitchFamily="34" charset="-120"/>
-              <a:ea typeface="微軟正黑體" panose="020B0604030504040204" pitchFamily="34" charset="-120"/>
-            </a:endParaRPr>
-          </a:p>
-          <a:p>
-            <a:pPr marL="342900" indent="-342900">
-              <a:lnSpc>
-                <a:spcPct val="200000"/>
-              </a:lnSpc>
-              <a:buFont typeface="Wingdings" panose="05000000000000000000" pitchFamily="2" charset="2"/>
-              <a:buChar char="ü"/>
-            </a:pPr>
-            <a:r>
-              <a:rPr lang="zh-TW" altLang="en-US" sz="2400" b="1" dirty="0">
-                <a:latin typeface="微軟正黑體" panose="020B0604030504040204" pitchFamily="34" charset="-120"/>
-                <a:ea typeface="微軟正黑體" panose="020B0604030504040204" pitchFamily="34" charset="-120"/>
-              </a:rPr>
-              <a:t> 合規評估與分析</a:t>
-            </a:r>
-            <a:endParaRPr lang="en-US" altLang="zh-TW" sz="2400" b="1" dirty="0">
-              <a:latin typeface="微軟正黑體" panose="020B0604030504040204" pitchFamily="34" charset="-120"/>
-              <a:ea typeface="微軟正黑體" panose="020B0604030504040204" pitchFamily="34" charset="-120"/>
-            </a:endParaRPr>
-          </a:p>
-          <a:p>
-            <a:pPr marL="342900" indent="-342900">
-              <a:lnSpc>
-                <a:spcPct val="200000"/>
-              </a:lnSpc>
-              <a:buFont typeface="Wingdings" panose="05000000000000000000" pitchFamily="2" charset="2"/>
-              <a:buChar char="ü"/>
-            </a:pPr>
-            <a:r>
-              <a:rPr lang="zh-TW" altLang="en-US" sz="2400" b="1" dirty="0">
-                <a:latin typeface="微軟正黑體" panose="020B0604030504040204" pitchFamily="34" charset="-120"/>
-                <a:ea typeface="微軟正黑體" panose="020B0604030504040204" pitchFamily="34" charset="-120"/>
-              </a:rPr>
-              <a:t> </a:t>
-            </a:r>
-            <a:r>
-              <a:rPr lang="en-US" altLang="zh-TW" sz="2400" b="1" dirty="0">
-                <a:latin typeface="微軟正黑體" panose="020B0604030504040204" pitchFamily="34" charset="-120"/>
-                <a:ea typeface="微軟正黑體" panose="020B0604030504040204" pitchFamily="34" charset="-120"/>
-              </a:rPr>
-              <a:t>ESG </a:t>
-            </a:r>
-            <a:r>
-              <a:rPr lang="zh-TW" altLang="en-US" sz="2400" b="1" dirty="0">
-                <a:latin typeface="微軟正黑體" panose="020B0604030504040204" pitchFamily="34" charset="-120"/>
-                <a:ea typeface="微軟正黑體" panose="020B0604030504040204" pitchFamily="34" charset="-120"/>
-              </a:rPr>
-              <a:t>與 </a:t>
-            </a:r>
-            <a:r>
-              <a:rPr lang="en-US" altLang="zh-TW" sz="2400" b="1" dirty="0">
-                <a:latin typeface="微軟正黑體" panose="020B0604030504040204" pitchFamily="34" charset="-120"/>
-                <a:ea typeface="微軟正黑體" panose="020B0604030504040204" pitchFamily="34" charset="-120"/>
-              </a:rPr>
-              <a:t>AI </a:t>
-            </a:r>
-            <a:r>
-              <a:rPr lang="zh-TW" altLang="en-US" sz="2400" b="1" dirty="0">
-                <a:latin typeface="微軟正黑體" panose="020B0604030504040204" pitchFamily="34" charset="-120"/>
-                <a:ea typeface="微軟正黑體" panose="020B0604030504040204" pitchFamily="34" charset="-120"/>
-              </a:rPr>
-              <a:t>整合討論</a:t>
-            </a:r>
-            <a:endParaRPr lang="en-US" altLang="zh-TW" sz="2400" b="1" dirty="0">
-              <a:latin typeface="微軟正黑體" panose="020B0604030504040204" pitchFamily="34" charset="-120"/>
-              <a:ea typeface="微軟正黑體" panose="020B0604030504040204" pitchFamily="34" charset="-120"/>
-            </a:endParaRPr>
-          </a:p>
-        </p:txBody>
-      </p:sp>
-    </p:spTree>
-    <p:extLst>
-      <p:ext uri="{BB962C8B-B14F-4D97-AF65-F5344CB8AC3E}">
-        <p14:creationId xmlns:p14="http://schemas.microsoft.com/office/powerpoint/2010/main" val="3631080252"/>
       </p:ext>
     </p:extLst>
   </p:cSld>
